--- a/hTaxi_v0.2.pptx
+++ b/hTaxi_v0.2.pptx
@@ -37,21 +37,19 @@
     <p:sldId id="327" r:id="rId31"/>
     <p:sldId id="328" r:id="rId32"/>
     <p:sldId id="326" r:id="rId33"/>
-    <p:sldId id="310" r:id="rId34"/>
-    <p:sldId id="311" r:id="rId35"/>
-    <p:sldId id="312" r:id="rId36"/>
-    <p:sldId id="313" r:id="rId37"/>
-    <p:sldId id="315" r:id="rId38"/>
-    <p:sldId id="316" r:id="rId39"/>
-    <p:sldId id="317" r:id="rId40"/>
-    <p:sldId id="318" r:id="rId41"/>
-    <p:sldId id="319" r:id="rId42"/>
-    <p:sldId id="320" r:id="rId43"/>
-    <p:sldId id="321" r:id="rId44"/>
-    <p:sldId id="322" r:id="rId45"/>
-    <p:sldId id="323" r:id="rId46"/>
-    <p:sldId id="324" r:id="rId47"/>
-    <p:sldId id="325" r:id="rId48"/>
+    <p:sldId id="336" r:id="rId34"/>
+    <p:sldId id="340" r:id="rId35"/>
+    <p:sldId id="335" r:id="rId36"/>
+    <p:sldId id="320" r:id="rId37"/>
+    <p:sldId id="321" r:id="rId38"/>
+    <p:sldId id="323" r:id="rId39"/>
+    <p:sldId id="312" r:id="rId40"/>
+    <p:sldId id="313" r:id="rId41"/>
+    <p:sldId id="315" r:id="rId42"/>
+    <p:sldId id="338" r:id="rId43"/>
+    <p:sldId id="317" r:id="rId44"/>
+    <p:sldId id="318" r:id="rId45"/>
+    <p:sldId id="319" r:id="rId46"/>
   </p:sldIdLst>
   <p:sldSz cx="12192000" cy="6858000"/>
   <p:notesSz cx="6858000" cy="9144000"/>
@@ -17843,7 +17841,8 @@
                   <a:srgbClr val="24292E"/>
                 </a:solidFill>
                 <a:effectLst/>
-                <a:latin typeface="-apple-system"/>
+                <a:latin typeface="+mn-ea"/>
+                <a:ea typeface="+mn-ea"/>
               </a:rPr>
               <a:t>CQRS </a:t>
             </a:r>
@@ -17853,7 +17852,8 @@
                   <a:srgbClr val="24292E"/>
                 </a:solidFill>
                 <a:effectLst/>
-                <a:latin typeface="-apple-system"/>
+                <a:latin typeface="+mn-ea"/>
+                <a:ea typeface="+mn-ea"/>
               </a:rPr>
               <a:t>를 위한 </a:t>
             </a:r>
@@ -17863,7 +17863,8 @@
                   <a:srgbClr val="24292E"/>
                 </a:solidFill>
                 <a:effectLst/>
-                <a:latin typeface="-apple-system"/>
+                <a:latin typeface="+mn-ea"/>
+                <a:ea typeface="+mn-ea"/>
               </a:rPr>
               <a:t>orderstatus</a:t>
             </a:r>
@@ -17873,7 +17874,8 @@
                   <a:srgbClr val="24292E"/>
                 </a:solidFill>
                 <a:effectLst/>
-                <a:latin typeface="-apple-system"/>
+                <a:latin typeface="+mn-ea"/>
+                <a:ea typeface="+mn-ea"/>
               </a:rPr>
               <a:t> </a:t>
             </a:r>
@@ -17883,7 +17885,8 @@
                   <a:srgbClr val="24292E"/>
                 </a:solidFill>
                 <a:effectLst/>
-                <a:latin typeface="-apple-system"/>
+                <a:latin typeface="+mn-ea"/>
+                <a:ea typeface="+mn-ea"/>
               </a:rPr>
               <a:t>서비스만 </a:t>
             </a:r>
@@ -17893,7 +17896,8 @@
                   <a:srgbClr val="24292E"/>
                 </a:solidFill>
                 <a:effectLst/>
-                <a:latin typeface="-apple-system"/>
+                <a:latin typeface="+mn-ea"/>
+                <a:ea typeface="+mn-ea"/>
               </a:rPr>
               <a:t>DB</a:t>
             </a:r>
@@ -17903,7 +17907,8 @@
                   <a:srgbClr val="24292E"/>
                 </a:solidFill>
                 <a:effectLst/>
-                <a:latin typeface="-apple-system"/>
+                <a:latin typeface="+mn-ea"/>
+                <a:ea typeface="+mn-ea"/>
               </a:rPr>
               <a:t>를 구분하여 적용함</a:t>
             </a:r>
@@ -17913,7 +17918,8 @@
                   <a:srgbClr val="24292E"/>
                 </a:solidFill>
                 <a:effectLst/>
-                <a:latin typeface="-apple-system"/>
+                <a:latin typeface="+mn-ea"/>
+                <a:ea typeface="+mn-ea"/>
               </a:rPr>
               <a:t>. </a:t>
             </a:r>
@@ -17923,7 +17929,8 @@
                   <a:srgbClr val="24292E"/>
                 </a:solidFill>
                 <a:effectLst/>
-                <a:latin typeface="-apple-system"/>
+                <a:latin typeface="+mn-ea"/>
+                <a:ea typeface="+mn-ea"/>
               </a:rPr>
               <a:t>인메모리 </a:t>
             </a:r>
@@ -17933,7 +17940,8 @@
                   <a:srgbClr val="24292E"/>
                 </a:solidFill>
                 <a:effectLst/>
-                <a:latin typeface="-apple-system"/>
+                <a:latin typeface="+mn-ea"/>
+                <a:ea typeface="+mn-ea"/>
               </a:rPr>
               <a:t>DB</a:t>
             </a:r>
@@ -17943,7 +17951,8 @@
                   <a:srgbClr val="24292E"/>
                 </a:solidFill>
                 <a:effectLst/>
-                <a:latin typeface="-apple-system"/>
+                <a:latin typeface="+mn-ea"/>
+                <a:ea typeface="+mn-ea"/>
               </a:rPr>
               <a:t>인 </a:t>
             </a:r>
@@ -17953,7 +17962,8 @@
                   <a:srgbClr val="24292E"/>
                 </a:solidFill>
                 <a:effectLst/>
-                <a:latin typeface="-apple-system"/>
+                <a:latin typeface="+mn-ea"/>
+                <a:ea typeface="+mn-ea"/>
               </a:rPr>
               <a:t>hsqldb</a:t>
             </a:r>
@@ -17963,7 +17973,8 @@
                   <a:srgbClr val="24292E"/>
                 </a:solidFill>
                 <a:effectLst/>
-                <a:latin typeface="-apple-system"/>
+                <a:latin typeface="+mn-ea"/>
+                <a:ea typeface="+mn-ea"/>
               </a:rPr>
               <a:t> </a:t>
             </a:r>
@@ -17973,7 +17984,8 @@
                   <a:srgbClr val="24292E"/>
                 </a:solidFill>
                 <a:effectLst/>
-                <a:latin typeface="-apple-system"/>
+                <a:latin typeface="+mn-ea"/>
+                <a:ea typeface="+mn-ea"/>
               </a:rPr>
               <a:t>사용</a:t>
             </a:r>
@@ -17983,11 +17995,15 @@
                   <a:srgbClr val="24292E"/>
                 </a:solidFill>
                 <a:effectLst/>
-                <a:latin typeface="-apple-system"/>
+                <a:latin typeface="+mn-ea"/>
+                <a:ea typeface="+mn-ea"/>
               </a:rPr>
               <a:t>.</a:t>
             </a:r>
-            <a:endParaRPr lang="ko-KR" altLang="en-US" sz="1800" dirty="0"/>
+            <a:endParaRPr lang="ko-KR" altLang="en-US" sz="1800" dirty="0">
+              <a:latin typeface="+mn-ea"/>
+              <a:ea typeface="+mn-ea"/>
+            </a:endParaRPr>
           </a:p>
         </p:txBody>
       </p:sp>
@@ -21098,8 +21114,8 @@
         </p:nvSpPr>
         <p:spPr>
           <a:xfrm>
-            <a:off x="838200" y="365125"/>
-            <a:ext cx="10515600" cy="1516565"/>
+            <a:off x="838200" y="365126"/>
+            <a:ext cx="10515600" cy="865364"/>
           </a:xfrm>
         </p:spPr>
         <p:txBody>
@@ -21109,46 +21125,28 @@
           <a:lstStyle/>
           <a:p>
             <a:r>
+              <a:rPr lang="ko-KR" altLang="en-US" dirty="0"/>
+              <a:t>동기식 호출 </a:t>
+            </a:r>
+            <a:r>
               <a:rPr lang="en-US" altLang="ko-KR" dirty="0"/>
-              <a:t>CI/CD </a:t>
+              <a:t>/ </a:t>
             </a:r>
             <a:r>
               <a:rPr lang="ko-KR" altLang="en-US" dirty="0"/>
-              <a:t>설정</a:t>
+              <a:t>서킷 브레이킹 </a:t>
+            </a:r>
+            <a:r>
+              <a:rPr lang="en-US" altLang="ko-KR" dirty="0"/>
+              <a:t>/ </a:t>
+            </a:r>
+            <a:r>
+              <a:rPr lang="ko-KR" altLang="en-US" dirty="0"/>
+              <a:t>장애격리</a:t>
             </a:r>
           </a:p>
         </p:txBody>
       </p:sp>
-      <p:pic>
-        <p:nvPicPr>
-          <p:cNvPr id="5" name="그림 4">
-            <a:extLst>
-              <a:ext uri="{FF2B5EF4-FFF2-40B4-BE49-F238E27FC236}">
-                <a16:creationId xmlns:a16="http://schemas.microsoft.com/office/drawing/2014/main" id="{C37DA741-5DF6-46F7-9CD6-EC8222475691}"/>
-              </a:ext>
-            </a:extLst>
-          </p:cNvPr>
-          <p:cNvPicPr>
-            <a:picLocks noChangeAspect="1"/>
-          </p:cNvPicPr>
-          <p:nvPr/>
-        </p:nvPicPr>
-        <p:blipFill>
-          <a:blip r:embed="rId2"/>
-          <a:stretch>
-            <a:fillRect/>
-          </a:stretch>
-        </p:blipFill>
-        <p:spPr>
-          <a:xfrm>
-            <a:off x="957677" y="2252870"/>
-            <a:ext cx="8924925" cy="4445038"/>
-          </a:xfrm>
-          <a:prstGeom prst="rect">
-            <a:avLst/>
-          </a:prstGeom>
-        </p:spPr>
-      </p:pic>
       <p:sp>
         <p:nvSpPr>
           <p:cNvPr id="6" name="TextBox 5">
@@ -21163,8 +21161,8 @@
         </p:nvSpPr>
         <p:spPr>
           <a:xfrm>
-            <a:off x="838200" y="1550504"/>
-            <a:ext cx="10876722" cy="662609"/>
+            <a:off x="838200" y="1255934"/>
+            <a:ext cx="6420556" cy="1077218"/>
           </a:xfrm>
           <a:prstGeom prst="rect">
             <a:avLst/>
@@ -21177,174 +21175,639 @@
           </a:bodyPr>
           <a:lstStyle/>
           <a:p>
-            <a:r>
-              <a:rPr lang="ko-KR" altLang="en-US" b="0" i="0" dirty="0">
+            <a:pPr marL="342900" indent="-342900">
+              <a:buAutoNum type="arabicPeriod"/>
+            </a:pPr>
+            <a:r>
+              <a:rPr lang="en-US" altLang="ko-KR" sz="1600" dirty="0" err="1">
+                <a:solidFill>
+                  <a:srgbClr val="24292E"/>
+                </a:solidFill>
+                <a:latin typeface="+mn-ea"/>
+              </a:rPr>
+              <a:t>istio</a:t>
+            </a:r>
+            <a:r>
+              <a:rPr lang="en-US" altLang="ko-KR" sz="1600" dirty="0">
+                <a:solidFill>
+                  <a:srgbClr val="24292E"/>
+                </a:solidFill>
+                <a:latin typeface="+mn-ea"/>
+              </a:rPr>
+              <a:t>-injection </a:t>
+            </a:r>
+            <a:r>
+              <a:rPr lang="ko-KR" altLang="en-US" sz="1600" dirty="0">
+                <a:solidFill>
+                  <a:srgbClr val="24292E"/>
+                </a:solidFill>
+                <a:latin typeface="+mn-ea"/>
+              </a:rPr>
+              <a:t>적용</a:t>
+            </a:r>
+            <a:endParaRPr lang="en-US" altLang="ko-KR" sz="1600" dirty="0">
+              <a:solidFill>
+                <a:srgbClr val="24292E"/>
+              </a:solidFill>
+              <a:latin typeface="+mn-ea"/>
+            </a:endParaRPr>
+          </a:p>
+          <a:p>
+            <a:r>
+              <a:rPr lang="en-US" altLang="ko-KR" sz="1600" dirty="0">
+                <a:solidFill>
+                  <a:srgbClr val="24292E"/>
+                </a:solidFill>
+                <a:latin typeface="+mn-ea"/>
+              </a:rPr>
+              <a:t>   # Sidecar Activate</a:t>
+            </a:r>
+          </a:p>
+          <a:p>
+            <a:r>
+              <a:rPr lang="en-US" altLang="ko-KR" sz="1600" dirty="0">
+                <a:solidFill>
+                  <a:srgbClr val="24292E"/>
+                </a:solidFill>
+                <a:latin typeface="+mn-ea"/>
+              </a:rPr>
+              <a:t>   </a:t>
+            </a:r>
+            <a:r>
+              <a:rPr lang="en-US" altLang="ko-KR" sz="1600" dirty="0" err="1">
+                <a:solidFill>
+                  <a:srgbClr val="24292E"/>
+                </a:solidFill>
+                <a:latin typeface="+mn-ea"/>
+              </a:rPr>
+              <a:t>kubectl</a:t>
+            </a:r>
+            <a:r>
+              <a:rPr lang="en-US" altLang="ko-KR" sz="1600" dirty="0">
+                <a:solidFill>
+                  <a:srgbClr val="24292E"/>
+                </a:solidFill>
+                <a:latin typeface="+mn-ea"/>
+              </a:rPr>
+              <a:t> label namespace </a:t>
+            </a:r>
+            <a:r>
+              <a:rPr lang="en-US" altLang="ko-KR" sz="1600" dirty="0" err="1">
+                <a:solidFill>
+                  <a:srgbClr val="24292E"/>
+                </a:solidFill>
+                <a:latin typeface="+mn-ea"/>
+              </a:rPr>
+              <a:t>istio</a:t>
+            </a:r>
+            <a:r>
+              <a:rPr lang="en-US" altLang="ko-KR" sz="1600" dirty="0">
+                <a:solidFill>
+                  <a:srgbClr val="24292E"/>
+                </a:solidFill>
+                <a:latin typeface="+mn-ea"/>
+              </a:rPr>
+              <a:t>-</a:t>
+            </a:r>
+            <a:r>
+              <a:rPr lang="en-US" altLang="ko-KR" sz="1600" dirty="0" err="1">
+                <a:solidFill>
+                  <a:srgbClr val="24292E"/>
+                </a:solidFill>
+                <a:latin typeface="+mn-ea"/>
+              </a:rPr>
+              <a:t>cb</a:t>
+            </a:r>
+            <a:r>
+              <a:rPr lang="en-US" altLang="ko-KR" sz="1600" dirty="0">
+                <a:solidFill>
+                  <a:srgbClr val="24292E"/>
+                </a:solidFill>
+                <a:latin typeface="+mn-ea"/>
+              </a:rPr>
+              <a:t>-ns </a:t>
+            </a:r>
+            <a:r>
+              <a:rPr lang="en-US" altLang="ko-KR" sz="1600" dirty="0" err="1">
+                <a:solidFill>
+                  <a:srgbClr val="24292E"/>
+                </a:solidFill>
+                <a:latin typeface="+mn-ea"/>
+              </a:rPr>
+              <a:t>istio</a:t>
+            </a:r>
+            <a:r>
+              <a:rPr lang="en-US" altLang="ko-KR" sz="1600" dirty="0">
+                <a:solidFill>
+                  <a:srgbClr val="24292E"/>
+                </a:solidFill>
+                <a:latin typeface="+mn-ea"/>
+              </a:rPr>
+              <a:t>-injection=enabled</a:t>
+            </a:r>
+          </a:p>
+          <a:p>
+            <a:r>
+              <a:rPr lang="en-US" altLang="ko-KR" sz="1600" b="0" i="0" dirty="0" smtClean="0">
                 <a:solidFill>
                   <a:srgbClr val="24292E"/>
                 </a:solidFill>
                 <a:effectLst/>
-                <a:latin typeface="-apple-system"/>
-              </a:rPr>
-              <a:t>각 구현체들은 각자의 </a:t>
-            </a:r>
-            <a:r>
-              <a:rPr lang="en-US" altLang="ko-KR" b="0" i="0" dirty="0">
+                <a:latin typeface="+mn-ea"/>
+              </a:rPr>
+              <a:t>2</a:t>
+            </a:r>
+            <a:r>
+              <a:rPr lang="en-US" altLang="ko-KR" sz="1600" b="0" i="0" dirty="0">
                 <a:solidFill>
                   <a:srgbClr val="24292E"/>
                 </a:solidFill>
                 <a:effectLst/>
-                <a:latin typeface="-apple-system"/>
-              </a:rPr>
-              <a:t>source repository </a:t>
-            </a:r>
-            <a:r>
-              <a:rPr lang="ko-KR" altLang="en-US" b="0" i="0" dirty="0">
+                <a:latin typeface="+mn-ea"/>
+              </a:rPr>
+              <a:t>. </a:t>
+            </a:r>
+            <a:r>
+              <a:rPr lang="ko-KR" altLang="en-US" sz="1600" b="0" i="0" dirty="0">
                 <a:solidFill>
                   <a:srgbClr val="24292E"/>
                 </a:solidFill>
                 <a:effectLst/>
-                <a:latin typeface="-apple-system"/>
-              </a:rPr>
-              <a:t>에 구성되었고</a:t>
-            </a:r>
-            <a:r>
-              <a:rPr lang="en-US" altLang="ko-KR" b="0" i="0" dirty="0">
+                <a:latin typeface="+mn-ea"/>
+              </a:rPr>
+              <a:t>서킷 </a:t>
+            </a:r>
+            <a:r>
+              <a:rPr lang="ko-KR" altLang="en-US" sz="1600" b="0" i="0" dirty="0" err="1">
                 <a:solidFill>
                   <a:srgbClr val="24292E"/>
                 </a:solidFill>
                 <a:effectLst/>
-                <a:latin typeface="-apple-system"/>
-              </a:rPr>
-              <a:t>, </a:t>
-            </a:r>
-            <a:r>
-              <a:rPr lang="ko-KR" altLang="en-US" b="0" i="0" dirty="0">
+                <a:latin typeface="+mn-ea"/>
+              </a:rPr>
+              <a:t>브레이킹을</a:t>
+            </a:r>
+            <a:r>
+              <a:rPr lang="ko-KR" altLang="en-US" sz="1600" b="0" i="0" dirty="0">
                 <a:solidFill>
                   <a:srgbClr val="24292E"/>
                 </a:solidFill>
                 <a:effectLst/>
-                <a:latin typeface="-apple-system"/>
-              </a:rPr>
-              <a:t>사용한 </a:t>
-            </a:r>
-            <a:r>
-              <a:rPr lang="en-US" altLang="ko-KR" b="0" i="0" dirty="0">
+                <a:latin typeface="+mn-ea"/>
+              </a:rPr>
+              <a:t> 위한 </a:t>
+            </a:r>
+            <a:r>
+              <a:rPr lang="en-US" altLang="ko-KR" sz="1600" b="0" i="0" dirty="0" err="1">
                 <a:solidFill>
                   <a:srgbClr val="24292E"/>
                 </a:solidFill>
                 <a:effectLst/>
-                <a:latin typeface="-apple-system"/>
-              </a:rPr>
-              <a:t>CI/CD </a:t>
-            </a:r>
-            <a:r>
-              <a:rPr lang="ko-KR" altLang="en-US" b="0" i="0" dirty="0">
+                <a:latin typeface="+mn-ea"/>
+              </a:rPr>
+              <a:t>DestinationRule</a:t>
+            </a:r>
+            <a:r>
+              <a:rPr lang="en-US" altLang="ko-KR" sz="1600" b="0" i="0" dirty="0">
                 <a:solidFill>
                   <a:srgbClr val="24292E"/>
                 </a:solidFill>
                 <a:effectLst/>
-                <a:latin typeface="-apple-system"/>
-              </a:rPr>
-              <a:t>플랫폼은 </a:t>
-            </a:r>
-            <a:r>
-              <a:rPr lang="en-US" altLang="ko-KR" b="0" i="0" dirty="0">
+                <a:latin typeface="+mn-ea"/>
+              </a:rPr>
+              <a:t> </a:t>
+            </a:r>
+            <a:r>
+              <a:rPr lang="ko-KR" altLang="en-US" sz="1600" b="0" i="0" dirty="0">
                 <a:solidFill>
                   <a:srgbClr val="24292E"/>
                 </a:solidFill>
                 <a:effectLst/>
-                <a:latin typeface="-apple-system"/>
-              </a:rPr>
-              <a:t>AWS </a:t>
-            </a:r>
-            <a:r>
-              <a:rPr lang="en-US" altLang="ko-KR" b="0" i="0" dirty="0" err="1">
-                <a:solidFill>
-                  <a:srgbClr val="24292E"/>
-                </a:solidFill>
-                <a:effectLst/>
-                <a:latin typeface="-apple-system"/>
-              </a:rPr>
-              <a:t>CodeBuild</a:t>
-            </a:r>
-            <a:r>
-              <a:rPr lang="ko-KR" altLang="en-US" b="0" i="0" dirty="0">
-                <a:solidFill>
-                  <a:srgbClr val="24292E"/>
-                </a:solidFill>
-                <a:effectLst/>
-                <a:latin typeface="-apple-system"/>
-              </a:rPr>
-              <a:t>를 사용하였으며</a:t>
-            </a:r>
-            <a:r>
-              <a:rPr lang="en-US" altLang="ko-KR" b="0" i="0" dirty="0">
-                <a:solidFill>
-                  <a:srgbClr val="24292E"/>
-                </a:solidFill>
-                <a:effectLst/>
-                <a:latin typeface="-apple-system"/>
-              </a:rPr>
-              <a:t>, pipeline build script </a:t>
-            </a:r>
-            <a:r>
-              <a:rPr lang="ko-KR" altLang="en-US" b="0" i="0" dirty="0">
-                <a:solidFill>
-                  <a:srgbClr val="24292E"/>
-                </a:solidFill>
-                <a:effectLst/>
-                <a:latin typeface="-apple-system"/>
-              </a:rPr>
-              <a:t>는 각 프로젝트 폴더 이하에 </a:t>
-            </a:r>
-            <a:r>
-              <a:rPr lang="en-US" altLang="ko-KR" b="0" i="0" dirty="0" err="1">
-                <a:solidFill>
-                  <a:srgbClr val="24292E"/>
-                </a:solidFill>
-                <a:effectLst/>
-                <a:latin typeface="-apple-system"/>
-              </a:rPr>
-              <a:t>buildspec.yml</a:t>
-            </a:r>
-            <a:r>
-              <a:rPr lang="en-US" altLang="ko-KR" b="0" i="0" dirty="0">
-                <a:solidFill>
-                  <a:srgbClr val="24292E"/>
-                </a:solidFill>
-                <a:effectLst/>
-                <a:latin typeface="-apple-system"/>
-              </a:rPr>
-              <a:t> </a:t>
-            </a:r>
-            <a:r>
-              <a:rPr lang="ko-KR" altLang="en-US" b="0" i="0" dirty="0">
-                <a:solidFill>
-                  <a:srgbClr val="24292E"/>
-                </a:solidFill>
-                <a:effectLst/>
-                <a:latin typeface="-apple-system"/>
-              </a:rPr>
-              <a:t>에 포함되었다</a:t>
-            </a:r>
-            <a:r>
-              <a:rPr lang="en-US" altLang="ko-KR" b="0" i="0" dirty="0">
-                <a:solidFill>
-                  <a:srgbClr val="24292E"/>
-                </a:solidFill>
-                <a:effectLst/>
-                <a:latin typeface="-apple-system"/>
-              </a:rPr>
-              <a:t>.</a:t>
-            </a:r>
-            <a:endParaRPr lang="ko-KR" altLang="en-US" dirty="0"/>
+                <a:latin typeface="+mn-ea"/>
+              </a:rPr>
+              <a:t>적용</a:t>
+            </a:r>
           </a:p>
         </p:txBody>
       </p:sp>
+      <p:pic>
+        <p:nvPicPr>
+          <p:cNvPr id="5" name="그림 4"/>
+          <p:cNvPicPr>
+            <a:picLocks noChangeAspect="1"/>
+          </p:cNvPicPr>
+          <p:nvPr/>
+        </p:nvPicPr>
+        <p:blipFill>
+          <a:blip r:embed="rId2"/>
+          <a:stretch>
+            <a:fillRect/>
+          </a:stretch>
+        </p:blipFill>
+        <p:spPr>
+          <a:xfrm>
+            <a:off x="747384" y="2426274"/>
+            <a:ext cx="5469766" cy="2299632"/>
+          </a:xfrm>
+          <a:prstGeom prst="rect">
+            <a:avLst/>
+          </a:prstGeom>
+        </p:spPr>
+      </p:pic>
+      <p:sp>
+        <p:nvSpPr>
+          <p:cNvPr id="9" name="TextBox 8"/>
+          <p:cNvSpPr txBox="1"/>
+          <p:nvPr/>
+        </p:nvSpPr>
+        <p:spPr>
+          <a:xfrm>
+            <a:off x="747383" y="4751350"/>
+            <a:ext cx="5469767" cy="1631216"/>
+          </a:xfrm>
+          <a:prstGeom prst="rect">
+            <a:avLst/>
+          </a:prstGeom>
+          <a:noFill/>
+          <a:ln>
+            <a:solidFill>
+              <a:schemeClr val="accent1"/>
+            </a:solidFill>
+          </a:ln>
+        </p:spPr>
+        <p:txBody>
+          <a:bodyPr wrap="none" rtlCol="0">
+            <a:spAutoFit/>
+          </a:bodyPr>
+          <a:lstStyle/>
+          <a:p>
+            <a:r>
+              <a:rPr lang="en-US" altLang="ko-KR" sz="1000" dirty="0"/>
+              <a:t> </a:t>
+            </a:r>
+            <a:r>
+              <a:rPr lang="en-US" altLang="ko-KR" sz="1000" dirty="0" err="1"/>
+              <a:t>maxConnections</a:t>
+            </a:r>
+            <a:r>
+              <a:rPr lang="en-US" altLang="ko-KR" sz="1000" dirty="0"/>
+              <a:t>: 1           # </a:t>
+            </a:r>
+            <a:r>
+              <a:rPr lang="ko-KR" altLang="en-US" sz="1000" dirty="0"/>
+              <a:t>목적지로 가는 </a:t>
+            </a:r>
+            <a:r>
+              <a:rPr lang="en-US" altLang="ko-KR" sz="1000" dirty="0"/>
+              <a:t>HTTP, TCP connection </a:t>
+            </a:r>
+            <a:r>
+              <a:rPr lang="ko-KR" altLang="en-US" sz="1000" dirty="0"/>
+              <a:t>최대 값</a:t>
+            </a:r>
+            <a:r>
+              <a:rPr lang="en-US" altLang="ko-KR" sz="1000" dirty="0"/>
+              <a:t>. (Default 1024)</a:t>
+            </a:r>
+          </a:p>
+          <a:p>
+            <a:r>
+              <a:rPr lang="en-US" altLang="ko-KR" sz="1000" dirty="0"/>
+              <a:t>      http:</a:t>
+            </a:r>
+          </a:p>
+          <a:p>
+            <a:r>
+              <a:rPr lang="en-US" altLang="ko-KR" sz="1000" dirty="0"/>
+              <a:t>        http1MaxPendingRequests: 1  # </a:t>
+            </a:r>
+            <a:r>
+              <a:rPr lang="ko-KR" altLang="en-US" sz="1000" dirty="0"/>
+              <a:t>연결을 기다리는 </a:t>
+            </a:r>
+            <a:r>
+              <a:rPr lang="en-US" altLang="ko-KR" sz="1000" dirty="0"/>
+              <a:t>request </a:t>
+            </a:r>
+            <a:r>
+              <a:rPr lang="ko-KR" altLang="en-US" sz="1000" dirty="0"/>
+              <a:t>수를 </a:t>
+            </a:r>
+            <a:r>
+              <a:rPr lang="en-US" altLang="ko-KR" sz="1000" dirty="0"/>
+              <a:t>1</a:t>
+            </a:r>
+            <a:r>
+              <a:rPr lang="ko-KR" altLang="en-US" sz="1000" dirty="0"/>
+              <a:t>개로 제한 </a:t>
+            </a:r>
+            <a:r>
+              <a:rPr lang="en-US" altLang="ko-KR" sz="1000" dirty="0"/>
+              <a:t>(Default </a:t>
+            </a:r>
+          </a:p>
+          <a:p>
+            <a:r>
+              <a:rPr lang="en-US" altLang="ko-KR" sz="1000" dirty="0"/>
+              <a:t>        </a:t>
+            </a:r>
+            <a:r>
+              <a:rPr lang="en-US" altLang="ko-KR" sz="1000" dirty="0" err="1"/>
+              <a:t>maxRequestsPerConnection</a:t>
+            </a:r>
+            <a:r>
+              <a:rPr lang="en-US" altLang="ko-KR" sz="1000" dirty="0"/>
+              <a:t>: 1 # keep alive </a:t>
+            </a:r>
+            <a:r>
+              <a:rPr lang="ko-KR" altLang="en-US" sz="1000" dirty="0"/>
+              <a:t>기능 </a:t>
+            </a:r>
+            <a:r>
+              <a:rPr lang="en-US" altLang="ko-KR" sz="1000" dirty="0"/>
+              <a:t>disable</a:t>
+            </a:r>
+          </a:p>
+          <a:p>
+            <a:r>
+              <a:rPr lang="en-US" altLang="ko-KR" sz="1000" dirty="0"/>
+              <a:t>        </a:t>
+            </a:r>
+            <a:r>
+              <a:rPr lang="en-US" altLang="ko-KR" sz="1000" dirty="0" err="1"/>
+              <a:t>maxRetries</a:t>
+            </a:r>
+            <a:r>
+              <a:rPr lang="en-US" altLang="ko-KR" sz="1000" dirty="0"/>
+              <a:t>: 3               # </a:t>
+            </a:r>
+            <a:r>
+              <a:rPr lang="ko-KR" altLang="en-US" sz="1000" dirty="0"/>
+              <a:t>기다리는 동안 최대 재시도 수</a:t>
+            </a:r>
+            <a:r>
+              <a:rPr lang="en-US" altLang="ko-KR" sz="1000" dirty="0"/>
+              <a:t>(Default 1024)</a:t>
+            </a:r>
+          </a:p>
+          <a:p>
+            <a:r>
+              <a:rPr lang="en-US" altLang="ko-KR" sz="1000" dirty="0"/>
+              <a:t>    </a:t>
+            </a:r>
+            <a:r>
+              <a:rPr lang="en-US" altLang="ko-KR" sz="1000" dirty="0" err="1"/>
+              <a:t>outlierDetection</a:t>
+            </a:r>
+            <a:r>
+              <a:rPr lang="en-US" altLang="ko-KR" sz="1000" dirty="0"/>
+              <a:t>:</a:t>
+            </a:r>
+          </a:p>
+          <a:p>
+            <a:r>
+              <a:rPr lang="en-US" altLang="ko-KR" sz="1000" dirty="0"/>
+              <a:t>      </a:t>
+            </a:r>
+            <a:r>
+              <a:rPr lang="en-US" altLang="ko-KR" sz="1000" dirty="0" err="1"/>
+              <a:t>consecutiveErrors</a:t>
+            </a:r>
+            <a:r>
+              <a:rPr lang="en-US" altLang="ko-KR" sz="1000" dirty="0"/>
+              <a:t>: 5          # 5xx </a:t>
+            </a:r>
+            <a:r>
+              <a:rPr lang="ko-KR" altLang="en-US" sz="1000" dirty="0"/>
+              <a:t>에러가 </a:t>
+            </a:r>
+            <a:r>
+              <a:rPr lang="en-US" altLang="ko-KR" sz="1000" dirty="0"/>
+              <a:t>5</a:t>
+            </a:r>
+            <a:r>
+              <a:rPr lang="ko-KR" altLang="en-US" sz="1000" dirty="0"/>
+              <a:t>번 발생하면</a:t>
+            </a:r>
+          </a:p>
+          <a:p>
+            <a:r>
+              <a:rPr lang="ko-KR" altLang="en-US" sz="1000" dirty="0"/>
+              <a:t>      </a:t>
+            </a:r>
+            <a:r>
+              <a:rPr lang="en-US" altLang="ko-KR" sz="1000" dirty="0"/>
+              <a:t>interval: 1s                  # 1</a:t>
+            </a:r>
+            <a:r>
+              <a:rPr lang="ko-KR" altLang="en-US" sz="1000" dirty="0"/>
+              <a:t>초마다 스캔 하여</a:t>
+            </a:r>
+          </a:p>
+          <a:p>
+            <a:r>
+              <a:rPr lang="ko-KR" altLang="en-US" sz="1000" dirty="0"/>
+              <a:t>      </a:t>
+            </a:r>
+            <a:r>
+              <a:rPr lang="en-US" altLang="ko-KR" sz="1000" dirty="0" err="1"/>
+              <a:t>baseEjectionTime</a:t>
+            </a:r>
+            <a:r>
+              <a:rPr lang="en-US" altLang="ko-KR" sz="1000" dirty="0"/>
+              <a:t>: 3</a:t>
+            </a:r>
+            <a:r>
+              <a:rPr lang="en-US" altLang="ko-KR" sz="1000" dirty="0" smtClean="0"/>
+              <a:t>0s         </a:t>
+            </a:r>
+            <a:r>
+              <a:rPr lang="en-US" altLang="ko-KR" sz="1000" dirty="0"/>
+              <a:t># 30 </a:t>
+            </a:r>
+            <a:r>
+              <a:rPr lang="ko-KR" altLang="en-US" sz="1000" dirty="0"/>
+              <a:t>초 동안 </a:t>
+            </a:r>
+            <a:r>
+              <a:rPr lang="en-US" altLang="ko-KR" sz="1000" dirty="0"/>
+              <a:t>circuit breaking </a:t>
+            </a:r>
+            <a:r>
+              <a:rPr lang="ko-KR" altLang="en-US" sz="1000" dirty="0"/>
+              <a:t>처리   </a:t>
+            </a:r>
+          </a:p>
+          <a:p>
+            <a:r>
+              <a:rPr lang="ko-KR" altLang="en-US" sz="1000" dirty="0"/>
+              <a:t>      </a:t>
+            </a:r>
+            <a:r>
+              <a:rPr lang="en-US" altLang="ko-KR" sz="1000" dirty="0" err="1"/>
+              <a:t>maxEjectionPercent</a:t>
+            </a:r>
+            <a:r>
+              <a:rPr lang="en-US" altLang="ko-KR" sz="1000" dirty="0"/>
+              <a:t>: 100       # 100% </a:t>
+            </a:r>
+            <a:r>
+              <a:rPr lang="ko-KR" altLang="en-US" sz="1000" dirty="0"/>
+              <a:t>로 차단</a:t>
+            </a:r>
+          </a:p>
+        </p:txBody>
+      </p:sp>
+      <p:sp>
+        <p:nvSpPr>
+          <p:cNvPr id="10" name="TextBox 9">
+            <a:extLst>
+              <a:ext uri="{FF2B5EF4-FFF2-40B4-BE49-F238E27FC236}">
+                <a16:creationId xmlns:a16="http://schemas.microsoft.com/office/drawing/2014/main" id="{C391BA87-14AD-4782-8AEF-21B9D9A27CAE}"/>
+              </a:ext>
+            </a:extLst>
+          </p:cNvPr>
+          <p:cNvSpPr txBox="1"/>
+          <p:nvPr/>
+        </p:nvSpPr>
+        <p:spPr>
+          <a:xfrm>
+            <a:off x="7890871" y="1981508"/>
+            <a:ext cx="3937000" cy="338554"/>
+          </a:xfrm>
+          <a:prstGeom prst="rect">
+            <a:avLst/>
+          </a:prstGeom>
+          <a:noFill/>
+        </p:spPr>
+        <p:txBody>
+          <a:bodyPr wrap="square" rtlCol="0">
+            <a:spAutoFit/>
+          </a:bodyPr>
+          <a:lstStyle/>
+          <a:p>
+            <a:r>
+              <a:rPr lang="en-US" altLang="ko-KR" sz="1600" b="0" i="0" dirty="0" smtClean="0">
+                <a:solidFill>
+                  <a:srgbClr val="24292E"/>
+                </a:solidFill>
+                <a:effectLst/>
+                <a:latin typeface="+mn-ea"/>
+              </a:rPr>
+              <a:t>&gt; </a:t>
+            </a:r>
+            <a:r>
+              <a:rPr lang="ko-KR" altLang="en-US" sz="1600" b="0" i="0" dirty="0" err="1" smtClean="0">
+                <a:solidFill>
+                  <a:srgbClr val="24292E"/>
+                </a:solidFill>
+                <a:effectLst/>
+                <a:latin typeface="+mn-ea"/>
+              </a:rPr>
+              <a:t>부하발생</a:t>
+            </a:r>
+            <a:r>
+              <a:rPr lang="en-US" altLang="ko-KR" sz="1600" b="0" i="0" dirty="0" smtClean="0">
+                <a:solidFill>
+                  <a:srgbClr val="24292E"/>
+                </a:solidFill>
+                <a:effectLst/>
+                <a:latin typeface="+mn-ea"/>
+              </a:rPr>
+              <a:t>: 3</a:t>
+            </a:r>
+            <a:r>
+              <a:rPr lang="ko-KR" altLang="en-US" sz="1600" b="0" i="0" dirty="0" smtClean="0">
+                <a:solidFill>
+                  <a:srgbClr val="24292E"/>
+                </a:solidFill>
+                <a:effectLst/>
+                <a:latin typeface="+mn-ea"/>
+              </a:rPr>
+              <a:t>명</a:t>
+            </a:r>
+            <a:r>
+              <a:rPr lang="en-US" altLang="ko-KR" sz="1600" b="0" i="0" dirty="0" smtClean="0">
+                <a:solidFill>
+                  <a:srgbClr val="24292E"/>
+                </a:solidFill>
+                <a:effectLst/>
+                <a:latin typeface="+mn-ea"/>
+              </a:rPr>
+              <a:t>, 10</a:t>
+            </a:r>
+            <a:r>
+              <a:rPr lang="ko-KR" altLang="en-US" sz="1600" b="0" i="0" dirty="0" smtClean="0">
+                <a:solidFill>
+                  <a:srgbClr val="24292E"/>
+                </a:solidFill>
+                <a:effectLst/>
+                <a:latin typeface="+mn-ea"/>
+              </a:rPr>
+              <a:t>초간 </a:t>
+            </a:r>
+            <a:endParaRPr lang="ko-KR" altLang="en-US" sz="1600" b="0" i="0" dirty="0">
+              <a:solidFill>
+                <a:srgbClr val="24292E"/>
+              </a:solidFill>
+              <a:effectLst/>
+              <a:latin typeface="+mn-ea"/>
+            </a:endParaRPr>
+          </a:p>
+        </p:txBody>
+      </p:sp>
+      <p:pic>
+        <p:nvPicPr>
+          <p:cNvPr id="3" name="그림 2"/>
+          <p:cNvPicPr>
+            <a:picLocks noChangeAspect="1"/>
+          </p:cNvPicPr>
+          <p:nvPr/>
+        </p:nvPicPr>
+        <p:blipFill>
+          <a:blip r:embed="rId3"/>
+          <a:stretch>
+            <a:fillRect/>
+          </a:stretch>
+        </p:blipFill>
+        <p:spPr>
+          <a:xfrm>
+            <a:off x="6276560" y="3422587"/>
+            <a:ext cx="4831707" cy="2959980"/>
+          </a:xfrm>
+          <a:prstGeom prst="rect">
+            <a:avLst/>
+          </a:prstGeom>
+        </p:spPr>
+      </p:pic>
+      <p:pic>
+        <p:nvPicPr>
+          <p:cNvPr id="4" name="그림 3"/>
+          <p:cNvPicPr>
+            <a:picLocks noChangeAspect="1"/>
+          </p:cNvPicPr>
+          <p:nvPr/>
+        </p:nvPicPr>
+        <p:blipFill>
+          <a:blip r:embed="rId4"/>
+          <a:stretch>
+            <a:fillRect/>
+          </a:stretch>
+        </p:blipFill>
+        <p:spPr>
+          <a:xfrm>
+            <a:off x="6276560" y="2428328"/>
+            <a:ext cx="4831707" cy="981169"/>
+          </a:xfrm>
+          <a:prstGeom prst="rect">
+            <a:avLst/>
+          </a:prstGeom>
+        </p:spPr>
+      </p:pic>
     </p:spTree>
     <p:extLst>
       <p:ext uri="{BB962C8B-B14F-4D97-AF65-F5344CB8AC3E}">
-        <p14:creationId xmlns:p14="http://schemas.microsoft.com/office/powerpoint/2010/main" val="636265786"/>
+        <p14:creationId xmlns:p14="http://schemas.microsoft.com/office/powerpoint/2010/main" val="1933079566"/>
       </p:ext>
     </p:extLst>
   </p:cSld>
@@ -21389,8 +21852,8 @@
         </p:nvSpPr>
         <p:spPr>
           <a:xfrm>
-            <a:off x="838200" y="365125"/>
-            <a:ext cx="10515600" cy="1516565"/>
+            <a:off x="838200" y="365126"/>
+            <a:ext cx="10515600" cy="865364"/>
           </a:xfrm>
         </p:spPr>
         <p:txBody>
@@ -21400,12 +21863,24 @@
           <a:lstStyle/>
           <a:p>
             <a:r>
+              <a:rPr lang="ko-KR" altLang="en-US" dirty="0"/>
+              <a:t>동기식 호출 </a:t>
+            </a:r>
+            <a:r>
               <a:rPr lang="en-US" altLang="ko-KR" dirty="0"/>
-              <a:t>CI/CD </a:t>
+              <a:t>/ </a:t>
             </a:r>
             <a:r>
               <a:rPr lang="ko-KR" altLang="en-US" dirty="0"/>
-              <a:t>설정</a:t>
+              <a:t>서킷 브레이킹 </a:t>
+            </a:r>
+            <a:r>
+              <a:rPr lang="en-US" altLang="ko-KR" dirty="0"/>
+              <a:t>/ </a:t>
+            </a:r>
+            <a:r>
+              <a:rPr lang="ko-KR" altLang="en-US" dirty="0"/>
+              <a:t>장애격리</a:t>
             </a:r>
           </a:p>
         </p:txBody>
@@ -21424,8 +21899,8 @@
         </p:nvSpPr>
         <p:spPr>
           <a:xfrm>
-            <a:off x="838200" y="1550504"/>
-            <a:ext cx="10876722" cy="369332"/>
+            <a:off x="838200" y="1255934"/>
+            <a:ext cx="6420556" cy="1077218"/>
           </a:xfrm>
           <a:prstGeom prst="rect">
             <a:avLst/>
@@ -21438,59 +21913,322 @@
           </a:bodyPr>
           <a:lstStyle/>
           <a:p>
-            <a:pPr algn="l"/>
-            <a:r>
-              <a:rPr lang="en-US" altLang="ko-KR" b="0" i="0" dirty="0" err="1">
+            <a:pPr marL="342900" indent="-342900">
+              <a:buAutoNum type="arabicPeriod"/>
+            </a:pPr>
+            <a:r>
+              <a:rPr lang="en-US" altLang="ko-KR" sz="1600" dirty="0" err="1">
+                <a:solidFill>
+                  <a:srgbClr val="24292E"/>
+                </a:solidFill>
+                <a:latin typeface="+mn-ea"/>
+              </a:rPr>
+              <a:t>istio</a:t>
+            </a:r>
+            <a:r>
+              <a:rPr lang="en-US" altLang="ko-KR" sz="1600" dirty="0">
+                <a:solidFill>
+                  <a:srgbClr val="24292E"/>
+                </a:solidFill>
+                <a:latin typeface="+mn-ea"/>
+              </a:rPr>
+              <a:t>-injection </a:t>
+            </a:r>
+            <a:r>
+              <a:rPr lang="ko-KR" altLang="en-US" sz="1600" dirty="0">
+                <a:solidFill>
+                  <a:srgbClr val="24292E"/>
+                </a:solidFill>
+                <a:latin typeface="+mn-ea"/>
+              </a:rPr>
+              <a:t>적용</a:t>
+            </a:r>
+            <a:endParaRPr lang="en-US" altLang="ko-KR" sz="1600" dirty="0">
+              <a:solidFill>
+                <a:srgbClr val="24292E"/>
+              </a:solidFill>
+              <a:latin typeface="+mn-ea"/>
+            </a:endParaRPr>
+          </a:p>
+          <a:p>
+            <a:r>
+              <a:rPr lang="en-US" altLang="ko-KR" sz="1600" dirty="0">
+                <a:solidFill>
+                  <a:srgbClr val="24292E"/>
+                </a:solidFill>
+                <a:latin typeface="+mn-ea"/>
+              </a:rPr>
+              <a:t>   # Sidecar Activate</a:t>
+            </a:r>
+          </a:p>
+          <a:p>
+            <a:r>
+              <a:rPr lang="en-US" altLang="ko-KR" sz="1600" dirty="0">
+                <a:solidFill>
+                  <a:srgbClr val="24292E"/>
+                </a:solidFill>
+                <a:latin typeface="+mn-ea"/>
+              </a:rPr>
+              <a:t>   </a:t>
+            </a:r>
+            <a:r>
+              <a:rPr lang="en-US" altLang="ko-KR" sz="1600" dirty="0" err="1">
+                <a:solidFill>
+                  <a:srgbClr val="24292E"/>
+                </a:solidFill>
+                <a:latin typeface="+mn-ea"/>
+              </a:rPr>
+              <a:t>kubectl</a:t>
+            </a:r>
+            <a:r>
+              <a:rPr lang="en-US" altLang="ko-KR" sz="1600" dirty="0">
+                <a:solidFill>
+                  <a:srgbClr val="24292E"/>
+                </a:solidFill>
+                <a:latin typeface="+mn-ea"/>
+              </a:rPr>
+              <a:t> label namespace </a:t>
+            </a:r>
+            <a:r>
+              <a:rPr lang="en-US" altLang="ko-KR" sz="1600" dirty="0" err="1">
+                <a:solidFill>
+                  <a:srgbClr val="24292E"/>
+                </a:solidFill>
+                <a:latin typeface="+mn-ea"/>
+              </a:rPr>
+              <a:t>istio</a:t>
+            </a:r>
+            <a:r>
+              <a:rPr lang="en-US" altLang="ko-KR" sz="1600" dirty="0">
+                <a:solidFill>
+                  <a:srgbClr val="24292E"/>
+                </a:solidFill>
+                <a:latin typeface="+mn-ea"/>
+              </a:rPr>
+              <a:t>-</a:t>
+            </a:r>
+            <a:r>
+              <a:rPr lang="en-US" altLang="ko-KR" sz="1600" dirty="0" err="1">
+                <a:solidFill>
+                  <a:srgbClr val="24292E"/>
+                </a:solidFill>
+                <a:latin typeface="+mn-ea"/>
+              </a:rPr>
+              <a:t>cb</a:t>
+            </a:r>
+            <a:r>
+              <a:rPr lang="en-US" altLang="ko-KR" sz="1600" dirty="0">
+                <a:solidFill>
+                  <a:srgbClr val="24292E"/>
+                </a:solidFill>
+                <a:latin typeface="+mn-ea"/>
+              </a:rPr>
+              <a:t>-ns </a:t>
+            </a:r>
+            <a:r>
+              <a:rPr lang="en-US" altLang="ko-KR" sz="1600" dirty="0" err="1">
+                <a:solidFill>
+                  <a:srgbClr val="24292E"/>
+                </a:solidFill>
+                <a:latin typeface="+mn-ea"/>
+              </a:rPr>
+              <a:t>istio</a:t>
+            </a:r>
+            <a:r>
+              <a:rPr lang="en-US" altLang="ko-KR" sz="1600" dirty="0">
+                <a:solidFill>
+                  <a:srgbClr val="24292E"/>
+                </a:solidFill>
+                <a:latin typeface="+mn-ea"/>
+              </a:rPr>
+              <a:t>-injection=enabled</a:t>
+            </a:r>
+          </a:p>
+          <a:p>
+            <a:r>
+              <a:rPr lang="en-US" altLang="ko-KR" sz="1600" b="0" i="0" dirty="0" smtClean="0">
                 <a:solidFill>
                   <a:srgbClr val="24292E"/>
                 </a:solidFill>
                 <a:effectLst/>
-                <a:latin typeface="-apple-system"/>
-              </a:rPr>
-              <a:t>Github</a:t>
-            </a:r>
-            <a:r>
-              <a:rPr lang="ko-KR" altLang="en-US" b="0" i="0" dirty="0">
+                <a:latin typeface="+mn-ea"/>
+              </a:rPr>
+              <a:t>2</a:t>
+            </a:r>
+            <a:r>
+              <a:rPr lang="en-US" altLang="ko-KR" sz="1600" b="0" i="0" dirty="0">
                 <a:solidFill>
                   <a:srgbClr val="24292E"/>
                 </a:solidFill>
                 <a:effectLst/>
-                <a:latin typeface="-apple-system"/>
-              </a:rPr>
-              <a:t>의 소스 변경 발생 시 자동으로 빌드 및 배포 되도록 </a:t>
-            </a:r>
-            <a:r>
-              <a:rPr lang="en-US" altLang="ko-KR" b="0" i="0" dirty="0">
+                <a:latin typeface="+mn-ea"/>
+              </a:rPr>
+              <a:t>. </a:t>
+            </a:r>
+            <a:r>
+              <a:rPr lang="ko-KR" altLang="en-US" sz="1600" b="0" i="0" dirty="0">
                 <a:solidFill>
                   <a:srgbClr val="24292E"/>
                 </a:solidFill>
                 <a:effectLst/>
-                <a:latin typeface="-apple-system"/>
-              </a:rPr>
-              <a:t>Git Hook </a:t>
-            </a:r>
-            <a:r>
-              <a:rPr lang="ko-KR" altLang="en-US" b="0" i="0" dirty="0">
+                <a:latin typeface="+mn-ea"/>
+              </a:rPr>
+              <a:t>서킷 </a:t>
+            </a:r>
+            <a:r>
+              <a:rPr lang="ko-KR" altLang="en-US" sz="1600" b="0" i="0" dirty="0" err="1">
                 <a:solidFill>
                   <a:srgbClr val="24292E"/>
                 </a:solidFill>
                 <a:effectLst/>
-                <a:latin typeface="-apple-system"/>
-              </a:rPr>
-              <a:t>연결 설정</a:t>
-            </a:r>
+                <a:latin typeface="+mn-ea"/>
+              </a:rPr>
+              <a:t>브레이킹을</a:t>
+            </a:r>
+            <a:r>
+              <a:rPr lang="ko-KR" altLang="en-US" sz="1600" b="0" i="0" dirty="0">
+                <a:solidFill>
+                  <a:srgbClr val="24292E"/>
+                </a:solidFill>
+                <a:effectLst/>
+                <a:latin typeface="+mn-ea"/>
+              </a:rPr>
+              <a:t> 위한 </a:t>
+            </a:r>
+            <a:r>
+              <a:rPr lang="en-US" altLang="ko-KR" sz="1600" b="0" i="0" dirty="0" err="1">
+                <a:solidFill>
+                  <a:srgbClr val="24292E"/>
+                </a:solidFill>
+                <a:effectLst/>
+                <a:latin typeface="+mn-ea"/>
+              </a:rPr>
+              <a:t>DestinationRule</a:t>
+            </a:r>
+            <a:r>
+              <a:rPr lang="en-US" altLang="ko-KR" sz="1600" b="0" i="0" dirty="0">
+                <a:solidFill>
+                  <a:srgbClr val="24292E"/>
+                </a:solidFill>
+                <a:effectLst/>
+                <a:latin typeface="+mn-ea"/>
+              </a:rPr>
+              <a:t> </a:t>
+            </a:r>
+            <a:r>
+              <a:rPr lang="ko-KR" altLang="en-US" sz="1600" b="0" i="0" dirty="0">
+                <a:solidFill>
+                  <a:srgbClr val="24292E"/>
+                </a:solidFill>
+                <a:effectLst/>
+                <a:latin typeface="+mn-ea"/>
+              </a:rPr>
+              <a:t>적용</a:t>
+            </a:r>
+          </a:p>
+        </p:txBody>
+      </p:sp>
+      <p:sp>
+        <p:nvSpPr>
+          <p:cNvPr id="10" name="TextBox 9">
+            <a:extLst>
+              <a:ext uri="{FF2B5EF4-FFF2-40B4-BE49-F238E27FC236}">
+                <a16:creationId xmlns:a16="http://schemas.microsoft.com/office/drawing/2014/main" id="{C391BA87-14AD-4782-8AEF-21B9D9A27CAE}"/>
+              </a:ext>
+            </a:extLst>
+          </p:cNvPr>
+          <p:cNvSpPr txBox="1"/>
+          <p:nvPr/>
+        </p:nvSpPr>
+        <p:spPr>
+          <a:xfrm>
+            <a:off x="7890871" y="1981508"/>
+            <a:ext cx="3937000" cy="338554"/>
+          </a:xfrm>
+          <a:prstGeom prst="rect">
+            <a:avLst/>
+          </a:prstGeom>
+          <a:noFill/>
+        </p:spPr>
+        <p:txBody>
+          <a:bodyPr wrap="square" rtlCol="0">
+            <a:spAutoFit/>
+          </a:bodyPr>
+          <a:lstStyle/>
+          <a:p>
+            <a:r>
+              <a:rPr lang="en-US" altLang="ko-KR" sz="1600" b="0" i="0" dirty="0" smtClean="0">
+                <a:solidFill>
+                  <a:srgbClr val="24292E"/>
+                </a:solidFill>
+                <a:effectLst/>
+                <a:latin typeface="+mn-ea"/>
+              </a:rPr>
+              <a:t>&gt; </a:t>
+            </a:r>
+            <a:r>
+              <a:rPr lang="ko-KR" altLang="en-US" sz="1600" b="0" i="0" dirty="0" err="1" smtClean="0">
+                <a:solidFill>
+                  <a:srgbClr val="24292E"/>
+                </a:solidFill>
+                <a:effectLst/>
+                <a:latin typeface="+mn-ea"/>
+              </a:rPr>
+              <a:t>부하발생</a:t>
+            </a:r>
+            <a:r>
+              <a:rPr lang="en-US" altLang="ko-KR" sz="1600" b="0" i="0" dirty="0" smtClean="0">
+                <a:solidFill>
+                  <a:srgbClr val="24292E"/>
+                </a:solidFill>
+                <a:effectLst/>
+                <a:latin typeface="+mn-ea"/>
+              </a:rPr>
+              <a:t>: 3</a:t>
+            </a:r>
+            <a:r>
+              <a:rPr lang="ko-KR" altLang="en-US" sz="1600" b="0" i="0" dirty="0" smtClean="0">
+                <a:solidFill>
+                  <a:srgbClr val="24292E"/>
+                </a:solidFill>
+                <a:effectLst/>
+                <a:latin typeface="+mn-ea"/>
+              </a:rPr>
+              <a:t>명</a:t>
+            </a:r>
+            <a:r>
+              <a:rPr lang="en-US" altLang="ko-KR" sz="1600" b="0" i="0" dirty="0" smtClean="0">
+                <a:solidFill>
+                  <a:srgbClr val="24292E"/>
+                </a:solidFill>
+                <a:effectLst/>
+                <a:latin typeface="+mn-ea"/>
+              </a:rPr>
+              <a:t>, 10</a:t>
+            </a:r>
+            <a:r>
+              <a:rPr lang="ko-KR" altLang="en-US" sz="1600" b="0" i="0" dirty="0" smtClean="0">
+                <a:solidFill>
+                  <a:srgbClr val="24292E"/>
+                </a:solidFill>
+                <a:effectLst/>
+                <a:latin typeface="+mn-ea"/>
+              </a:rPr>
+              <a:t>초간 </a:t>
+            </a:r>
+            <a:endParaRPr lang="ko-KR" altLang="en-US" sz="1600" b="0" i="0" dirty="0">
+              <a:solidFill>
+                <a:srgbClr val="24292E"/>
+              </a:solidFill>
+              <a:effectLst/>
+              <a:latin typeface="+mn-ea"/>
+            </a:endParaRPr>
           </a:p>
         </p:txBody>
       </p:sp>
       <p:pic>
         <p:nvPicPr>
-          <p:cNvPr id="11" name="그림 10">
-            <a:extLst>
-              <a:ext uri="{FF2B5EF4-FFF2-40B4-BE49-F238E27FC236}">
-                <a16:creationId xmlns:a16="http://schemas.microsoft.com/office/drawing/2014/main" id="{347815F4-0336-4876-A3EB-BD52BC257A82}"/>
-              </a:ext>
-            </a:extLst>
-          </p:cNvPr>
+          <p:cNvPr id="7" name="그림 6"/>
           <p:cNvPicPr>
             <a:picLocks noChangeAspect="1"/>
           </p:cNvPicPr>
@@ -21504,18 +22242,23 @@
         </p:blipFill>
         <p:spPr>
           <a:xfrm>
-            <a:off x="838200" y="2067341"/>
-            <a:ext cx="9944100" cy="4518991"/>
+            <a:off x="1106840" y="2516641"/>
+            <a:ext cx="8651523" cy="3816426"/>
           </a:xfrm>
           <a:prstGeom prst="rect">
             <a:avLst/>
           </a:prstGeom>
+          <a:ln>
+            <a:solidFill>
+              <a:schemeClr val="accent1"/>
+            </a:solidFill>
+          </a:ln>
         </p:spPr>
       </p:pic>
     </p:spTree>
     <p:extLst>
       <p:ext uri="{BB962C8B-B14F-4D97-AF65-F5344CB8AC3E}">
-        <p14:creationId xmlns:p14="http://schemas.microsoft.com/office/powerpoint/2010/main" val="3678724166"/>
+        <p14:creationId xmlns:p14="http://schemas.microsoft.com/office/powerpoint/2010/main" val="1958510917"/>
       </p:ext>
     </p:extLst>
   </p:cSld>
@@ -21571,16 +22314,24 @@
           <a:lstStyle/>
           <a:p>
             <a:r>
-              <a:rPr lang="en-US" altLang="ko-KR" dirty="0" err="1"/>
-              <a:t>ConfigMap</a:t>
+              <a:rPr lang="ko-KR" altLang="en-US" dirty="0"/>
+              <a:t>동기식 호출 </a:t>
             </a:r>
             <a:r>
               <a:rPr lang="en-US" altLang="ko-KR" dirty="0"/>
-              <a:t> </a:t>
+              <a:t>/ </a:t>
             </a:r>
             <a:r>
               <a:rPr lang="ko-KR" altLang="en-US" dirty="0"/>
-              <a:t>사용</a:t>
+              <a:t>서킷 브레이킹 </a:t>
+            </a:r>
+            <a:r>
+              <a:rPr lang="en-US" altLang="ko-KR" dirty="0"/>
+              <a:t>/ </a:t>
+            </a:r>
+            <a:r>
+              <a:rPr lang="ko-KR" altLang="en-US" dirty="0"/>
+              <a:t>장애격리</a:t>
             </a:r>
           </a:p>
         </p:txBody>
@@ -21600,7 +22351,7 @@
         <p:spPr>
           <a:xfrm>
             <a:off x="838200" y="1550504"/>
-            <a:ext cx="10876722" cy="1415772"/>
+            <a:ext cx="10876722" cy="584775"/>
           </a:xfrm>
           <a:prstGeom prst="rect">
             <a:avLst/>
@@ -21613,300 +22364,117 @@
           </a:bodyPr>
           <a:lstStyle/>
           <a:p>
-            <a:pPr algn="l"/>
-            <a:r>
-              <a:rPr lang="ko-KR" altLang="en-US" sz="1600" b="0" i="0" dirty="0">
-                <a:solidFill>
-                  <a:srgbClr val="24292E"/>
-                </a:solidFill>
-                <a:effectLst/>
-                <a:latin typeface="-apple-system"/>
-              </a:rPr>
-              <a:t>시스템별로 또는 </a:t>
-            </a:r>
-            <a:r>
-              <a:rPr lang="ko-KR" altLang="en-US" sz="1600" b="0" i="0" dirty="0" err="1">
-                <a:solidFill>
-                  <a:srgbClr val="24292E"/>
-                </a:solidFill>
-                <a:effectLst/>
-                <a:latin typeface="-apple-system"/>
-              </a:rPr>
-              <a:t>운영중에</a:t>
-            </a:r>
-            <a:r>
-              <a:rPr lang="ko-KR" altLang="en-US" sz="1600" b="0" i="0" dirty="0">
-                <a:solidFill>
-                  <a:srgbClr val="24292E"/>
-                </a:solidFill>
-                <a:effectLst/>
-                <a:latin typeface="-apple-system"/>
-              </a:rPr>
-              <a:t> 동적으로 변경 가능성이 있는 설정들을 </a:t>
-            </a:r>
-            <a:r>
-              <a:rPr lang="en-US" altLang="ko-KR" sz="1600" b="0" i="0" dirty="0" err="1">
-                <a:solidFill>
-                  <a:srgbClr val="24292E"/>
-                </a:solidFill>
-                <a:effectLst/>
-                <a:latin typeface="-apple-system"/>
-              </a:rPr>
-              <a:t>ConfigMap</a:t>
-            </a:r>
-            <a:r>
-              <a:rPr lang="ko-KR" altLang="en-US" sz="1600" b="0" i="0" dirty="0">
-                <a:solidFill>
-                  <a:srgbClr val="24292E"/>
-                </a:solidFill>
-                <a:effectLst/>
-                <a:latin typeface="-apple-system"/>
-              </a:rPr>
-              <a:t>을 사용하여 관리합니다</a:t>
-            </a:r>
-            <a:r>
-              <a:rPr lang="en-US" altLang="ko-KR" sz="1600" b="0" i="0" dirty="0">
-                <a:solidFill>
-                  <a:srgbClr val="24292E"/>
-                </a:solidFill>
-                <a:effectLst/>
-                <a:latin typeface="-apple-system"/>
-              </a:rPr>
-              <a:t>. Application</a:t>
-            </a:r>
-            <a:r>
-              <a:rPr lang="ko-KR" altLang="en-US" sz="1600" b="0" i="0" dirty="0">
-                <a:solidFill>
-                  <a:srgbClr val="24292E"/>
-                </a:solidFill>
-                <a:effectLst/>
-                <a:latin typeface="-apple-system"/>
-              </a:rPr>
-              <a:t>에서 특정 </a:t>
-            </a:r>
-            <a:r>
-              <a:rPr lang="ko-KR" altLang="en-US" sz="1600" b="0" i="0" dirty="0" err="1">
-                <a:solidFill>
-                  <a:srgbClr val="24292E"/>
-                </a:solidFill>
-                <a:effectLst/>
-                <a:latin typeface="-apple-system"/>
-              </a:rPr>
-              <a:t>도메일</a:t>
-            </a:r>
-            <a:r>
-              <a:rPr lang="ko-KR" altLang="en-US" sz="1600" b="0" i="0" dirty="0">
-                <a:solidFill>
-                  <a:srgbClr val="24292E"/>
-                </a:solidFill>
-                <a:effectLst/>
-                <a:latin typeface="-apple-system"/>
+            <a:r>
+              <a:rPr lang="en-US" altLang="ko-KR" sz="1600" dirty="0" smtClean="0">
+                <a:solidFill>
+                  <a:srgbClr val="24292E"/>
+                </a:solidFill>
+                <a:latin typeface="+mn-ea"/>
+              </a:rPr>
+              <a:t>3. </a:t>
+            </a:r>
+            <a:r>
+              <a:rPr lang="en-US" altLang="ko-KR" sz="1600" dirty="0" err="1" smtClean="0">
+                <a:solidFill>
+                  <a:srgbClr val="24292E"/>
+                </a:solidFill>
+                <a:latin typeface="+mn-ea"/>
+              </a:rPr>
+              <a:t>DestinationRule</a:t>
+            </a:r>
+            <a:r>
+              <a:rPr lang="en-US" altLang="ko-KR" sz="1600" dirty="0" smtClean="0">
+                <a:solidFill>
+                  <a:srgbClr val="24292E"/>
+                </a:solidFill>
+                <a:latin typeface="+mn-ea"/>
               </a:rPr>
               <a:t> </a:t>
             </a:r>
             <a:r>
-              <a:rPr lang="en-US" altLang="ko-KR" sz="1600" b="0" i="0" dirty="0">
-                <a:solidFill>
-                  <a:srgbClr val="24292E"/>
-                </a:solidFill>
-                <a:effectLst/>
-                <a:latin typeface="-apple-system"/>
-              </a:rPr>
-              <a:t>URL</a:t>
-            </a:r>
-            <a:r>
-              <a:rPr lang="ko-KR" altLang="en-US" sz="1600" b="0" i="0" dirty="0">
-                <a:solidFill>
-                  <a:srgbClr val="24292E"/>
-                </a:solidFill>
-                <a:effectLst/>
-                <a:latin typeface="-apple-system"/>
-              </a:rPr>
-              <a:t>을 </a:t>
-            </a:r>
-            <a:r>
-              <a:rPr lang="en-US" altLang="ko-KR" sz="1600" b="0" i="0" dirty="0" err="1">
-                <a:solidFill>
-                  <a:srgbClr val="24292E"/>
-                </a:solidFill>
-                <a:effectLst/>
-                <a:latin typeface="-apple-system"/>
-              </a:rPr>
-              <a:t>ConfigMap</a:t>
-            </a:r>
-            <a:r>
-              <a:rPr lang="en-US" altLang="ko-KR" sz="1600" b="0" i="0" dirty="0">
-                <a:solidFill>
-                  <a:srgbClr val="24292E"/>
-                </a:solidFill>
-                <a:effectLst/>
-                <a:latin typeface="-apple-system"/>
-              </a:rPr>
-              <a:t> </a:t>
-            </a:r>
-            <a:r>
-              <a:rPr lang="ko-KR" altLang="en-US" sz="1600" b="0" i="0" dirty="0">
-                <a:solidFill>
-                  <a:srgbClr val="24292E"/>
-                </a:solidFill>
-                <a:effectLst/>
-                <a:latin typeface="-apple-system"/>
-              </a:rPr>
-              <a:t>으로 설정하여 운영</a:t>
-            </a:r>
-            <a:r>
-              <a:rPr lang="en-US" altLang="ko-KR" sz="1600" b="0" i="0" dirty="0">
-                <a:solidFill>
-                  <a:srgbClr val="24292E"/>
-                </a:solidFill>
-                <a:effectLst/>
-                <a:latin typeface="-apple-system"/>
-              </a:rPr>
-              <a:t>/</a:t>
-            </a:r>
-            <a:r>
-              <a:rPr lang="ko-KR" altLang="en-US" sz="1600" b="0" i="0" dirty="0" smtClean="0">
-                <a:solidFill>
-                  <a:srgbClr val="24292E"/>
-                </a:solidFill>
-                <a:effectLst/>
-                <a:latin typeface="-apple-system"/>
-              </a:rPr>
-              <a:t>개발 등 </a:t>
-            </a:r>
-            <a:r>
-              <a:rPr lang="ko-KR" altLang="en-US" sz="1600" b="0" i="0" dirty="0">
-                <a:solidFill>
-                  <a:srgbClr val="24292E"/>
-                </a:solidFill>
-                <a:effectLst/>
-                <a:latin typeface="-apple-system"/>
-              </a:rPr>
-              <a:t>목적에 맞게 </a:t>
-            </a:r>
-            <a:r>
-              <a:rPr lang="ko-KR" altLang="en-US" sz="1600" b="0" i="0" dirty="0" smtClean="0">
-                <a:solidFill>
-                  <a:srgbClr val="24292E"/>
-                </a:solidFill>
-                <a:effectLst/>
-                <a:latin typeface="-apple-system"/>
-              </a:rPr>
-              <a:t>변경가능 합니다</a:t>
-            </a:r>
-            <a:r>
-              <a:rPr lang="en-US" altLang="ko-KR" sz="1600" b="0" i="0" dirty="0">
-                <a:solidFill>
-                  <a:srgbClr val="24292E"/>
-                </a:solidFill>
-                <a:effectLst/>
-                <a:latin typeface="-apple-system"/>
-              </a:rPr>
-              <a:t>.</a:t>
-            </a:r>
-          </a:p>
-          <a:p>
-            <a:pPr algn="l"/>
-            <a:endParaRPr lang="en-US" altLang="ko-KR" dirty="0">
+              <a:rPr lang="ko-KR" altLang="en-US" sz="1600" dirty="0" smtClean="0">
+                <a:solidFill>
+                  <a:srgbClr val="24292E"/>
+                </a:solidFill>
+                <a:latin typeface="+mn-ea"/>
+              </a:rPr>
+              <a:t>적용 제거 후 </a:t>
+            </a:r>
+            <a:r>
+              <a:rPr lang="ko-KR" altLang="en-US" sz="1600" dirty="0" err="1" smtClean="0">
+                <a:solidFill>
+                  <a:srgbClr val="24292E"/>
+                </a:solidFill>
+                <a:latin typeface="+mn-ea"/>
+              </a:rPr>
+              <a:t>정상처리</a:t>
+            </a:r>
+            <a:r>
+              <a:rPr lang="ko-KR" altLang="en-US" sz="1600" dirty="0" smtClean="0">
+                <a:solidFill>
+                  <a:srgbClr val="24292E"/>
+                </a:solidFill>
+                <a:latin typeface="+mn-ea"/>
+              </a:rPr>
+              <a:t> 확인</a:t>
+            </a:r>
+            <a:endParaRPr lang="ko-KR" altLang="en-US" sz="1600" dirty="0">
               <a:solidFill>
                 <a:srgbClr val="24292E"/>
               </a:solidFill>
-              <a:latin typeface="-apple-system"/>
+              <a:latin typeface="+mn-ea"/>
             </a:endParaRPr>
           </a:p>
           <a:p>
             <a:r>
-              <a:rPr lang="en-US" altLang="ko-KR" b="0" i="0" dirty="0" smtClean="0">
-                <a:solidFill>
-                  <a:srgbClr val="24292E"/>
-                </a:solidFill>
-                <a:effectLst/>
-                <a:latin typeface="-apple-system"/>
-              </a:rPr>
-              <a:t>a-</a:t>
-            </a:r>
-            <a:r>
-              <a:rPr lang="en-US" altLang="ko-KR" b="0" i="0" dirty="0" err="1" smtClean="0">
-                <a:solidFill>
-                  <a:srgbClr val="24292E"/>
-                </a:solidFill>
-                <a:effectLst/>
-                <a:latin typeface="-apple-system"/>
-              </a:rPr>
-              <a:t>config.yaml</a:t>
-            </a:r>
-            <a:r>
-              <a:rPr lang="en-US" altLang="ko-KR" b="0" i="0" dirty="0" smtClean="0">
-                <a:solidFill>
-                  <a:srgbClr val="24292E"/>
-                </a:solidFill>
-                <a:effectLst/>
-                <a:latin typeface="-apple-system"/>
-              </a:rPr>
-              <a:t> </a:t>
-            </a:r>
-            <a:r>
-              <a:rPr lang="ko-KR" altLang="en-US" b="0" i="0" dirty="0" smtClean="0">
-                <a:solidFill>
-                  <a:srgbClr val="24292E"/>
-                </a:solidFill>
-                <a:effectLst/>
-                <a:latin typeface="-apple-system"/>
-              </a:rPr>
-              <a:t>이라는 </a:t>
-            </a:r>
-            <a:r>
-              <a:rPr lang="en-US" altLang="ko-KR" b="0" i="0" dirty="0" err="1">
-                <a:solidFill>
-                  <a:srgbClr val="24292E"/>
-                </a:solidFill>
-                <a:effectLst/>
-                <a:latin typeface="-apple-system"/>
-              </a:rPr>
-              <a:t>ConfigMap</a:t>
-            </a:r>
-            <a:r>
-              <a:rPr lang="ko-KR" altLang="en-US" b="0" i="0" dirty="0">
-                <a:solidFill>
-                  <a:srgbClr val="24292E"/>
-                </a:solidFill>
-                <a:effectLst/>
-                <a:latin typeface="-apple-system"/>
-              </a:rPr>
-              <a:t>을 </a:t>
-            </a:r>
-            <a:r>
-              <a:rPr lang="ko-KR" altLang="en-US" dirty="0">
-                <a:solidFill>
-                  <a:srgbClr val="24292E"/>
-                </a:solidFill>
-                <a:latin typeface="-apple-system"/>
-              </a:rPr>
-              <a:t>생성</a:t>
-            </a:r>
-            <a:endParaRPr lang="ko-KR" altLang="en-US" b="0" i="0" dirty="0">
+              <a:rPr lang="en-US" altLang="ko-KR" sz="1600" dirty="0">
+                <a:solidFill>
+                  <a:srgbClr val="24292E"/>
+                </a:solidFill>
+                <a:latin typeface="+mn-ea"/>
+              </a:rPr>
+              <a:t>    </a:t>
+            </a:r>
+            <a:r>
+              <a:rPr lang="en-US" altLang="ko-KR" sz="1600" dirty="0" err="1">
+                <a:solidFill>
+                  <a:srgbClr val="24292E"/>
+                </a:solidFill>
+                <a:latin typeface="+mn-ea"/>
+              </a:rPr>
+              <a:t>kubectl</a:t>
+            </a:r>
+            <a:r>
+              <a:rPr lang="en-US" altLang="ko-KR" sz="1600" dirty="0">
+                <a:solidFill>
+                  <a:srgbClr val="24292E"/>
+                </a:solidFill>
+                <a:latin typeface="+mn-ea"/>
+              </a:rPr>
+              <a:t> delete -f </a:t>
+            </a:r>
+            <a:r>
+              <a:rPr lang="en-US" altLang="ko-KR" sz="1600" dirty="0" err="1">
+                <a:solidFill>
+                  <a:srgbClr val="24292E"/>
+                </a:solidFill>
+                <a:latin typeface="+mn-ea"/>
+              </a:rPr>
+              <a:t>dr-driver.yaml</a:t>
+            </a:r>
+            <a:endParaRPr lang="ko-KR" altLang="en-US" sz="1600" b="0" i="0" dirty="0">
               <a:solidFill>
                 <a:srgbClr val="24292E"/>
               </a:solidFill>
               <a:effectLst/>
-              <a:latin typeface="-apple-system"/>
-            </a:endParaRPr>
-          </a:p>
-          <a:p>
-            <a:pPr algn="l"/>
-            <a:endParaRPr lang="ko-KR" altLang="en-US" b="0" i="0" dirty="0">
-              <a:solidFill>
-                <a:srgbClr val="24292E"/>
-              </a:solidFill>
-              <a:effectLst/>
-              <a:latin typeface="-apple-system"/>
+              <a:latin typeface="+mn-ea"/>
             </a:endParaRPr>
           </a:p>
         </p:txBody>
       </p:sp>
       <p:pic>
         <p:nvPicPr>
-          <p:cNvPr id="4" name="그림 3"/>
+          <p:cNvPr id="7" name="그림 6"/>
           <p:cNvPicPr>
             <a:picLocks noChangeAspect="1"/>
           </p:cNvPicPr>
@@ -21920,18 +22488,47 @@
         </p:blipFill>
         <p:spPr>
           <a:xfrm>
-            <a:off x="1037858" y="3232492"/>
-            <a:ext cx="8410575" cy="1838325"/>
+            <a:off x="1094961" y="2269090"/>
+            <a:ext cx="4967171" cy="3883353"/>
           </a:xfrm>
           <a:prstGeom prst="rect">
             <a:avLst/>
           </a:prstGeom>
+        </p:spPr>
+      </p:pic>
+      <p:pic>
+        <p:nvPicPr>
+          <p:cNvPr id="9" name="그림 8"/>
+          <p:cNvPicPr>
+            <a:picLocks noChangeAspect="1"/>
+          </p:cNvPicPr>
+          <p:nvPr/>
+        </p:nvPicPr>
+        <p:blipFill>
+          <a:blip r:embed="rId3"/>
+          <a:stretch>
+            <a:fillRect/>
+          </a:stretch>
+        </p:blipFill>
+        <p:spPr>
+          <a:xfrm>
+            <a:off x="6062132" y="2269090"/>
+            <a:ext cx="5652790" cy="3883354"/>
+          </a:xfrm>
+          <a:prstGeom prst="rect">
+            <a:avLst/>
+          </a:prstGeom>
+          <a:ln>
+            <a:solidFill>
+              <a:schemeClr val="accent1"/>
+            </a:solidFill>
+          </a:ln>
         </p:spPr>
       </p:pic>
     </p:spTree>
     <p:extLst>
       <p:ext uri="{BB962C8B-B14F-4D97-AF65-F5344CB8AC3E}">
-        <p14:creationId xmlns:p14="http://schemas.microsoft.com/office/powerpoint/2010/main" val="339162916"/>
+        <p14:creationId xmlns:p14="http://schemas.microsoft.com/office/powerpoint/2010/main" val="1367258730"/>
       </p:ext>
     </p:extLst>
   </p:cSld>
@@ -21987,16 +22584,12 @@
           <a:lstStyle/>
           <a:p>
             <a:r>
-              <a:rPr lang="en-US" altLang="ko-KR" dirty="0" err="1"/>
-              <a:t>ConfigMap</a:t>
-            </a:r>
-            <a:r>
-              <a:rPr lang="en-US" altLang="ko-KR" dirty="0"/>
-              <a:t> </a:t>
+              <a:rPr lang="ko-KR" altLang="en-US" dirty="0" err="1"/>
+              <a:t>오토스케일</a:t>
             </a:r>
             <a:r>
               <a:rPr lang="ko-KR" altLang="en-US" dirty="0"/>
-              <a:t>사용</a:t>
+              <a:t> 아웃</a:t>
             </a:r>
           </a:p>
         </p:txBody>
@@ -22016,7 +22609,7 @@
         <p:spPr>
           <a:xfrm>
             <a:off x="838200" y="1550504"/>
-            <a:ext cx="10876722" cy="646331"/>
+            <a:ext cx="10876722" cy="2893100"/>
           </a:xfrm>
           <a:prstGeom prst="rect">
             <a:avLst/>
@@ -22029,94 +22622,753 @@
           </a:bodyPr>
           <a:lstStyle/>
           <a:p>
-            <a:r>
-              <a:rPr lang="en-US" altLang="ko-KR" b="0" i="0" dirty="0">
+            <a:pPr algn="l"/>
+            <a:r>
+              <a:rPr lang="en-US" altLang="ko-KR" sz="1400" b="0" i="0" dirty="0">
                 <a:solidFill>
                   <a:srgbClr val="24292E"/>
                 </a:solidFill>
                 <a:effectLst/>
-                <a:latin typeface="-apple-system"/>
-              </a:rPr>
-              <a:t>key</a:t>
-            </a:r>
-            <a:r>
-              <a:rPr lang="ko-KR" altLang="en-US" b="0" i="0" dirty="0">
+                <a:latin typeface="+mn-ea"/>
+              </a:rPr>
+              <a:t>1. CPU </a:t>
+            </a:r>
+            <a:r>
+              <a:rPr lang="ko-KR" altLang="en-US" sz="1400" b="0" i="0" dirty="0">
                 <a:solidFill>
                   <a:srgbClr val="24292E"/>
                 </a:solidFill>
                 <a:effectLst/>
-                <a:latin typeface="-apple-system"/>
-              </a:rPr>
-              <a:t>값에 도메인 </a:t>
-            </a:r>
-            <a:r>
-              <a:rPr lang="en-US" altLang="ko-KR" b="0" i="0" dirty="0" err="1">
+                <a:latin typeface="+mn-ea"/>
+              </a:rPr>
+              <a:t>사용량 체크를 위한 </a:t>
+            </a:r>
+            <a:r>
+              <a:rPr lang="en-US" altLang="ko-KR" sz="1400" b="0" i="0" dirty="0">
                 <a:solidFill>
                   <a:srgbClr val="24292E"/>
                 </a:solidFill>
                 <a:effectLst/>
-                <a:latin typeface="-apple-system"/>
-              </a:rPr>
-              <a:t>url</a:t>
-            </a:r>
-            <a:r>
-              <a:rPr lang="ko-KR" altLang="en-US" b="0" i="0" dirty="0">
+                <a:latin typeface="+mn-ea"/>
+              </a:rPr>
+              <a:t>Metric Server </a:t>
+            </a:r>
+            <a:r>
+              <a:rPr lang="ko-KR" altLang="en-US" sz="1400" b="0" i="0" dirty="0">
                 <a:solidFill>
                   <a:srgbClr val="24292E"/>
                 </a:solidFill>
                 <a:effectLst/>
-                <a:latin typeface="-apple-system"/>
-              </a:rPr>
-              <a:t>을 등록한다</a:t>
-            </a:r>
-            <a:r>
-              <a:rPr lang="en-US" altLang="ko-KR" b="0" i="0" dirty="0" smtClean="0">
-                <a:solidFill>
-                  <a:srgbClr val="24292E"/>
-                </a:solidFill>
-                <a:effectLst/>
-                <a:latin typeface="-apple-system"/>
-              </a:rPr>
-              <a:t>. </a:t>
-            </a:r>
-          </a:p>
-          <a:p>
-            <a:r>
-              <a:rPr lang="en-US" altLang="ko-KR" dirty="0" smtClean="0"/>
-              <a:t>Management/</a:t>
-            </a:r>
-            <a:r>
-              <a:rPr lang="en-US" altLang="ko-KR" dirty="0" err="1" smtClean="0"/>
-              <a:t>buildsepc.yaml</a:t>
-            </a:r>
-            <a:endParaRPr lang="ko-KR" altLang="en-US" b="0" i="0" dirty="0">
+                <a:latin typeface="+mn-ea"/>
+              </a:rPr>
+              <a:t>설치</a:t>
+            </a:r>
+            <a:endParaRPr lang="en-US" altLang="ko-KR" sz="1400" b="0" i="0" dirty="0">
               <a:solidFill>
                 <a:srgbClr val="24292E"/>
               </a:solidFill>
               <a:effectLst/>
-              <a:latin typeface="-apple-system"/>
+              <a:latin typeface="+mn-ea"/>
+            </a:endParaRPr>
+          </a:p>
+          <a:p>
+            <a:pPr algn="l"/>
+            <a:r>
+              <a:rPr lang="en-US" altLang="ko-KR" sz="1400" b="0" i="0" dirty="0" err="1">
+                <a:solidFill>
+                  <a:srgbClr val="24292E"/>
+                </a:solidFill>
+                <a:effectLst/>
+                <a:latin typeface="+mn-ea"/>
+              </a:rPr>
+              <a:t>kubectl</a:t>
+            </a:r>
+            <a:r>
+              <a:rPr lang="en-US" altLang="ko-KR" sz="1400" b="0" i="0" dirty="0">
+                <a:solidFill>
+                  <a:srgbClr val="24292E"/>
+                </a:solidFill>
+                <a:effectLst/>
+                <a:latin typeface="+mn-ea"/>
+              </a:rPr>
+              <a:t> apply -f </a:t>
+            </a:r>
+            <a:r>
+              <a:rPr lang="en-US" altLang="ko-KR" sz="1400" b="0" i="0" dirty="0">
+                <a:solidFill>
+                  <a:srgbClr val="24292E"/>
+                </a:solidFill>
+                <a:effectLst/>
+                <a:latin typeface="+mn-ea"/>
+                <a:hlinkClick r:id="rId2"/>
+              </a:rPr>
+              <a:t>https://github.com/kubernetes-sigs/metrics-server/releases/download/v0.3.6/components.yaml</a:t>
+            </a:r>
+            <a:endParaRPr lang="en-US" altLang="ko-KR" sz="1400" b="0" i="0" dirty="0">
+              <a:solidFill>
+                <a:srgbClr val="24292E"/>
+              </a:solidFill>
+              <a:effectLst/>
+              <a:latin typeface="+mn-ea"/>
+            </a:endParaRPr>
+          </a:p>
+          <a:p>
+            <a:pPr algn="l"/>
+            <a:r>
+              <a:rPr lang="en-US" altLang="ko-KR" sz="1400" b="0" i="0" dirty="0" err="1">
+                <a:solidFill>
+                  <a:srgbClr val="24292E"/>
+                </a:solidFill>
+                <a:effectLst/>
+                <a:latin typeface="+mn-ea"/>
+              </a:rPr>
+              <a:t>kubectl</a:t>
+            </a:r>
+            <a:r>
+              <a:rPr lang="en-US" altLang="ko-KR" sz="1400" b="0" i="0" dirty="0">
+                <a:solidFill>
+                  <a:srgbClr val="24292E"/>
+                </a:solidFill>
+                <a:effectLst/>
+                <a:latin typeface="+mn-ea"/>
+              </a:rPr>
+              <a:t> get deployment metrics-server -n </a:t>
+            </a:r>
+            <a:r>
+              <a:rPr lang="en-US" altLang="ko-KR" sz="1400" b="0" i="0" dirty="0" err="1">
+                <a:solidFill>
+                  <a:srgbClr val="24292E"/>
+                </a:solidFill>
+                <a:effectLst/>
+                <a:latin typeface="+mn-ea"/>
+              </a:rPr>
+              <a:t>kube</a:t>
+            </a:r>
+            <a:r>
+              <a:rPr lang="en-US" altLang="ko-KR" sz="1400" b="0" i="0" dirty="0">
+                <a:solidFill>
+                  <a:srgbClr val="24292E"/>
+                </a:solidFill>
+                <a:effectLst/>
+                <a:latin typeface="+mn-ea"/>
+              </a:rPr>
+              <a:t>-system</a:t>
+            </a:r>
+          </a:p>
+          <a:p>
+            <a:pPr algn="l"/>
+            <a:endParaRPr lang="en-US" altLang="ko-KR" sz="1400" dirty="0">
+              <a:solidFill>
+                <a:srgbClr val="24292E"/>
+              </a:solidFill>
+              <a:latin typeface="+mn-ea"/>
+            </a:endParaRPr>
+          </a:p>
+          <a:p>
+            <a:pPr algn="l"/>
+            <a:r>
+              <a:rPr lang="en-US" altLang="ko-KR" sz="1400" b="0" i="0" dirty="0">
+                <a:solidFill>
+                  <a:srgbClr val="24292E"/>
+                </a:solidFill>
+                <a:effectLst/>
+                <a:latin typeface="+mn-ea"/>
+              </a:rPr>
+              <a:t>2. </a:t>
+            </a:r>
+            <a:r>
+              <a:rPr lang="en-US" altLang="ko-KR" sz="1400" b="0" i="0" dirty="0" err="1">
+                <a:solidFill>
+                  <a:srgbClr val="24292E"/>
+                </a:solidFill>
+                <a:effectLst/>
+                <a:latin typeface="+mn-ea"/>
+              </a:rPr>
+              <a:t>istio</a:t>
+            </a:r>
+            <a:r>
+              <a:rPr lang="en-US" altLang="ko-KR" sz="1400" b="0" i="0" dirty="0">
+                <a:solidFill>
+                  <a:srgbClr val="24292E"/>
+                </a:solidFill>
+                <a:effectLst/>
+                <a:latin typeface="+mn-ea"/>
+              </a:rPr>
+              <a:t> injection </a:t>
+            </a:r>
+            <a:r>
+              <a:rPr lang="ko-KR" altLang="en-US" sz="1400" b="0" i="0" dirty="0">
+                <a:solidFill>
+                  <a:srgbClr val="24292E"/>
+                </a:solidFill>
+                <a:effectLst/>
+                <a:latin typeface="+mn-ea"/>
+              </a:rPr>
+              <a:t>적용 해제</a:t>
+            </a:r>
+            <a:endParaRPr lang="en-US" altLang="ko-KR" sz="1400" dirty="0">
+              <a:solidFill>
+                <a:srgbClr val="24292E"/>
+              </a:solidFill>
+              <a:latin typeface="+mn-ea"/>
+            </a:endParaRPr>
+          </a:p>
+          <a:p>
+            <a:pPr algn="l"/>
+            <a:r>
+              <a:rPr lang="en-US" altLang="ko-KR" sz="1400" b="0" i="0" dirty="0" err="1">
+                <a:solidFill>
+                  <a:srgbClr val="24292E"/>
+                </a:solidFill>
+                <a:effectLst/>
+                <a:latin typeface="+mn-ea"/>
+              </a:rPr>
+              <a:t>kubectl</a:t>
+            </a:r>
+            <a:r>
+              <a:rPr lang="en-US" altLang="ko-KR" sz="1400" b="0" i="0" dirty="0">
+                <a:solidFill>
+                  <a:srgbClr val="24292E"/>
+                </a:solidFill>
+                <a:effectLst/>
+                <a:latin typeface="+mn-ea"/>
+              </a:rPr>
+              <a:t> label namespace </a:t>
+            </a:r>
+            <a:r>
+              <a:rPr lang="en-US" altLang="ko-KR" sz="1400" b="0" i="0" dirty="0" err="1">
+                <a:solidFill>
+                  <a:srgbClr val="24292E"/>
+                </a:solidFill>
+                <a:effectLst/>
+                <a:latin typeface="+mn-ea"/>
+              </a:rPr>
+              <a:t>istio</a:t>
+            </a:r>
+            <a:r>
+              <a:rPr lang="en-US" altLang="ko-KR" sz="1400" b="0" i="0" dirty="0">
+                <a:solidFill>
+                  <a:srgbClr val="24292E"/>
+                </a:solidFill>
+                <a:effectLst/>
+                <a:latin typeface="+mn-ea"/>
+              </a:rPr>
+              <a:t>-</a:t>
+            </a:r>
+            <a:r>
+              <a:rPr lang="en-US" altLang="ko-KR" sz="1400" b="0" i="0" dirty="0" err="1">
+                <a:solidFill>
+                  <a:srgbClr val="24292E"/>
+                </a:solidFill>
+                <a:effectLst/>
+                <a:latin typeface="+mn-ea"/>
+              </a:rPr>
+              <a:t>cb</a:t>
+            </a:r>
+            <a:r>
+              <a:rPr lang="en-US" altLang="ko-KR" sz="1400" b="0" i="0" dirty="0">
+                <a:solidFill>
+                  <a:srgbClr val="24292E"/>
+                </a:solidFill>
+                <a:effectLst/>
+                <a:latin typeface="+mn-ea"/>
+              </a:rPr>
+              <a:t>-ns </a:t>
+            </a:r>
+            <a:r>
+              <a:rPr lang="en-US" altLang="ko-KR" sz="1400" b="0" i="0" dirty="0" err="1">
+                <a:solidFill>
+                  <a:srgbClr val="24292E"/>
+                </a:solidFill>
+                <a:effectLst/>
+                <a:latin typeface="+mn-ea"/>
+              </a:rPr>
+              <a:t>istio</a:t>
+            </a:r>
+            <a:r>
+              <a:rPr lang="en-US" altLang="ko-KR" sz="1400" b="0" i="0" dirty="0">
+                <a:solidFill>
+                  <a:srgbClr val="24292E"/>
+                </a:solidFill>
+                <a:effectLst/>
+                <a:latin typeface="+mn-ea"/>
+              </a:rPr>
+              <a:t>-injection=disabled </a:t>
+            </a:r>
+            <a:r>
+              <a:rPr lang="en-US" altLang="ko-KR" sz="1400" b="0" i="0" dirty="0" smtClean="0">
+                <a:solidFill>
+                  <a:srgbClr val="24292E"/>
+                </a:solidFill>
+                <a:effectLst/>
+                <a:latin typeface="+mn-ea"/>
+              </a:rPr>
+              <a:t>--overwrite</a:t>
+            </a:r>
+            <a:endParaRPr lang="en-US" altLang="ko-KR" sz="1400" b="0" i="0" dirty="0">
+              <a:solidFill>
+                <a:srgbClr val="24292E"/>
+              </a:solidFill>
+              <a:effectLst/>
+              <a:latin typeface="+mn-ea"/>
+            </a:endParaRPr>
+          </a:p>
+          <a:p>
+            <a:pPr algn="l"/>
+            <a:endParaRPr lang="en-US" altLang="ko-KR" sz="1400" dirty="0">
+              <a:solidFill>
+                <a:srgbClr val="24292E"/>
+              </a:solidFill>
+              <a:latin typeface="+mn-ea"/>
+            </a:endParaRPr>
+          </a:p>
+          <a:p>
+            <a:r>
+              <a:rPr lang="en-US" altLang="ko-KR" sz="1400" b="0" i="0" dirty="0">
+                <a:solidFill>
+                  <a:srgbClr val="24292E"/>
+                </a:solidFill>
+                <a:effectLst/>
+                <a:latin typeface="+mn-ea"/>
+              </a:rPr>
+              <a:t>3. replica </a:t>
+            </a:r>
+            <a:r>
+              <a:rPr lang="ko-KR" altLang="en-US" sz="1400" b="0" i="0" dirty="0">
+                <a:solidFill>
+                  <a:srgbClr val="24292E"/>
+                </a:solidFill>
+                <a:effectLst/>
+                <a:latin typeface="+mn-ea"/>
+              </a:rPr>
+              <a:t>를 동적으로 늘려주도록 </a:t>
+            </a:r>
+            <a:r>
+              <a:rPr lang="en-US" altLang="ko-KR" sz="1400" b="0" i="0" dirty="0">
+                <a:solidFill>
+                  <a:srgbClr val="24292E"/>
+                </a:solidFill>
+                <a:effectLst/>
+                <a:latin typeface="+mn-ea"/>
+              </a:rPr>
+              <a:t>HPA </a:t>
+            </a:r>
+            <a:r>
+              <a:rPr lang="ko-KR" altLang="en-US" sz="1400" b="0" i="0" dirty="0">
+                <a:solidFill>
+                  <a:srgbClr val="24292E"/>
+                </a:solidFill>
+                <a:effectLst/>
+                <a:latin typeface="+mn-ea"/>
+              </a:rPr>
+              <a:t>를 설정한다</a:t>
+            </a:r>
+            <a:r>
+              <a:rPr lang="en-US" altLang="ko-KR" sz="1400" b="0" i="0" dirty="0">
+                <a:solidFill>
+                  <a:srgbClr val="24292E"/>
+                </a:solidFill>
+                <a:effectLst/>
+                <a:latin typeface="+mn-ea"/>
+              </a:rPr>
+              <a:t>. </a:t>
+            </a:r>
+            <a:r>
+              <a:rPr lang="ko-KR" altLang="en-US" sz="1400" b="0" i="0" dirty="0">
+                <a:solidFill>
+                  <a:srgbClr val="24292E"/>
+                </a:solidFill>
+                <a:effectLst/>
+                <a:latin typeface="+mn-ea"/>
+              </a:rPr>
+              <a:t>설정은 </a:t>
+            </a:r>
+            <a:r>
+              <a:rPr lang="en-US" altLang="ko-KR" sz="1400" b="0" i="0" dirty="0">
+                <a:solidFill>
+                  <a:srgbClr val="24292E"/>
+                </a:solidFill>
+                <a:effectLst/>
+                <a:latin typeface="+mn-ea"/>
+              </a:rPr>
+              <a:t>CPU </a:t>
+            </a:r>
+            <a:r>
+              <a:rPr lang="ko-KR" altLang="en-US" sz="1400" b="0" i="0" dirty="0">
+                <a:solidFill>
+                  <a:srgbClr val="24292E"/>
+                </a:solidFill>
+                <a:effectLst/>
+                <a:latin typeface="+mn-ea"/>
+              </a:rPr>
+              <a:t>사용량이 </a:t>
+            </a:r>
+            <a:r>
+              <a:rPr lang="en-US" altLang="ko-KR" sz="1400" b="0" i="0" dirty="0" smtClean="0">
+                <a:solidFill>
+                  <a:srgbClr val="24292E"/>
+                </a:solidFill>
+                <a:effectLst/>
+                <a:latin typeface="+mn-ea"/>
+              </a:rPr>
+              <a:t>25</a:t>
+            </a:r>
+            <a:r>
+              <a:rPr lang="ko-KR" altLang="en-US" sz="1400" b="0" i="0" dirty="0" smtClean="0">
+                <a:solidFill>
+                  <a:srgbClr val="24292E"/>
+                </a:solidFill>
+                <a:effectLst/>
+                <a:latin typeface="+mn-ea"/>
+              </a:rPr>
+              <a:t>프로를 </a:t>
+            </a:r>
+            <a:r>
+              <a:rPr lang="ko-KR" altLang="en-US" sz="1400" b="0" i="0" dirty="0">
+                <a:solidFill>
+                  <a:srgbClr val="24292E"/>
+                </a:solidFill>
+                <a:effectLst/>
+                <a:latin typeface="+mn-ea"/>
+              </a:rPr>
+              <a:t>넘어서면 </a:t>
+            </a:r>
+            <a:r>
+              <a:rPr lang="en-US" altLang="ko-KR" sz="1400" b="0" i="0" dirty="0">
+                <a:solidFill>
+                  <a:srgbClr val="24292E"/>
+                </a:solidFill>
+                <a:effectLst/>
+                <a:latin typeface="+mn-ea"/>
+              </a:rPr>
+              <a:t>replica </a:t>
+            </a:r>
+            <a:r>
+              <a:rPr lang="ko-KR" altLang="en-US" sz="1400" b="0" i="0" dirty="0">
+                <a:solidFill>
+                  <a:srgbClr val="24292E"/>
+                </a:solidFill>
+                <a:effectLst/>
+                <a:latin typeface="+mn-ea"/>
+              </a:rPr>
+              <a:t>를 </a:t>
+            </a:r>
+            <a:r>
+              <a:rPr lang="en-US" altLang="ko-KR" sz="1400" b="0" i="0" dirty="0">
+                <a:solidFill>
+                  <a:srgbClr val="24292E"/>
+                </a:solidFill>
+                <a:effectLst/>
+                <a:latin typeface="+mn-ea"/>
+              </a:rPr>
+              <a:t>10</a:t>
+            </a:r>
+            <a:r>
+              <a:rPr lang="ko-KR" altLang="en-US" sz="1400" b="0" i="0" dirty="0">
+                <a:solidFill>
+                  <a:srgbClr val="24292E"/>
+                </a:solidFill>
+                <a:effectLst/>
+                <a:latin typeface="+mn-ea"/>
+              </a:rPr>
+              <a:t>개까지 늘려준다</a:t>
+            </a:r>
+            <a:r>
+              <a:rPr lang="en-US" altLang="ko-KR" sz="1400" b="0" i="0" dirty="0">
+                <a:solidFill>
+                  <a:srgbClr val="24292E"/>
+                </a:solidFill>
+                <a:effectLst/>
+                <a:latin typeface="+mn-ea"/>
+              </a:rPr>
+              <a:t>:</a:t>
+            </a:r>
+          </a:p>
+          <a:p>
+            <a:pPr algn="l"/>
+            <a:r>
+              <a:rPr lang="en-US" altLang="ko-KR" sz="1400" b="0" i="0" dirty="0" err="1">
+                <a:solidFill>
+                  <a:srgbClr val="24292E"/>
+                </a:solidFill>
+                <a:effectLst/>
+                <a:latin typeface="+mn-ea"/>
+              </a:rPr>
+              <a:t>kubectl</a:t>
+            </a:r>
+            <a:r>
+              <a:rPr lang="en-US" altLang="ko-KR" sz="1400" b="0" i="0" dirty="0">
+                <a:solidFill>
+                  <a:srgbClr val="24292E"/>
+                </a:solidFill>
+                <a:effectLst/>
+                <a:latin typeface="+mn-ea"/>
+              </a:rPr>
+              <a:t> </a:t>
+            </a:r>
+            <a:r>
+              <a:rPr lang="en-US" altLang="ko-KR" sz="1400" b="0" i="0" dirty="0" err="1">
+                <a:solidFill>
+                  <a:srgbClr val="24292E"/>
+                </a:solidFill>
+                <a:effectLst/>
+                <a:latin typeface="+mn-ea"/>
+              </a:rPr>
+              <a:t>autoscale</a:t>
+            </a:r>
+            <a:r>
+              <a:rPr lang="en-US" altLang="ko-KR" sz="1400" b="0" i="0" dirty="0">
+                <a:solidFill>
+                  <a:srgbClr val="24292E"/>
+                </a:solidFill>
+                <a:effectLst/>
+                <a:latin typeface="+mn-ea"/>
+              </a:rPr>
+              <a:t> deploy </a:t>
+            </a:r>
+            <a:r>
+              <a:rPr lang="en-US" altLang="ko-KR" sz="1400" b="0" i="0" dirty="0" smtClean="0">
+                <a:solidFill>
+                  <a:srgbClr val="24292E"/>
+                </a:solidFill>
+                <a:effectLst/>
+                <a:latin typeface="+mn-ea"/>
+              </a:rPr>
+              <a:t>driver </a:t>
+            </a:r>
+            <a:r>
+              <a:rPr lang="en-US" altLang="ko-KR" sz="1400" b="0" i="0" dirty="0">
+                <a:solidFill>
+                  <a:srgbClr val="24292E"/>
+                </a:solidFill>
+                <a:effectLst/>
+                <a:latin typeface="+mn-ea"/>
+              </a:rPr>
+              <a:t>-n </a:t>
+            </a:r>
+            <a:r>
+              <a:rPr lang="en-US" altLang="ko-KR" sz="1400" b="0" i="0" dirty="0" err="1">
+                <a:solidFill>
+                  <a:srgbClr val="24292E"/>
+                </a:solidFill>
+                <a:effectLst/>
+                <a:latin typeface="+mn-ea"/>
+              </a:rPr>
+              <a:t>istio</a:t>
+            </a:r>
+            <a:r>
+              <a:rPr lang="en-US" altLang="ko-KR" sz="1400" b="0" i="0" dirty="0">
+                <a:solidFill>
+                  <a:srgbClr val="24292E"/>
+                </a:solidFill>
+                <a:effectLst/>
+                <a:latin typeface="+mn-ea"/>
+              </a:rPr>
+              <a:t>-</a:t>
+            </a:r>
+            <a:r>
+              <a:rPr lang="en-US" altLang="ko-KR" sz="1400" b="0" i="0" dirty="0" err="1">
+                <a:solidFill>
+                  <a:srgbClr val="24292E"/>
+                </a:solidFill>
+                <a:effectLst/>
+                <a:latin typeface="+mn-ea"/>
+              </a:rPr>
+              <a:t>cb</a:t>
+            </a:r>
+            <a:r>
+              <a:rPr lang="en-US" altLang="ko-KR" sz="1400" b="0" i="0" dirty="0">
+                <a:solidFill>
+                  <a:srgbClr val="24292E"/>
+                </a:solidFill>
+                <a:effectLst/>
+                <a:latin typeface="+mn-ea"/>
+              </a:rPr>
+              <a:t>-ns --min=1 --max=10 --</a:t>
+            </a:r>
+            <a:r>
+              <a:rPr lang="en-US" altLang="ko-KR" sz="1400" b="0" i="0" dirty="0" err="1" smtClean="0">
+                <a:solidFill>
+                  <a:srgbClr val="24292E"/>
+                </a:solidFill>
+                <a:effectLst/>
+                <a:latin typeface="+mn-ea"/>
+              </a:rPr>
+              <a:t>cpu</a:t>
+            </a:r>
+            <a:r>
+              <a:rPr lang="en-US" altLang="ko-KR" sz="1400" b="0" i="0" dirty="0" smtClean="0">
+                <a:solidFill>
+                  <a:srgbClr val="24292E"/>
+                </a:solidFill>
+                <a:effectLst/>
+                <a:latin typeface="+mn-ea"/>
+              </a:rPr>
+              <a:t>-percent=25</a:t>
+            </a:r>
+            <a:endParaRPr lang="en-US" altLang="ko-KR" sz="1400" b="0" i="0" dirty="0">
+              <a:solidFill>
+                <a:srgbClr val="24292E"/>
+              </a:solidFill>
+              <a:effectLst/>
+              <a:latin typeface="+mn-ea"/>
+            </a:endParaRPr>
+          </a:p>
+          <a:p>
+            <a:pPr algn="l"/>
+            <a:endParaRPr lang="en-US" altLang="ko-KR" sz="1400" dirty="0">
+              <a:solidFill>
+                <a:srgbClr val="24292E"/>
+              </a:solidFill>
+              <a:latin typeface="+mn-ea"/>
+            </a:endParaRPr>
+          </a:p>
+          <a:p>
+            <a:pPr algn="l"/>
+            <a:r>
+              <a:rPr lang="en-US" altLang="ko-KR" sz="1400" b="0" i="0" dirty="0">
+                <a:solidFill>
+                  <a:srgbClr val="24292E"/>
+                </a:solidFill>
+                <a:effectLst/>
+                <a:latin typeface="+mn-ea"/>
+              </a:rPr>
+              <a:t>4. </a:t>
+            </a:r>
+            <a:r>
+              <a:rPr lang="ko-KR" altLang="en-US" sz="1400" dirty="0" err="1">
+                <a:solidFill>
+                  <a:srgbClr val="24292E"/>
+                </a:solidFill>
+                <a:latin typeface="+mn-ea"/>
+              </a:rPr>
+              <a:t>적용내용</a:t>
+            </a:r>
+            <a:r>
+              <a:rPr lang="ko-KR" altLang="en-US" sz="1400" dirty="0">
+                <a:solidFill>
+                  <a:srgbClr val="24292E"/>
+                </a:solidFill>
+                <a:latin typeface="+mn-ea"/>
+              </a:rPr>
+              <a:t> </a:t>
+            </a:r>
+            <a:r>
+              <a:rPr lang="ko-KR" altLang="en-US" sz="1400" dirty="0" smtClean="0">
+                <a:solidFill>
+                  <a:srgbClr val="24292E"/>
+                </a:solidFill>
+                <a:latin typeface="+mn-ea"/>
+              </a:rPr>
+              <a:t>확인</a:t>
+            </a:r>
+            <a:endParaRPr lang="en-US" altLang="ko-KR" sz="1400" dirty="0">
+              <a:solidFill>
+                <a:srgbClr val="24292E"/>
+              </a:solidFill>
+              <a:latin typeface="+mn-ea"/>
+            </a:endParaRPr>
+          </a:p>
+          <a:p>
+            <a:pPr algn="l"/>
+            <a:r>
+              <a:rPr lang="en-US" altLang="ko-KR" sz="1400" b="0" i="0" dirty="0" err="1" smtClean="0">
+                <a:solidFill>
+                  <a:srgbClr val="24292E"/>
+                </a:solidFill>
+                <a:effectLst/>
+                <a:latin typeface="+mn-ea"/>
+              </a:rPr>
+              <a:t>kubectl</a:t>
+            </a:r>
+            <a:r>
+              <a:rPr lang="en-US" altLang="ko-KR" sz="1400" b="0" i="0" dirty="0" smtClean="0">
+                <a:solidFill>
+                  <a:srgbClr val="24292E"/>
+                </a:solidFill>
+                <a:effectLst/>
+                <a:latin typeface="+mn-ea"/>
+              </a:rPr>
+              <a:t> get all -n </a:t>
+            </a:r>
+            <a:r>
+              <a:rPr lang="en-US" altLang="ko-KR" sz="1400" b="0" i="0" dirty="0" err="1" smtClean="0">
+                <a:solidFill>
+                  <a:srgbClr val="24292E"/>
+                </a:solidFill>
+                <a:effectLst/>
+                <a:latin typeface="+mn-ea"/>
+              </a:rPr>
+              <a:t>istio</a:t>
+            </a:r>
+            <a:r>
+              <a:rPr lang="en-US" altLang="ko-KR" sz="1400" b="0" i="0" dirty="0" smtClean="0">
+                <a:solidFill>
+                  <a:srgbClr val="24292E"/>
+                </a:solidFill>
+                <a:effectLst/>
+                <a:latin typeface="+mn-ea"/>
+              </a:rPr>
+              <a:t>-</a:t>
+            </a:r>
+            <a:r>
+              <a:rPr lang="en-US" altLang="ko-KR" sz="1400" b="0" i="0" dirty="0" err="1" smtClean="0">
+                <a:solidFill>
+                  <a:srgbClr val="24292E"/>
+                </a:solidFill>
+                <a:effectLst/>
+                <a:latin typeface="+mn-ea"/>
+              </a:rPr>
+              <a:t>cb</a:t>
+            </a:r>
+            <a:r>
+              <a:rPr lang="en-US" altLang="ko-KR" sz="1400" b="0" i="0" dirty="0" smtClean="0">
+                <a:solidFill>
+                  <a:srgbClr val="24292E"/>
+                </a:solidFill>
+                <a:effectLst/>
+                <a:latin typeface="+mn-ea"/>
+              </a:rPr>
+              <a:t>-ns</a:t>
+            </a:r>
+            <a:endParaRPr lang="en-US" altLang="ko-KR" sz="1400" b="0" i="0" dirty="0">
+              <a:solidFill>
+                <a:srgbClr val="24292E"/>
+              </a:solidFill>
+              <a:effectLst/>
+              <a:latin typeface="+mn-ea"/>
+            </a:endParaRPr>
+          </a:p>
+          <a:p>
+            <a:pPr algn="l"/>
+            <a:endParaRPr lang="en-US" altLang="ko-KR" sz="1400" b="0" i="0" dirty="0">
+              <a:solidFill>
+                <a:srgbClr val="24292E"/>
+              </a:solidFill>
+              <a:effectLst/>
+              <a:latin typeface="+mn-ea"/>
             </a:endParaRPr>
           </a:p>
         </p:txBody>
       </p:sp>
       <p:pic>
         <p:nvPicPr>
-          <p:cNvPr id="3" name="그림 2"/>
+          <p:cNvPr id="5" name="그림 4"/>
           <p:cNvPicPr>
             <a:picLocks noChangeAspect="1"/>
           </p:cNvPicPr>
           <p:nvPr/>
         </p:nvPicPr>
         <p:blipFill>
-          <a:blip r:embed="rId2"/>
+          <a:blip r:embed="rId3"/>
           <a:stretch>
             <a:fillRect/>
           </a:stretch>
         </p:blipFill>
         <p:spPr>
           <a:xfrm>
-            <a:off x="981808" y="2292227"/>
-            <a:ext cx="6096000" cy="3609975"/>
+            <a:off x="936096" y="4322056"/>
+            <a:ext cx="7610475" cy="1781175"/>
           </a:xfrm>
           <a:prstGeom prst="rect">
             <a:avLst/>
@@ -22126,7 +23378,7 @@
     </p:spTree>
     <p:extLst>
       <p:ext uri="{BB962C8B-B14F-4D97-AF65-F5344CB8AC3E}">
-        <p14:creationId xmlns:p14="http://schemas.microsoft.com/office/powerpoint/2010/main" val="1473898930"/>
+        <p14:creationId xmlns:p14="http://schemas.microsoft.com/office/powerpoint/2010/main" val="735375266"/>
       </p:ext>
     </p:extLst>
   </p:cSld>
@@ -22182,16 +23434,12 @@
           <a:lstStyle/>
           <a:p>
             <a:r>
-              <a:rPr lang="en-US" altLang="ko-KR" dirty="0" err="1"/>
-              <a:t>ConfigMap</a:t>
-            </a:r>
-            <a:r>
-              <a:rPr lang="en-US" altLang="ko-KR" dirty="0"/>
-              <a:t> </a:t>
+              <a:rPr lang="ko-KR" altLang="en-US" dirty="0" err="1"/>
+              <a:t>오토스케일</a:t>
             </a:r>
             <a:r>
               <a:rPr lang="ko-KR" altLang="en-US" dirty="0"/>
-              <a:t>사용</a:t>
+              <a:t> 아웃</a:t>
             </a:r>
           </a:p>
         </p:txBody>
@@ -22211,7 +23459,7 @@
         <p:spPr>
           <a:xfrm>
             <a:off x="838200" y="1550504"/>
-            <a:ext cx="10876722" cy="369332"/>
+            <a:ext cx="10876722" cy="1169551"/>
           </a:xfrm>
           <a:prstGeom prst="rect">
             <a:avLst/>
@@ -22224,47 +23472,329 @@
           </a:bodyPr>
           <a:lstStyle/>
           <a:p>
-            <a:r>
-              <a:rPr lang="en-US" altLang="ko-KR" dirty="0" smtClean="0"/>
-              <a:t>Deployment </a:t>
-            </a:r>
-            <a:r>
-              <a:rPr lang="en-US" altLang="ko-KR" dirty="0" err="1"/>
-              <a:t>yaml</a:t>
-            </a:r>
-            <a:r>
-              <a:rPr lang="ko-KR" altLang="en-US" dirty="0"/>
-              <a:t>에 </a:t>
-            </a:r>
-            <a:r>
-              <a:rPr lang="ko-KR" altLang="en-US" dirty="0" smtClean="0"/>
-              <a:t>해당 </a:t>
-            </a:r>
-            <a:r>
-              <a:rPr lang="en-US" altLang="ko-KR" dirty="0" err="1"/>
-              <a:t>configMap</a:t>
-            </a:r>
-            <a:r>
-              <a:rPr lang="en-US" altLang="ko-KR" dirty="0"/>
-              <a:t> </a:t>
-            </a:r>
-            <a:r>
-              <a:rPr lang="ko-KR" altLang="en-US" dirty="0"/>
-              <a:t>적용</a:t>
-            </a:r>
-            <a:endParaRPr lang="ko-KR" altLang="en-US" b="0" i="0" dirty="0">
+            <a:pPr algn="l"/>
+            <a:r>
+              <a:rPr lang="en-US" altLang="ko-KR" sz="1400" b="0" i="0" dirty="0">
+                <a:solidFill>
+                  <a:srgbClr val="24292E"/>
+                </a:solidFill>
+                <a:effectLst/>
+                <a:latin typeface="+mn-ea"/>
+              </a:rPr>
+              <a:t>5. </a:t>
+            </a:r>
+            <a:r>
+              <a:rPr lang="ko-KR" altLang="en-US" sz="1400" b="0" i="0" dirty="0" err="1">
+                <a:solidFill>
+                  <a:srgbClr val="24292E"/>
+                </a:solidFill>
+                <a:effectLst/>
+                <a:latin typeface="+mn-ea"/>
+              </a:rPr>
+              <a:t>오토스케일이</a:t>
+            </a:r>
+            <a:r>
+              <a:rPr lang="ko-KR" altLang="en-US" sz="1400" b="0" i="0" dirty="0">
+                <a:solidFill>
+                  <a:srgbClr val="24292E"/>
+                </a:solidFill>
+                <a:effectLst/>
+                <a:latin typeface="+mn-ea"/>
+              </a:rPr>
+              <a:t> 어떻게 되고 있는지 모니터링을 </a:t>
+            </a:r>
+            <a:r>
+              <a:rPr lang="ko-KR" altLang="en-US" sz="1400" b="0" i="0" dirty="0" err="1">
+                <a:solidFill>
+                  <a:srgbClr val="24292E"/>
+                </a:solidFill>
+                <a:effectLst/>
+                <a:latin typeface="+mn-ea"/>
+              </a:rPr>
+              <a:t>걸어둔다</a:t>
+            </a:r>
+            <a:r>
+              <a:rPr lang="en-US" altLang="ko-KR" sz="1400" b="0" i="0" dirty="0">
+                <a:solidFill>
+                  <a:srgbClr val="24292E"/>
+                </a:solidFill>
+                <a:effectLst/>
+                <a:latin typeface="+mn-ea"/>
+              </a:rPr>
+              <a:t>.</a:t>
+            </a:r>
+          </a:p>
+          <a:p>
+            <a:pPr algn="l"/>
+            <a:r>
+              <a:rPr lang="en-US" altLang="ko-KR" sz="1400" dirty="0" err="1">
+                <a:solidFill>
+                  <a:srgbClr val="24292E"/>
+                </a:solidFill>
+                <a:latin typeface="+mn-ea"/>
+              </a:rPr>
+              <a:t>kubectl</a:t>
+            </a:r>
+            <a:r>
+              <a:rPr lang="en-US" altLang="ko-KR" sz="1400" dirty="0">
+                <a:solidFill>
+                  <a:srgbClr val="24292E"/>
+                </a:solidFill>
+                <a:latin typeface="+mn-ea"/>
+              </a:rPr>
+              <a:t> get deploy </a:t>
+            </a:r>
+            <a:r>
+              <a:rPr lang="en-US" altLang="ko-KR" sz="1400" dirty="0" smtClean="0">
+                <a:solidFill>
+                  <a:srgbClr val="24292E"/>
+                </a:solidFill>
+                <a:latin typeface="+mn-ea"/>
+              </a:rPr>
+              <a:t>driver -</a:t>
+            </a:r>
+            <a:r>
+              <a:rPr lang="en-US" altLang="ko-KR" sz="1400" dirty="0">
+                <a:solidFill>
+                  <a:srgbClr val="24292E"/>
+                </a:solidFill>
+                <a:latin typeface="+mn-ea"/>
+              </a:rPr>
+              <a:t>w </a:t>
+            </a:r>
+            <a:endParaRPr lang="en-US" altLang="ko-KR" sz="1400" dirty="0" smtClean="0">
               <a:solidFill>
                 <a:srgbClr val="24292E"/>
               </a:solidFill>
-              <a:effectLst/>
-              <a:latin typeface="-apple-system"/>
+              <a:latin typeface="+mn-ea"/>
             </a:endParaRPr>
+          </a:p>
+          <a:p>
+            <a:pPr algn="l"/>
+            <a:endParaRPr lang="en-US" altLang="ko-KR" sz="1400" dirty="0" smtClean="0">
+              <a:solidFill>
+                <a:srgbClr val="24292E"/>
+              </a:solidFill>
+              <a:latin typeface="+mn-ea"/>
+            </a:endParaRPr>
+          </a:p>
+          <a:p>
+            <a:r>
+              <a:rPr lang="en-US" altLang="ko-KR" sz="1400" dirty="0">
+                <a:solidFill>
+                  <a:srgbClr val="24292E"/>
+                </a:solidFill>
+                <a:latin typeface="+mn-ea"/>
+              </a:rPr>
+              <a:t>6. siege</a:t>
+            </a:r>
+            <a:r>
+              <a:rPr lang="ko-KR" altLang="en-US" sz="1400" dirty="0">
+                <a:solidFill>
+                  <a:srgbClr val="24292E"/>
+                </a:solidFill>
+                <a:latin typeface="+mn-ea"/>
+              </a:rPr>
+              <a:t>로 워크로드를 </a:t>
+            </a:r>
+            <a:r>
+              <a:rPr lang="en-US" altLang="ko-KR" sz="1400" dirty="0">
+                <a:solidFill>
+                  <a:srgbClr val="24292E"/>
+                </a:solidFill>
+                <a:latin typeface="+mn-ea"/>
+              </a:rPr>
+              <a:t>2</a:t>
+            </a:r>
+            <a:r>
+              <a:rPr lang="ko-KR" altLang="en-US" sz="1400" dirty="0">
+                <a:solidFill>
+                  <a:srgbClr val="24292E"/>
+                </a:solidFill>
+                <a:latin typeface="+mn-ea"/>
+              </a:rPr>
+              <a:t>분 동안 걸어준다</a:t>
+            </a:r>
+            <a:r>
+              <a:rPr lang="en-US" altLang="ko-KR" sz="1400" dirty="0">
+                <a:solidFill>
+                  <a:srgbClr val="24292E"/>
+                </a:solidFill>
+                <a:latin typeface="+mn-ea"/>
+              </a:rPr>
+              <a:t>.</a:t>
+            </a:r>
+          </a:p>
+          <a:p>
+            <a:r>
+              <a:rPr lang="de-DE" altLang="ko-KR" sz="1400" dirty="0">
+                <a:solidFill>
+                  <a:srgbClr val="24292E"/>
+                </a:solidFill>
+                <a:latin typeface="+mn-ea"/>
+              </a:rPr>
+              <a:t>siege -</a:t>
+            </a:r>
+            <a:r>
+              <a:rPr lang="de-DE" altLang="ko-KR" sz="1400" dirty="0" smtClean="0">
+                <a:solidFill>
+                  <a:srgbClr val="24292E"/>
+                </a:solidFill>
+                <a:latin typeface="+mn-ea"/>
+              </a:rPr>
+              <a:t>c100 </a:t>
+            </a:r>
+            <a:r>
+              <a:rPr lang="de-DE" altLang="ko-KR" sz="1400" dirty="0">
+                <a:solidFill>
+                  <a:srgbClr val="24292E"/>
+                </a:solidFill>
+                <a:latin typeface="+mn-ea"/>
+              </a:rPr>
+              <a:t>-t120S -v http://</a:t>
+            </a:r>
+            <a:r>
+              <a:rPr lang="de-DE" altLang="ko-KR" sz="1400" dirty="0" smtClean="0">
+                <a:solidFill>
+                  <a:srgbClr val="24292E"/>
+                </a:solidFill>
+                <a:latin typeface="+mn-ea"/>
+              </a:rPr>
+              <a:t>driver:8080</a:t>
+            </a:r>
+            <a:endParaRPr lang="de-DE" altLang="ko-KR" sz="1400" dirty="0">
+              <a:solidFill>
+                <a:srgbClr val="24292E"/>
+              </a:solidFill>
+              <a:latin typeface="+mn-ea"/>
+            </a:endParaRPr>
+          </a:p>
+        </p:txBody>
+      </p:sp>
+      <p:sp>
+        <p:nvSpPr>
+          <p:cNvPr id="9" name="TextBox 8">
+            <a:extLst>
+              <a:ext uri="{FF2B5EF4-FFF2-40B4-BE49-F238E27FC236}">
+                <a16:creationId xmlns:a16="http://schemas.microsoft.com/office/drawing/2014/main" id="{C391BA87-14AD-4782-8AEF-21B9D9A27CAE}"/>
+              </a:ext>
+            </a:extLst>
+          </p:cNvPr>
+          <p:cNvSpPr txBox="1"/>
+          <p:nvPr/>
+        </p:nvSpPr>
+        <p:spPr>
+          <a:xfrm>
+            <a:off x="835377" y="2877147"/>
+            <a:ext cx="10876722" cy="307777"/>
+          </a:xfrm>
+          <a:prstGeom prst="rect">
+            <a:avLst/>
+          </a:prstGeom>
+          <a:noFill/>
+        </p:spPr>
+        <p:txBody>
+          <a:bodyPr wrap="square" rtlCol="0">
+            <a:spAutoFit/>
+          </a:bodyPr>
+          <a:lstStyle/>
+          <a:p>
+            <a:r>
+              <a:rPr lang="en-US" altLang="ko-KR" sz="1400" b="0" i="0" dirty="0" smtClean="0">
+                <a:solidFill>
+                  <a:srgbClr val="24292E"/>
+                </a:solidFill>
+                <a:effectLst/>
+                <a:latin typeface="+mn-ea"/>
+              </a:rPr>
+              <a:t>7. </a:t>
+            </a:r>
+            <a:r>
+              <a:rPr lang="ko-KR" altLang="en-US" sz="1400" b="0" i="0" dirty="0">
+                <a:solidFill>
+                  <a:srgbClr val="24292E"/>
+                </a:solidFill>
+                <a:effectLst/>
+                <a:latin typeface="+mn-ea"/>
+              </a:rPr>
+              <a:t>어느정도 시간이 흐른 후 </a:t>
+            </a:r>
+            <a:r>
+              <a:rPr lang="en-US" altLang="ko-KR" sz="1400" b="0" i="0" dirty="0">
+                <a:solidFill>
+                  <a:srgbClr val="24292E"/>
+                </a:solidFill>
+                <a:effectLst/>
+                <a:latin typeface="+mn-ea"/>
+              </a:rPr>
+              <a:t>(</a:t>
+            </a:r>
+            <a:r>
+              <a:rPr lang="ko-KR" altLang="en-US" sz="1400" b="0" i="0" dirty="0">
+                <a:solidFill>
+                  <a:srgbClr val="24292E"/>
+                </a:solidFill>
+                <a:effectLst/>
+                <a:latin typeface="+mn-ea"/>
+              </a:rPr>
+              <a:t>약 </a:t>
+            </a:r>
+            <a:r>
+              <a:rPr lang="en-US" altLang="ko-KR" sz="1400" b="0" i="0" dirty="0">
+                <a:solidFill>
+                  <a:srgbClr val="24292E"/>
+                </a:solidFill>
+                <a:effectLst/>
+                <a:latin typeface="+mn-ea"/>
+              </a:rPr>
+              <a:t>30</a:t>
+            </a:r>
+            <a:r>
+              <a:rPr lang="ko-KR" altLang="en-US" sz="1400" b="0" i="0" dirty="0">
+                <a:solidFill>
+                  <a:srgbClr val="24292E"/>
+                </a:solidFill>
+                <a:effectLst/>
+                <a:latin typeface="+mn-ea"/>
+              </a:rPr>
+              <a:t>초</a:t>
+            </a:r>
+            <a:r>
+              <a:rPr lang="en-US" altLang="ko-KR" sz="1400" b="0" i="0" dirty="0">
+                <a:solidFill>
+                  <a:srgbClr val="24292E"/>
+                </a:solidFill>
+                <a:effectLst/>
+                <a:latin typeface="+mn-ea"/>
+              </a:rPr>
+              <a:t>) </a:t>
+            </a:r>
+            <a:r>
+              <a:rPr lang="ko-KR" altLang="en-US" sz="1400" b="0" i="0" dirty="0">
+                <a:solidFill>
+                  <a:srgbClr val="24292E"/>
+                </a:solidFill>
+                <a:effectLst/>
+                <a:latin typeface="+mn-ea"/>
+              </a:rPr>
+              <a:t>스케일 아웃이 벌어지는 것을 확인할 수 있다</a:t>
+            </a:r>
+            <a:r>
+              <a:rPr lang="en-US" altLang="ko-KR" sz="1400" b="0" i="0" dirty="0">
+                <a:solidFill>
+                  <a:srgbClr val="24292E"/>
+                </a:solidFill>
+                <a:effectLst/>
+                <a:latin typeface="+mn-ea"/>
+              </a:rPr>
+              <a:t>:</a:t>
+            </a:r>
           </a:p>
         </p:txBody>
       </p:sp>
       <p:pic>
         <p:nvPicPr>
-          <p:cNvPr id="5" name="그림 4"/>
+          <p:cNvPr id="12" name="그림 11"/>
           <p:cNvPicPr>
             <a:picLocks noChangeAspect="1"/>
           </p:cNvPicPr>
@@ -22278,8 +23808,8 @@
         </p:blipFill>
         <p:spPr>
           <a:xfrm>
-            <a:off x="838200" y="2691543"/>
-            <a:ext cx="10345615" cy="3019425"/>
+            <a:off x="1253772" y="3246479"/>
+            <a:ext cx="8022872" cy="3131743"/>
           </a:xfrm>
           <a:prstGeom prst="rect">
             <a:avLst/>
@@ -22289,7 +23819,7 @@
     </p:spTree>
     <p:extLst>
       <p:ext uri="{BB962C8B-B14F-4D97-AF65-F5344CB8AC3E}">
-        <p14:creationId xmlns:p14="http://schemas.microsoft.com/office/powerpoint/2010/main" val="3772217449"/>
+        <p14:creationId xmlns:p14="http://schemas.microsoft.com/office/powerpoint/2010/main" val="872557127"/>
       </p:ext>
     </p:extLst>
   </p:cSld>
@@ -22335,7 +23865,7 @@
         <p:spPr>
           <a:xfrm>
             <a:off x="838200" y="365125"/>
-            <a:ext cx="10515600" cy="1516565"/>
+            <a:ext cx="10515600" cy="952125"/>
           </a:xfrm>
         </p:spPr>
         <p:txBody>
@@ -22345,16 +23875,12 @@
           <a:lstStyle/>
           <a:p>
             <a:r>
-              <a:rPr lang="en-US" altLang="ko-KR" dirty="0" err="1"/>
-              <a:t>ConfigMap</a:t>
-            </a:r>
-            <a:r>
-              <a:rPr lang="en-US" altLang="ko-KR" dirty="0"/>
-              <a:t> </a:t>
-            </a:r>
-            <a:r>
-              <a:rPr lang="ko-KR" altLang="en-US" dirty="0"/>
-              <a:t>사용</a:t>
+              <a:rPr lang="ko-KR" altLang="en-US" sz="4000" dirty="0" err="1"/>
+              <a:t>오토스케일</a:t>
+            </a:r>
+            <a:r>
+              <a:rPr lang="ko-KR" altLang="en-US" sz="4000" dirty="0"/>
+              <a:t> 아웃</a:t>
             </a:r>
           </a:p>
         </p:txBody>
@@ -22373,8 +23899,8 @@
         </p:nvSpPr>
         <p:spPr>
           <a:xfrm>
-            <a:off x="838200" y="1550504"/>
-            <a:ext cx="10876722" cy="369332"/>
+            <a:off x="838200" y="2659791"/>
+            <a:ext cx="10515600" cy="307777"/>
           </a:xfrm>
           <a:prstGeom prst="rect">
             <a:avLst/>
@@ -22387,109 +23913,228 @@
           </a:bodyPr>
           <a:lstStyle/>
           <a:p>
+            <a:r>
+              <a:rPr lang="en-US" altLang="ko-KR" sz="1400" dirty="0" smtClean="0">
+                <a:solidFill>
+                  <a:srgbClr val="24292E"/>
+                </a:solidFill>
+                <a:latin typeface="+mn-ea"/>
+              </a:rPr>
+              <a:t>9.</a:t>
+            </a:r>
+            <a:r>
+              <a:rPr lang="en-US" altLang="ko-KR" sz="1400" b="0" i="0" dirty="0" smtClean="0">
+                <a:solidFill>
+                  <a:srgbClr val="24292E"/>
+                </a:solidFill>
+                <a:effectLst/>
+                <a:latin typeface="+mn-ea"/>
+              </a:rPr>
+              <a:t> </a:t>
+            </a:r>
+            <a:r>
+              <a:rPr lang="ko-KR" altLang="en-US" sz="1400" b="0" i="0" dirty="0" err="1" smtClean="0">
+                <a:solidFill>
+                  <a:srgbClr val="24292E"/>
+                </a:solidFill>
+                <a:effectLst/>
+                <a:latin typeface="+mn-ea"/>
+              </a:rPr>
+              <a:t>가용률</a:t>
+            </a:r>
+            <a:r>
+              <a:rPr lang="ko-KR" altLang="en-US" sz="1400" dirty="0" err="1">
+                <a:solidFill>
+                  <a:srgbClr val="24292E"/>
+                </a:solidFill>
+                <a:latin typeface="+mn-ea"/>
+              </a:rPr>
+              <a:t>은</a:t>
+            </a:r>
+            <a:r>
+              <a:rPr lang="ko-KR" altLang="en-US" sz="1400" b="0" i="0" dirty="0" smtClean="0">
+                <a:solidFill>
+                  <a:srgbClr val="24292E"/>
+                </a:solidFill>
+                <a:effectLst/>
+                <a:latin typeface="+mn-ea"/>
+              </a:rPr>
+              <a:t> </a:t>
+            </a:r>
+            <a:r>
+              <a:rPr lang="en-US" altLang="ko-KR" sz="1400" b="0" i="0" dirty="0" smtClean="0">
+                <a:solidFill>
+                  <a:srgbClr val="24292E"/>
+                </a:solidFill>
+                <a:effectLst/>
+                <a:latin typeface="+mn-ea"/>
+              </a:rPr>
+              <a:t>99.91%</a:t>
+            </a:r>
+            <a:r>
+              <a:rPr lang="ko-KR" altLang="en-US" sz="1400" b="0" i="0" dirty="0" smtClean="0">
+                <a:solidFill>
+                  <a:srgbClr val="24292E"/>
+                </a:solidFill>
+                <a:effectLst/>
+                <a:latin typeface="+mn-ea"/>
+              </a:rPr>
+              <a:t>로 유지됨을 </a:t>
+            </a:r>
+            <a:r>
+              <a:rPr lang="ko-KR" altLang="en-US" sz="1400" b="0" i="0" dirty="0">
+                <a:solidFill>
+                  <a:srgbClr val="24292E"/>
+                </a:solidFill>
+                <a:effectLst/>
+                <a:latin typeface="+mn-ea"/>
+              </a:rPr>
+              <a:t>확인</a:t>
+            </a:r>
+            <a:endParaRPr lang="en-US" altLang="ko-KR" sz="1400" b="0" i="0" dirty="0">
+              <a:solidFill>
+                <a:srgbClr val="24292E"/>
+              </a:solidFill>
+              <a:effectLst/>
+              <a:latin typeface="+mn-ea"/>
+            </a:endParaRPr>
+          </a:p>
+        </p:txBody>
+      </p:sp>
+      <p:sp>
+        <p:nvSpPr>
+          <p:cNvPr id="5" name="TextBox 4">
+            <a:extLst>
+              <a:ext uri="{FF2B5EF4-FFF2-40B4-BE49-F238E27FC236}">
+                <a16:creationId xmlns:a16="http://schemas.microsoft.com/office/drawing/2014/main" id="{0371CB5F-A352-493E-8D89-95EC769465B9}"/>
+              </a:ext>
+            </a:extLst>
+          </p:cNvPr>
+          <p:cNvSpPr txBox="1"/>
+          <p:nvPr/>
+        </p:nvSpPr>
+        <p:spPr>
+          <a:xfrm>
+            <a:off x="815622" y="1148791"/>
+            <a:ext cx="10515600" cy="307777"/>
+          </a:xfrm>
+          <a:prstGeom prst="rect">
+            <a:avLst/>
+          </a:prstGeom>
+          <a:noFill/>
+        </p:spPr>
+        <p:txBody>
+          <a:bodyPr wrap="square" rtlCol="0">
+            <a:spAutoFit/>
+          </a:bodyPr>
+          <a:lstStyle/>
+          <a:p>
             <a:pPr algn="l"/>
             <a:r>
-              <a:rPr lang="en-US" altLang="ko-KR" b="0" i="0" dirty="0" err="1">
-                <a:solidFill>
-                  <a:srgbClr val="24292E"/>
-                </a:solidFill>
-                <a:effectLst/>
-                <a:latin typeface="-apple-system"/>
+              <a:rPr lang="en-US" altLang="ko-KR" sz="1400" dirty="0" smtClean="0">
+                <a:solidFill>
+                  <a:srgbClr val="24292E"/>
+                </a:solidFill>
+                <a:latin typeface="+mn-ea"/>
+              </a:rPr>
+              <a:t>8. </a:t>
+            </a:r>
+            <a:r>
+              <a:rPr lang="en-US" altLang="ko-KR" sz="1400" dirty="0" err="1">
+                <a:solidFill>
+                  <a:srgbClr val="24292E"/>
+                </a:solidFill>
+                <a:latin typeface="+mn-ea"/>
               </a:rPr>
               <a:t>kubectl</a:t>
             </a:r>
             <a:r>
-              <a:rPr lang="en-US" altLang="ko-KR" b="0" i="0" dirty="0">
-                <a:solidFill>
-                  <a:srgbClr val="24292E"/>
-                </a:solidFill>
-                <a:effectLst/>
-                <a:latin typeface="-apple-system"/>
-              </a:rPr>
-              <a:t> describe pod/dh-driver-fbd5594c5-ctnt6 -n </a:t>
-            </a:r>
-            <a:r>
-              <a:rPr lang="en-US" altLang="ko-KR" b="0" i="0" dirty="0" err="1">
-                <a:solidFill>
-                  <a:srgbClr val="24292E"/>
-                </a:solidFill>
-                <a:effectLst/>
-                <a:latin typeface="-apple-system"/>
-              </a:rPr>
-              <a:t>istio</a:t>
-            </a:r>
-            <a:r>
-              <a:rPr lang="en-US" altLang="ko-KR" b="0" i="0" dirty="0">
-                <a:solidFill>
-                  <a:srgbClr val="24292E"/>
-                </a:solidFill>
-                <a:effectLst/>
-                <a:latin typeface="-apple-system"/>
-              </a:rPr>
-              <a:t>-</a:t>
-            </a:r>
-            <a:r>
-              <a:rPr lang="en-US" altLang="ko-KR" b="0" i="0" dirty="0" err="1">
-                <a:solidFill>
-                  <a:srgbClr val="24292E"/>
-                </a:solidFill>
-                <a:effectLst/>
-                <a:latin typeface="-apple-system"/>
-              </a:rPr>
-              <a:t>cb</a:t>
-            </a:r>
-            <a:r>
-              <a:rPr lang="en-US" altLang="ko-KR" b="0" i="0" dirty="0">
-                <a:solidFill>
-                  <a:srgbClr val="24292E"/>
-                </a:solidFill>
-                <a:effectLst/>
-                <a:latin typeface="-apple-system"/>
-              </a:rPr>
-              <a:t>-ns </a:t>
-            </a:r>
-            <a:r>
-              <a:rPr lang="ko-KR" altLang="en-US" b="0" i="0" dirty="0">
-                <a:solidFill>
-                  <a:srgbClr val="24292E"/>
-                </a:solidFill>
-                <a:effectLst/>
-                <a:latin typeface="-apple-system"/>
-              </a:rPr>
-              <a:t>로</a:t>
-            </a:r>
-            <a:r>
-              <a:rPr lang="en-US" altLang="ko-KR" b="0" i="0" dirty="0">
-                <a:solidFill>
-                  <a:srgbClr val="24292E"/>
-                </a:solidFill>
-                <a:effectLst/>
-                <a:latin typeface="-apple-system"/>
-              </a:rPr>
-              <a:t> </a:t>
-            </a:r>
-            <a:r>
-              <a:rPr lang="ko-KR" altLang="en-US" b="0" i="0" dirty="0">
-                <a:solidFill>
-                  <a:srgbClr val="24292E"/>
-                </a:solidFill>
-                <a:effectLst/>
-                <a:latin typeface="-apple-system"/>
-              </a:rPr>
-              <a:t>적용됨을 확인함</a:t>
+              <a:rPr lang="en-US" altLang="ko-KR" sz="1400" dirty="0">
+                <a:solidFill>
+                  <a:srgbClr val="24292E"/>
+                </a:solidFill>
+                <a:latin typeface="+mn-ea"/>
+              </a:rPr>
+              <a:t> get</a:t>
+            </a:r>
+            <a:r>
+              <a:rPr lang="ko-KR" altLang="en-US" sz="1400" dirty="0">
+                <a:solidFill>
+                  <a:srgbClr val="24292E"/>
+                </a:solidFill>
+                <a:latin typeface="+mn-ea"/>
+              </a:rPr>
+              <a:t>으로 </a:t>
+            </a:r>
+            <a:r>
+              <a:rPr lang="en-US" altLang="ko-KR" sz="1400" dirty="0">
+                <a:solidFill>
+                  <a:srgbClr val="24292E"/>
+                </a:solidFill>
+                <a:latin typeface="+mn-ea"/>
+              </a:rPr>
+              <a:t>HPA</a:t>
+            </a:r>
+            <a:r>
+              <a:rPr lang="ko-KR" altLang="en-US" sz="1400" dirty="0">
+                <a:solidFill>
+                  <a:srgbClr val="24292E"/>
+                </a:solidFill>
+                <a:latin typeface="+mn-ea"/>
+              </a:rPr>
+              <a:t>을 확인하면 </a:t>
+            </a:r>
+            <a:r>
+              <a:rPr lang="en-US" altLang="ko-KR" sz="1400" dirty="0">
+                <a:solidFill>
+                  <a:srgbClr val="24292E"/>
+                </a:solidFill>
+                <a:latin typeface="+mn-ea"/>
+              </a:rPr>
+              <a:t>CPU </a:t>
+            </a:r>
+            <a:r>
+              <a:rPr lang="ko-KR" altLang="en-US" sz="1400" dirty="0">
+                <a:solidFill>
+                  <a:srgbClr val="24292E"/>
+                </a:solidFill>
+                <a:latin typeface="+mn-ea"/>
+              </a:rPr>
+              <a:t>사용률이 </a:t>
+            </a:r>
+            <a:r>
+              <a:rPr lang="en-US" altLang="ko-KR" sz="1400" dirty="0" smtClean="0">
+                <a:solidFill>
+                  <a:srgbClr val="24292E"/>
+                </a:solidFill>
+                <a:latin typeface="+mn-ea"/>
+              </a:rPr>
+              <a:t>251%</a:t>
+            </a:r>
+            <a:r>
+              <a:rPr lang="ko-KR" altLang="en-US" sz="1400" dirty="0">
+                <a:solidFill>
+                  <a:srgbClr val="24292E"/>
+                </a:solidFill>
+                <a:latin typeface="+mn-ea"/>
+              </a:rPr>
+              <a:t>로 증가됐다</a:t>
+            </a:r>
+            <a:r>
+              <a:rPr lang="en-US" altLang="ko-KR" sz="1400" dirty="0">
+                <a:solidFill>
+                  <a:srgbClr val="24292E"/>
+                </a:solidFill>
+                <a:latin typeface="+mn-ea"/>
+              </a:rPr>
+              <a:t>.</a:t>
             </a:r>
           </a:p>
         </p:txBody>
       </p:sp>
       <p:pic>
         <p:nvPicPr>
-          <p:cNvPr id="5" name="그림 4">
-            <a:extLst>
-              <a:ext uri="{FF2B5EF4-FFF2-40B4-BE49-F238E27FC236}">
-                <a16:creationId xmlns:a16="http://schemas.microsoft.com/office/drawing/2014/main" id="{70AB5816-81A7-4D48-AA00-34C2D4F5B555}"/>
-              </a:ext>
-            </a:extLst>
-          </p:cNvPr>
+          <p:cNvPr id="7" name="그림 6"/>
           <p:cNvPicPr>
             <a:picLocks noChangeAspect="1"/>
           </p:cNvPicPr>
@@ -22503,18 +24148,197 @@
         </p:blipFill>
         <p:spPr>
           <a:xfrm>
-            <a:off x="838200" y="2149543"/>
-            <a:ext cx="7381875" cy="3857625"/>
+            <a:off x="1310217" y="1456568"/>
+            <a:ext cx="7587897" cy="931411"/>
           </a:xfrm>
           <a:prstGeom prst="rect">
             <a:avLst/>
           </a:prstGeom>
         </p:spPr>
       </p:pic>
+      <p:pic>
+        <p:nvPicPr>
+          <p:cNvPr id="4" name="그림 3"/>
+          <p:cNvPicPr>
+            <a:picLocks noChangeAspect="1"/>
+          </p:cNvPicPr>
+          <p:nvPr/>
+        </p:nvPicPr>
+        <p:blipFill>
+          <a:blip r:embed="rId3"/>
+          <a:stretch>
+            <a:fillRect/>
+          </a:stretch>
+        </p:blipFill>
+        <p:spPr>
+          <a:xfrm>
+            <a:off x="1310217" y="2967568"/>
+            <a:ext cx="4343400" cy="2925229"/>
+          </a:xfrm>
+          <a:prstGeom prst="rect">
+            <a:avLst/>
+          </a:prstGeom>
+        </p:spPr>
+      </p:pic>
+      <p:sp>
+        <p:nvSpPr>
+          <p:cNvPr id="9" name="TextBox 8">
+            <a:extLst>
+              <a:ext uri="{FF2B5EF4-FFF2-40B4-BE49-F238E27FC236}">
+                <a16:creationId xmlns:a16="http://schemas.microsoft.com/office/drawing/2014/main" id="{C391BA87-14AD-4782-8AEF-21B9D9A27CAE}"/>
+              </a:ext>
+            </a:extLst>
+          </p:cNvPr>
+          <p:cNvSpPr txBox="1"/>
+          <p:nvPr/>
+        </p:nvSpPr>
+        <p:spPr>
+          <a:xfrm>
+            <a:off x="838200" y="5971343"/>
+            <a:ext cx="10515600" cy="523220"/>
+          </a:xfrm>
+          <a:prstGeom prst="rect">
+            <a:avLst/>
+          </a:prstGeom>
+          <a:noFill/>
+        </p:spPr>
+        <p:txBody>
+          <a:bodyPr wrap="square" rtlCol="0">
+            <a:spAutoFit/>
+          </a:bodyPr>
+          <a:lstStyle/>
+          <a:p>
+            <a:r>
+              <a:rPr lang="en-US" altLang="ko-KR" sz="1400" dirty="0" smtClean="0">
+                <a:solidFill>
+                  <a:srgbClr val="24292E"/>
+                </a:solidFill>
+                <a:latin typeface="+mn-ea"/>
+              </a:rPr>
+              <a:t>10.</a:t>
+            </a:r>
+            <a:r>
+              <a:rPr lang="en-US" altLang="ko-KR" sz="1400" b="0" i="0" dirty="0" smtClean="0">
+                <a:solidFill>
+                  <a:srgbClr val="24292E"/>
+                </a:solidFill>
+                <a:effectLst/>
+                <a:latin typeface="+mn-ea"/>
+              </a:rPr>
+              <a:t> </a:t>
+            </a:r>
+            <a:r>
+              <a:rPr lang="en-US" altLang="ko-KR" sz="1400" dirty="0" smtClean="0">
+                <a:solidFill>
+                  <a:srgbClr val="24292E"/>
+                </a:solidFill>
+                <a:latin typeface="+mn-ea"/>
+              </a:rPr>
+              <a:t>HPA</a:t>
+            </a:r>
+            <a:r>
+              <a:rPr lang="ko-KR" altLang="en-US" sz="1400" dirty="0" smtClean="0">
+                <a:solidFill>
+                  <a:srgbClr val="24292E"/>
+                </a:solidFill>
+                <a:latin typeface="+mn-ea"/>
+              </a:rPr>
+              <a:t>삭제</a:t>
+            </a:r>
+            <a:endParaRPr lang="en-US" altLang="ko-KR" sz="1400" dirty="0" smtClean="0">
+              <a:solidFill>
+                <a:srgbClr val="24292E"/>
+              </a:solidFill>
+              <a:latin typeface="+mn-ea"/>
+            </a:endParaRPr>
+          </a:p>
+          <a:p>
+            <a:r>
+              <a:rPr lang="en-US" altLang="ko-KR" sz="1400" dirty="0" err="1">
+                <a:solidFill>
+                  <a:srgbClr val="24292E"/>
+                </a:solidFill>
+                <a:latin typeface="+mn-ea"/>
+              </a:rPr>
+              <a:t>kubectl</a:t>
+            </a:r>
+            <a:r>
+              <a:rPr lang="en-US" altLang="ko-KR" sz="1400" dirty="0">
+                <a:solidFill>
+                  <a:srgbClr val="24292E"/>
+                </a:solidFill>
+                <a:latin typeface="+mn-ea"/>
+              </a:rPr>
+              <a:t> delete </a:t>
+            </a:r>
+            <a:r>
+              <a:rPr lang="en-US" altLang="ko-KR" sz="1400" dirty="0" err="1">
+                <a:solidFill>
+                  <a:srgbClr val="24292E"/>
+                </a:solidFill>
+                <a:latin typeface="+mn-ea"/>
+              </a:rPr>
+              <a:t>hpa</a:t>
+            </a:r>
+            <a:r>
+              <a:rPr lang="en-US" altLang="ko-KR" sz="1400" dirty="0">
+                <a:solidFill>
+                  <a:srgbClr val="24292E"/>
+                </a:solidFill>
+                <a:latin typeface="+mn-ea"/>
+              </a:rPr>
+              <a:t> driver -n </a:t>
+            </a:r>
+            <a:r>
+              <a:rPr lang="en-US" altLang="ko-KR" sz="1400" dirty="0" err="1">
+                <a:solidFill>
+                  <a:srgbClr val="24292E"/>
+                </a:solidFill>
+                <a:latin typeface="+mn-ea"/>
+              </a:rPr>
+              <a:t>istio</a:t>
+            </a:r>
+            <a:r>
+              <a:rPr lang="en-US" altLang="ko-KR" sz="1400" dirty="0">
+                <a:solidFill>
+                  <a:srgbClr val="24292E"/>
+                </a:solidFill>
+                <a:latin typeface="+mn-ea"/>
+              </a:rPr>
+              <a:t>-</a:t>
+            </a:r>
+            <a:r>
+              <a:rPr lang="en-US" altLang="ko-KR" sz="1400" dirty="0" err="1">
+                <a:solidFill>
+                  <a:srgbClr val="24292E"/>
+                </a:solidFill>
+                <a:latin typeface="+mn-ea"/>
+              </a:rPr>
+              <a:t>cb</a:t>
+            </a:r>
+            <a:r>
+              <a:rPr lang="en-US" altLang="ko-KR" sz="1400" dirty="0">
+                <a:solidFill>
+                  <a:srgbClr val="24292E"/>
+                </a:solidFill>
+                <a:latin typeface="+mn-ea"/>
+              </a:rPr>
+              <a:t>-ns</a:t>
+            </a:r>
+            <a:endParaRPr lang="en-US" altLang="ko-KR" sz="1400" b="0" i="0" dirty="0">
+              <a:solidFill>
+                <a:srgbClr val="24292E"/>
+              </a:solidFill>
+              <a:effectLst/>
+              <a:latin typeface="+mn-ea"/>
+            </a:endParaRPr>
+          </a:p>
+        </p:txBody>
+      </p:sp>
     </p:spTree>
     <p:extLst>
       <p:ext uri="{BB962C8B-B14F-4D97-AF65-F5344CB8AC3E}">
-        <p14:creationId xmlns:p14="http://schemas.microsoft.com/office/powerpoint/2010/main" val="2280406094"/>
+        <p14:creationId xmlns:p14="http://schemas.microsoft.com/office/powerpoint/2010/main" val="120842853"/>
       </p:ext>
     </p:extLst>
   </p:cSld>
@@ -22570,18 +24394,17 @@
           <a:lstStyle/>
           <a:p>
             <a:r>
-              <a:rPr lang="ko-KR" altLang="en-US" dirty="0" err="1"/>
-              <a:t>무정지</a:t>
+              <a:rPr lang="en-US" altLang="ko-KR" dirty="0" err="1"/>
+              <a:t>ConfigMap</a:t>
+            </a:r>
+            <a:r>
+              <a:rPr lang="en-US" altLang="ko-KR" dirty="0"/>
+              <a:t> </a:t>
             </a:r>
             <a:r>
               <a:rPr lang="ko-KR" altLang="en-US" dirty="0"/>
-              <a:t> </a:t>
-            </a:r>
-            <a:r>
-              <a:rPr lang="ko-KR" altLang="en-US" dirty="0" err="1"/>
-              <a:t>재배포</a:t>
-            </a:r>
-            <a:endParaRPr lang="ko-KR" altLang="en-US" dirty="0"/>
+              <a:t>사용</a:t>
+            </a:r>
           </a:p>
         </p:txBody>
       </p:sp>
@@ -22600,7 +24423,7 @@
         <p:spPr>
           <a:xfrm>
             <a:off x="838200" y="1550504"/>
-            <a:ext cx="10876722" cy="369332"/>
+            <a:ext cx="10876722" cy="1415772"/>
           </a:xfrm>
           <a:prstGeom prst="rect">
             <a:avLst/>
@@ -22615,29 +24438,291 @@
           <a:p>
             <a:pPr algn="l"/>
             <a:r>
-              <a:rPr lang="en-US" altLang="ko-KR" dirty="0">
-                <a:solidFill>
-                  <a:srgbClr val="24292E"/>
-                </a:solidFill>
-                <a:latin typeface="-apple-system"/>
-              </a:rPr>
-              <a:t>Readiness </a:t>
+              <a:rPr lang="ko-KR" altLang="en-US" sz="1600" b="0" i="0" dirty="0">
+                <a:solidFill>
+                  <a:srgbClr val="24292E"/>
+                </a:solidFill>
+                <a:effectLst/>
+                <a:latin typeface="+mn-ea"/>
+              </a:rPr>
+              <a:t>시스템별로 또는 </a:t>
+            </a:r>
+            <a:r>
+              <a:rPr lang="ko-KR" altLang="en-US" sz="1600" b="0" i="0" dirty="0" err="1">
+                <a:solidFill>
+                  <a:srgbClr val="24292E"/>
+                </a:solidFill>
+                <a:effectLst/>
+                <a:latin typeface="+mn-ea"/>
+              </a:rPr>
+              <a:t>운영중에</a:t>
+            </a:r>
+            <a:r>
+              <a:rPr lang="ko-KR" altLang="en-US" sz="1600" b="0" i="0" dirty="0">
+                <a:solidFill>
+                  <a:srgbClr val="24292E"/>
+                </a:solidFill>
+                <a:effectLst/>
+                <a:latin typeface="+mn-ea"/>
+              </a:rPr>
+              <a:t> 동적으로 변경 가능성이 있는 설정들을 </a:t>
+            </a:r>
+            <a:r>
+              <a:rPr lang="en-US" altLang="ko-KR" sz="1600" b="0" i="0" dirty="0" err="1">
+                <a:solidFill>
+                  <a:srgbClr val="24292E"/>
+                </a:solidFill>
+                <a:effectLst/>
+                <a:latin typeface="+mn-ea"/>
+              </a:rPr>
+              <a:t>ConfigMap</a:t>
+            </a:r>
+            <a:r>
+              <a:rPr lang="ko-KR" altLang="en-US" sz="1600" b="0" i="0" dirty="0">
+                <a:solidFill>
+                  <a:srgbClr val="24292E"/>
+                </a:solidFill>
+                <a:effectLst/>
+                <a:latin typeface="+mn-ea"/>
+              </a:rPr>
+              <a:t>을 사용하여 관리합니다</a:t>
+            </a:r>
+            <a:r>
+              <a:rPr lang="en-US" altLang="ko-KR" sz="1600" b="0" i="0" dirty="0">
+                <a:solidFill>
+                  <a:srgbClr val="24292E"/>
+                </a:solidFill>
+                <a:effectLst/>
+                <a:latin typeface="+mn-ea"/>
+              </a:rPr>
+              <a:t>. Application</a:t>
+            </a:r>
+            <a:r>
+              <a:rPr lang="ko-KR" altLang="en-US" sz="1600" b="0" i="0" dirty="0">
+                <a:solidFill>
+                  <a:srgbClr val="24292E"/>
+                </a:solidFill>
+                <a:effectLst/>
+                <a:latin typeface="+mn-ea"/>
+              </a:rPr>
+              <a:t>에서 특정 </a:t>
+            </a:r>
+            <a:r>
+              <a:rPr lang="ko-KR" altLang="en-US" sz="1600" b="0" i="0" dirty="0" err="1">
+                <a:solidFill>
+                  <a:srgbClr val="24292E"/>
+                </a:solidFill>
+                <a:effectLst/>
+                <a:latin typeface="+mn-ea"/>
+              </a:rPr>
+              <a:t>도메일</a:t>
+            </a:r>
+            <a:r>
+              <a:rPr lang="ko-KR" altLang="en-US" sz="1600" b="0" i="0" dirty="0">
+                <a:solidFill>
+                  <a:srgbClr val="24292E"/>
+                </a:solidFill>
+                <a:effectLst/>
+                <a:latin typeface="+mn-ea"/>
+              </a:rPr>
+              <a:t> </a:t>
+            </a:r>
+            <a:r>
+              <a:rPr lang="en-US" altLang="ko-KR" sz="1600" b="0" i="0" dirty="0">
+                <a:solidFill>
+                  <a:srgbClr val="24292E"/>
+                </a:solidFill>
+                <a:effectLst/>
+                <a:latin typeface="+mn-ea"/>
+              </a:rPr>
+              <a:t>URL</a:t>
+            </a:r>
+            <a:r>
+              <a:rPr lang="ko-KR" altLang="en-US" sz="1600" b="0" i="0" dirty="0">
+                <a:solidFill>
+                  <a:srgbClr val="24292E"/>
+                </a:solidFill>
+                <a:effectLst/>
+                <a:latin typeface="+mn-ea"/>
+              </a:rPr>
+              <a:t>을 </a:t>
+            </a:r>
+            <a:r>
+              <a:rPr lang="en-US" altLang="ko-KR" sz="1600" b="0" i="0" dirty="0" err="1">
+                <a:solidFill>
+                  <a:srgbClr val="24292E"/>
+                </a:solidFill>
+                <a:effectLst/>
+                <a:latin typeface="+mn-ea"/>
+              </a:rPr>
+              <a:t>ConfigMap</a:t>
+            </a:r>
+            <a:r>
+              <a:rPr lang="en-US" altLang="ko-KR" sz="1600" b="0" i="0" dirty="0">
+                <a:solidFill>
+                  <a:srgbClr val="24292E"/>
+                </a:solidFill>
+                <a:effectLst/>
+                <a:latin typeface="+mn-ea"/>
+              </a:rPr>
+              <a:t> </a:t>
+            </a:r>
+            <a:r>
+              <a:rPr lang="ko-KR" altLang="en-US" sz="1600" b="0" i="0" dirty="0">
+                <a:solidFill>
+                  <a:srgbClr val="24292E"/>
+                </a:solidFill>
+                <a:effectLst/>
+                <a:latin typeface="+mn-ea"/>
+              </a:rPr>
+              <a:t>으로 설정하여 운영</a:t>
+            </a:r>
+            <a:r>
+              <a:rPr lang="en-US" altLang="ko-KR" sz="1600" b="0" i="0" dirty="0">
+                <a:solidFill>
+                  <a:srgbClr val="24292E"/>
+                </a:solidFill>
+                <a:effectLst/>
+                <a:latin typeface="+mn-ea"/>
+              </a:rPr>
+              <a:t>/</a:t>
+            </a:r>
+            <a:r>
+              <a:rPr lang="ko-KR" altLang="en-US" sz="1600" b="0" i="0" dirty="0" smtClean="0">
+                <a:solidFill>
+                  <a:srgbClr val="24292E"/>
+                </a:solidFill>
+                <a:effectLst/>
+                <a:latin typeface="+mn-ea"/>
+              </a:rPr>
+              <a:t>개발 등 </a:t>
+            </a:r>
+            <a:r>
+              <a:rPr lang="ko-KR" altLang="en-US" sz="1600" b="0" i="0" dirty="0">
+                <a:solidFill>
+                  <a:srgbClr val="24292E"/>
+                </a:solidFill>
+                <a:effectLst/>
+                <a:latin typeface="+mn-ea"/>
+              </a:rPr>
+              <a:t>목적에 맞게 </a:t>
+            </a:r>
+            <a:r>
+              <a:rPr lang="ko-KR" altLang="en-US" sz="1600" b="0" i="0" dirty="0" smtClean="0">
+                <a:solidFill>
+                  <a:srgbClr val="24292E"/>
+                </a:solidFill>
+                <a:effectLst/>
+                <a:latin typeface="+mn-ea"/>
+              </a:rPr>
+              <a:t>변경가능 합니다</a:t>
+            </a:r>
+            <a:r>
+              <a:rPr lang="en-US" altLang="ko-KR" sz="1600" b="0" i="0" dirty="0">
+                <a:solidFill>
+                  <a:srgbClr val="24292E"/>
+                </a:solidFill>
+                <a:effectLst/>
+                <a:latin typeface="+mn-ea"/>
+              </a:rPr>
+              <a:t>.</a:t>
+            </a:r>
+          </a:p>
+          <a:p>
+            <a:pPr algn="l"/>
+            <a:endParaRPr lang="en-US" altLang="ko-KR" dirty="0">
+              <a:solidFill>
+                <a:srgbClr val="24292E"/>
+              </a:solidFill>
+              <a:latin typeface="+mn-ea"/>
+            </a:endParaRPr>
+          </a:p>
+          <a:p>
+            <a:r>
+              <a:rPr lang="en-US" altLang="ko-KR" b="0" i="0" dirty="0" smtClean="0">
+                <a:solidFill>
+                  <a:srgbClr val="24292E"/>
+                </a:solidFill>
+                <a:effectLst/>
+                <a:latin typeface="+mn-ea"/>
+              </a:rPr>
+              <a:t>a-</a:t>
+            </a:r>
+            <a:r>
+              <a:rPr lang="en-US" altLang="ko-KR" b="0" i="0" dirty="0" err="1" smtClean="0">
+                <a:solidFill>
+                  <a:srgbClr val="24292E"/>
+                </a:solidFill>
+                <a:effectLst/>
+                <a:latin typeface="+mn-ea"/>
+              </a:rPr>
+              <a:t>config.yaml</a:t>
+            </a:r>
+            <a:r>
+              <a:rPr lang="en-US" altLang="ko-KR" b="0" i="0" dirty="0" smtClean="0">
+                <a:solidFill>
+                  <a:srgbClr val="24292E"/>
+                </a:solidFill>
+                <a:effectLst/>
+                <a:latin typeface="+mn-ea"/>
+              </a:rPr>
+              <a:t> </a:t>
+            </a:r>
+            <a:r>
+              <a:rPr lang="ko-KR" altLang="en-US" b="0" i="0" dirty="0" smtClean="0">
+                <a:solidFill>
+                  <a:srgbClr val="24292E"/>
+                </a:solidFill>
+                <a:effectLst/>
+                <a:latin typeface="+mn-ea"/>
+              </a:rPr>
+              <a:t>이라는 </a:t>
+            </a:r>
+            <a:r>
+              <a:rPr lang="en-US" altLang="ko-KR" b="0" i="0" dirty="0" err="1">
+                <a:solidFill>
+                  <a:srgbClr val="24292E"/>
+                </a:solidFill>
+                <a:effectLst/>
+                <a:latin typeface="+mn-ea"/>
+              </a:rPr>
+              <a:t>ConfigMap</a:t>
+            </a:r>
+            <a:r>
+              <a:rPr lang="ko-KR" altLang="en-US" b="0" i="0" dirty="0">
+                <a:solidFill>
+                  <a:srgbClr val="24292E"/>
+                </a:solidFill>
+                <a:effectLst/>
+                <a:latin typeface="+mn-ea"/>
+              </a:rPr>
+              <a:t>을 </a:t>
             </a:r>
             <a:r>
               <a:rPr lang="ko-KR" altLang="en-US" dirty="0">
                 <a:solidFill>
                   <a:srgbClr val="24292E"/>
                 </a:solidFill>
-                <a:latin typeface="-apple-system"/>
-              </a:rPr>
-              <a:t>적용된 소스</a:t>
-            </a:r>
-            <a:endParaRPr lang="en-US" altLang="ko-KR" b="0" i="0" dirty="0">
+                <a:latin typeface="+mn-ea"/>
+              </a:rPr>
+              <a:t>생성</a:t>
+            </a:r>
+            <a:endParaRPr lang="ko-KR" altLang="en-US" b="0" i="0" dirty="0">
               <a:solidFill>
                 <a:srgbClr val="24292E"/>
               </a:solidFill>
               <a:effectLst/>
-              <a:latin typeface="-apple-system"/>
+              <a:latin typeface="+mn-ea"/>
+            </a:endParaRPr>
+          </a:p>
+          <a:p>
+            <a:pPr algn="l"/>
+            <a:endParaRPr lang="ko-KR" altLang="en-US" b="0" i="0" dirty="0">
+              <a:solidFill>
+                <a:srgbClr val="24292E"/>
+              </a:solidFill>
+              <a:effectLst/>
+              <a:latin typeface="+mn-ea"/>
             </a:endParaRPr>
           </a:p>
         </p:txBody>
@@ -22658,8 +24743,8 @@
         </p:blipFill>
         <p:spPr>
           <a:xfrm>
-            <a:off x="1192091" y="2256382"/>
-            <a:ext cx="9305924" cy="3915817"/>
+            <a:off x="838200" y="3108667"/>
+            <a:ext cx="7429500" cy="2085975"/>
           </a:xfrm>
           <a:prstGeom prst="rect">
             <a:avLst/>
@@ -22669,7 +24754,7 @@
     </p:spTree>
     <p:extLst>
       <p:ext uri="{BB962C8B-B14F-4D97-AF65-F5344CB8AC3E}">
-        <p14:creationId xmlns:p14="http://schemas.microsoft.com/office/powerpoint/2010/main" val="3922119018"/>
+        <p14:creationId xmlns:p14="http://schemas.microsoft.com/office/powerpoint/2010/main" val="339162916"/>
       </p:ext>
     </p:extLst>
   </p:cSld>
@@ -23723,18 +25808,17 @@
           <a:lstStyle/>
           <a:p>
             <a:r>
-              <a:rPr lang="ko-KR" altLang="en-US" dirty="0" err="1"/>
-              <a:t>무정지</a:t>
+              <a:rPr lang="en-US" altLang="ko-KR" dirty="0" err="1"/>
+              <a:t>ConfigMap</a:t>
+            </a:r>
+            <a:r>
+              <a:rPr lang="en-US" altLang="ko-KR" dirty="0"/>
+              <a:t> </a:t>
             </a:r>
             <a:r>
               <a:rPr lang="ko-KR" altLang="en-US" dirty="0"/>
-              <a:t> </a:t>
-            </a:r>
-            <a:r>
-              <a:rPr lang="ko-KR" altLang="en-US" dirty="0" err="1"/>
-              <a:t>재배포</a:t>
-            </a:r>
-            <a:endParaRPr lang="ko-KR" altLang="en-US" dirty="0"/>
+              <a:t>사용</a:t>
+            </a:r>
           </a:p>
         </p:txBody>
       </p:sp>
@@ -23753,7 +25837,7 @@
         <p:spPr>
           <a:xfrm>
             <a:off x="838200" y="1550504"/>
-            <a:ext cx="10876722" cy="369332"/>
+            <a:ext cx="10876722" cy="646331"/>
           </a:xfrm>
           <a:prstGeom prst="rect">
             <a:avLst/>
@@ -23766,78 +25850,67 @@
           </a:bodyPr>
           <a:lstStyle/>
           <a:p>
-            <a:pPr algn="l"/>
-            <a:r>
-              <a:rPr lang="en-US" altLang="ko-KR" b="0" i="0" dirty="0" err="1">
+            <a:r>
+              <a:rPr lang="en-US" altLang="ko-KR" b="0" i="0" dirty="0">
                 <a:solidFill>
                   <a:srgbClr val="24292E"/>
                 </a:solidFill>
                 <a:effectLst/>
                 <a:latin typeface="-apple-system"/>
               </a:rPr>
-              <a:t>seige</a:t>
-            </a:r>
-            <a:r>
-              <a:rPr lang="en-US" altLang="ko-KR" b="0" i="0" dirty="0">
+              <a:t>key</a:t>
+            </a:r>
+            <a:r>
+              <a:rPr lang="ko-KR" altLang="en-US" b="0" i="0" dirty="0">
                 <a:solidFill>
                   <a:srgbClr val="24292E"/>
                 </a:solidFill>
                 <a:effectLst/>
                 <a:latin typeface="-apple-system"/>
               </a:rPr>
-              <a:t> </a:t>
-            </a:r>
-            <a:r>
-              <a:rPr lang="ko-KR" altLang="en-US" b="0" i="0" dirty="0">
+              <a:t>값에 도메인 </a:t>
+            </a:r>
+            <a:r>
+              <a:rPr lang="en-US" altLang="ko-KR" b="0" i="0" dirty="0" err="1">
                 <a:solidFill>
                   <a:srgbClr val="24292E"/>
                 </a:solidFill>
                 <a:effectLst/>
                 <a:latin typeface="-apple-system"/>
               </a:rPr>
-              <a:t>로 워크로드를 모니터링 하여 리드니스가 </a:t>
-            </a:r>
-            <a:r>
-              <a:rPr lang="ko-KR" altLang="en-US" b="0" i="0" dirty="0" err="1">
+              <a:t>url</a:t>
+            </a:r>
+            <a:r>
+              <a:rPr lang="ko-KR" altLang="en-US" b="0" i="0" dirty="0">
                 <a:solidFill>
                   <a:srgbClr val="24292E"/>
                 </a:solidFill>
                 <a:effectLst/>
                 <a:latin typeface="-apple-system"/>
               </a:rPr>
-              <a:t>없을경우</a:t>
-            </a:r>
-            <a:r>
-              <a:rPr lang="ko-KR" altLang="en-US" b="0" i="0" dirty="0">
+              <a:t>을 등록한다</a:t>
+            </a:r>
+            <a:r>
+              <a:rPr lang="en-US" altLang="ko-KR" b="0" i="0" dirty="0" smtClean="0">
                 <a:solidFill>
                   <a:srgbClr val="24292E"/>
                 </a:solidFill>
                 <a:effectLst/>
                 <a:latin typeface="-apple-system"/>
               </a:rPr>
-              <a:t> </a:t>
-            </a:r>
-            <a:r>
-              <a:rPr lang="en-US" altLang="ko-KR" b="0" i="0" dirty="0">
-                <a:solidFill>
-                  <a:srgbClr val="24292E"/>
-                </a:solidFill>
-                <a:effectLst/>
-                <a:latin typeface="-apple-system"/>
-              </a:rPr>
-              <a:t>97.12%</a:t>
-            </a:r>
-            <a:r>
-              <a:rPr lang="ko-KR" altLang="en-US" b="0" i="0" dirty="0">
-                <a:solidFill>
-                  <a:srgbClr val="24292E"/>
-                </a:solidFill>
-                <a:effectLst/>
-                <a:latin typeface="-apple-system"/>
-              </a:rPr>
-              <a:t>로 떨어진 것을 확인 함</a:t>
-            </a:r>
-            <a:endParaRPr lang="en-US" altLang="ko-KR" b="0" i="0" dirty="0">
+              <a:t>. </a:t>
+            </a:r>
+          </a:p>
+          <a:p>
+            <a:r>
+              <a:rPr lang="en-US" altLang="ko-KR" dirty="0" smtClean="0"/>
+              <a:t>Management/</a:t>
+            </a:r>
+            <a:r>
+              <a:rPr lang="en-US" altLang="ko-KR" dirty="0" err="1" smtClean="0"/>
+              <a:t>buildsepc.yaml</a:t>
+            </a:r>
+            <a:endParaRPr lang="ko-KR" altLang="en-US" b="0" i="0" dirty="0">
               <a:solidFill>
                 <a:srgbClr val="24292E"/>
               </a:solidFill>
@@ -23849,13 +25922,7 @@
       </p:sp>
       <p:pic>
         <p:nvPicPr>
-          <p:cNvPr id="4" name="그림 3">
-            <a:extLst>
-              <a:ext uri="{FF2B5EF4-FFF2-40B4-BE49-F238E27FC236}">
-                <a16:creationId xmlns:a16="http://schemas.microsoft.com/office/drawing/2014/main" id="{4DDE765D-74AF-4226-8F13-E33E1A0E246C}"/>
-              </a:ext>
-            </a:extLst>
-          </p:cNvPr>
+          <p:cNvPr id="3" name="그림 2"/>
           <p:cNvPicPr>
             <a:picLocks noChangeAspect="1"/>
           </p:cNvPicPr>
@@ -23869,8 +25936,8 @@
         </p:blipFill>
         <p:spPr>
           <a:xfrm>
-            <a:off x="938212" y="2030896"/>
-            <a:ext cx="3686175" cy="3276600"/>
+            <a:off x="981808" y="2292227"/>
+            <a:ext cx="6096000" cy="3609975"/>
           </a:xfrm>
           <a:prstGeom prst="rect">
             <a:avLst/>
@@ -23880,7 +25947,7 @@
     </p:spTree>
     <p:extLst>
       <p:ext uri="{BB962C8B-B14F-4D97-AF65-F5344CB8AC3E}">
-        <p14:creationId xmlns:p14="http://schemas.microsoft.com/office/powerpoint/2010/main" val="3740873824"/>
+        <p14:creationId xmlns:p14="http://schemas.microsoft.com/office/powerpoint/2010/main" val="1473898930"/>
       </p:ext>
     </p:extLst>
   </p:cSld>
@@ -23936,18 +26003,17 @@
           <a:lstStyle/>
           <a:p>
             <a:r>
-              <a:rPr lang="ko-KR" altLang="en-US" dirty="0" err="1"/>
-              <a:t>무정지</a:t>
+              <a:rPr lang="en-US" altLang="ko-KR" dirty="0" err="1"/>
+              <a:t>ConfigMap</a:t>
+            </a:r>
+            <a:r>
+              <a:rPr lang="en-US" altLang="ko-KR" dirty="0"/>
+              <a:t> </a:t>
             </a:r>
             <a:r>
               <a:rPr lang="ko-KR" altLang="en-US" dirty="0"/>
-              <a:t> </a:t>
-            </a:r>
-            <a:r>
-              <a:rPr lang="ko-KR" altLang="en-US" dirty="0" err="1"/>
-              <a:t>재배포</a:t>
-            </a:r>
-            <a:endParaRPr lang="ko-KR" altLang="en-US" dirty="0"/>
+              <a:t>사용</a:t>
+            </a:r>
           </a:p>
         </p:txBody>
       </p:sp>
@@ -23979,58 +26045,35 @@
           </a:bodyPr>
           <a:lstStyle/>
           <a:p>
-            <a:pPr algn="l"/>
-            <a:r>
-              <a:rPr lang="en-US" altLang="ko-KR" b="0" i="0" dirty="0" err="1">
-                <a:solidFill>
-                  <a:srgbClr val="24292E"/>
-                </a:solidFill>
-                <a:effectLst/>
-                <a:latin typeface="-apple-system"/>
-              </a:rPr>
-              <a:t>seige</a:t>
-            </a:r>
-            <a:r>
-              <a:rPr lang="en-US" altLang="ko-KR" b="0" i="0" dirty="0">
-                <a:solidFill>
-                  <a:srgbClr val="24292E"/>
-                </a:solidFill>
-                <a:effectLst/>
-                <a:latin typeface="-apple-system"/>
-              </a:rPr>
+            <a:r>
+              <a:rPr lang="en-US" altLang="ko-KR" dirty="0" smtClean="0"/>
+              <a:t>Deployment </a:t>
+            </a:r>
+            <a:r>
+              <a:rPr lang="en-US" altLang="ko-KR" dirty="0" err="1"/>
+              <a:t>yaml</a:t>
+            </a:r>
+            <a:r>
+              <a:rPr lang="ko-KR" altLang="en-US" dirty="0"/>
+              <a:t>에 </a:t>
+            </a:r>
+            <a:r>
+              <a:rPr lang="ko-KR" altLang="en-US" dirty="0" smtClean="0"/>
+              <a:t>해당 </a:t>
+            </a:r>
+            <a:r>
+              <a:rPr lang="en-US" altLang="ko-KR" dirty="0" err="1"/>
+              <a:t>configMap</a:t>
+            </a:r>
+            <a:r>
+              <a:rPr lang="en-US" altLang="ko-KR" dirty="0"/>
               <a:t> </a:t>
             </a:r>
             <a:r>
-              <a:rPr lang="ko-KR" altLang="en-US" b="0" i="0" dirty="0">
-                <a:solidFill>
-                  <a:srgbClr val="24292E"/>
-                </a:solidFill>
-                <a:effectLst/>
-                <a:latin typeface="-apple-system"/>
-              </a:rPr>
-              <a:t>로 워크로드를 모니터링 하여 리드니스반영 후 </a:t>
-            </a:r>
-            <a:r>
-              <a:rPr lang="en-US" altLang="ko-KR" b="0" i="0" dirty="0">
-                <a:solidFill>
-                  <a:srgbClr val="24292E"/>
-                </a:solidFill>
-                <a:effectLst/>
-                <a:latin typeface="-apple-system"/>
-              </a:rPr>
-              <a:t>100% </a:t>
-            </a:r>
-            <a:r>
-              <a:rPr lang="ko-KR" altLang="en-US" b="0" i="0" dirty="0">
-                <a:solidFill>
-                  <a:srgbClr val="24292E"/>
-                </a:solidFill>
-                <a:effectLst/>
-                <a:latin typeface="-apple-system"/>
-              </a:rPr>
-              <a:t>나온 것을 확인 함</a:t>
-            </a:r>
-            <a:endParaRPr lang="en-US" altLang="ko-KR" b="0" i="0" dirty="0">
+              <a:rPr lang="ko-KR" altLang="en-US" dirty="0"/>
+              <a:t>적용</a:t>
+            </a:r>
+            <a:endParaRPr lang="ko-KR" altLang="en-US" b="0" i="0" dirty="0">
               <a:solidFill>
                 <a:srgbClr val="24292E"/>
               </a:solidFill>
@@ -24042,13 +26085,7 @@
       </p:sp>
       <p:pic>
         <p:nvPicPr>
-          <p:cNvPr id="7" name="그림 6">
-            <a:extLst>
-              <a:ext uri="{FF2B5EF4-FFF2-40B4-BE49-F238E27FC236}">
-                <a16:creationId xmlns:a16="http://schemas.microsoft.com/office/drawing/2014/main" id="{B8C9846C-FD9C-48EA-9B33-27BADB9520DE}"/>
-              </a:ext>
-            </a:extLst>
-          </p:cNvPr>
+          <p:cNvPr id="3" name="그림 2"/>
           <p:cNvPicPr>
             <a:picLocks noChangeAspect="1"/>
           </p:cNvPicPr>
@@ -24062,8 +26099,8 @@
         </p:blipFill>
         <p:spPr>
           <a:xfrm>
-            <a:off x="1288566" y="2254112"/>
-            <a:ext cx="5400675" cy="4019550"/>
+            <a:off x="838200" y="2284942"/>
+            <a:ext cx="9734550" cy="3653014"/>
           </a:xfrm>
           <a:prstGeom prst="rect">
             <a:avLst/>
@@ -24073,7 +26110,7 @@
     </p:spTree>
     <p:extLst>
       <p:ext uri="{BB962C8B-B14F-4D97-AF65-F5344CB8AC3E}">
-        <p14:creationId xmlns:p14="http://schemas.microsoft.com/office/powerpoint/2010/main" val="59465941"/>
+        <p14:creationId xmlns:p14="http://schemas.microsoft.com/office/powerpoint/2010/main" val="3772217449"/>
       </p:ext>
     </p:extLst>
   </p:cSld>
@@ -24129,12 +26166,16 @@
           <a:lstStyle/>
           <a:p>
             <a:r>
-              <a:rPr lang="ko-KR" altLang="en-US" dirty="0" err="1"/>
-              <a:t>오토스케일</a:t>
+              <a:rPr lang="en-US" altLang="ko-KR" dirty="0" err="1"/>
+              <a:t>ConfigMap</a:t>
+            </a:r>
+            <a:r>
+              <a:rPr lang="en-US" altLang="ko-KR" dirty="0"/>
+              <a:t> </a:t>
             </a:r>
             <a:r>
               <a:rPr lang="ko-KR" altLang="en-US" dirty="0"/>
-              <a:t> 아웃</a:t>
+              <a:t>사용</a:t>
             </a:r>
           </a:p>
         </p:txBody>
@@ -24154,7 +26195,7 @@
         <p:spPr>
           <a:xfrm>
             <a:off x="838200" y="1550504"/>
-            <a:ext cx="10876722" cy="3970318"/>
+            <a:ext cx="10876722" cy="369332"/>
           </a:xfrm>
           <a:prstGeom prst="rect">
             <a:avLst/>
@@ -24167,16 +26208,94 @@
           </a:bodyPr>
           <a:lstStyle/>
           <a:p>
-            <a:pPr algn="l"/>
+            <a:r>
+              <a:rPr lang="en-US" altLang="ko-KR" b="0" i="0" dirty="0" err="1">
+                <a:solidFill>
+                  <a:srgbClr val="24292E"/>
+                </a:solidFill>
+                <a:effectLst/>
+                <a:latin typeface="+mn-ea"/>
+              </a:rPr>
+              <a:t>kubectl</a:t>
+            </a:r>
             <a:r>
               <a:rPr lang="en-US" altLang="ko-KR" b="0" i="0" dirty="0">
                 <a:solidFill>
                   <a:srgbClr val="24292E"/>
                 </a:solidFill>
                 <a:effectLst/>
-                <a:latin typeface="-apple-system"/>
-              </a:rPr>
-              <a:t>1. CPU </a:t>
+                <a:latin typeface="+mn-ea"/>
+              </a:rPr>
+              <a:t> describe </a:t>
+            </a:r>
+            <a:r>
+              <a:rPr lang="en-US" altLang="ko-KR" b="0" i="0" dirty="0" smtClean="0">
+                <a:solidFill>
+                  <a:srgbClr val="24292E"/>
+                </a:solidFill>
+                <a:effectLst/>
+                <a:latin typeface="+mn-ea"/>
+              </a:rPr>
+              <a:t>pod</a:t>
+            </a:r>
+            <a:r>
+              <a:rPr lang="en-US" altLang="ko-KR" dirty="0" smtClean="0">
+                <a:solidFill>
+                  <a:srgbClr val="24292E"/>
+                </a:solidFill>
+                <a:latin typeface="+mn-ea"/>
+              </a:rPr>
+              <a:t>/driver-7c7ccd9b94-2nnw6 </a:t>
+            </a:r>
+            <a:r>
+              <a:rPr lang="en-US" altLang="ko-KR" b="0" i="0" dirty="0">
+                <a:solidFill>
+                  <a:srgbClr val="24292E"/>
+                </a:solidFill>
+                <a:effectLst/>
+                <a:latin typeface="+mn-ea"/>
+              </a:rPr>
+              <a:t>-n </a:t>
+            </a:r>
+            <a:r>
+              <a:rPr lang="en-US" altLang="ko-KR" b="0" i="0" dirty="0" err="1">
+                <a:solidFill>
+                  <a:srgbClr val="24292E"/>
+                </a:solidFill>
+                <a:effectLst/>
+                <a:latin typeface="+mn-ea"/>
+              </a:rPr>
+              <a:t>istio</a:t>
+            </a:r>
+            <a:r>
+              <a:rPr lang="en-US" altLang="ko-KR" b="0" i="0" dirty="0">
+                <a:solidFill>
+                  <a:srgbClr val="24292E"/>
+                </a:solidFill>
+                <a:effectLst/>
+                <a:latin typeface="+mn-ea"/>
+              </a:rPr>
+              <a:t>-</a:t>
+            </a:r>
+            <a:r>
+              <a:rPr lang="en-US" altLang="ko-KR" b="0" i="0" dirty="0" err="1">
+                <a:solidFill>
+                  <a:srgbClr val="24292E"/>
+                </a:solidFill>
+                <a:effectLst/>
+                <a:latin typeface="+mn-ea"/>
+              </a:rPr>
+              <a:t>cb</a:t>
+            </a:r>
+            <a:r>
+              <a:rPr lang="en-US" altLang="ko-KR" b="0" i="0" dirty="0">
+                <a:solidFill>
+                  <a:srgbClr val="24292E"/>
+                </a:solidFill>
+                <a:effectLst/>
+                <a:latin typeface="+mn-ea"/>
+              </a:rPr>
+              <a:t>-ns </a:t>
             </a:r>
             <a:r>
               <a:rPr lang="ko-KR" altLang="en-US" b="0" i="0" dirty="0">
@@ -24184,9 +26303,9 @@
                   <a:srgbClr val="24292E"/>
                 </a:solidFill>
                 <a:effectLst/>
-                <a:latin typeface="-apple-system"/>
-              </a:rPr>
-              <a:t>사용량 체크를 위한 </a:t>
+                <a:latin typeface="+mn-ea"/>
+              </a:rPr>
+              <a:t>로</a:t>
             </a:r>
             <a:r>
               <a:rPr lang="en-US" altLang="ko-KR" b="0" i="0" dirty="0">
@@ -24194,9 +26313,9 @@
                   <a:srgbClr val="24292E"/>
                 </a:solidFill>
                 <a:effectLst/>
-                <a:latin typeface="-apple-system"/>
-              </a:rPr>
-              <a:t>Metric Server </a:t>
+                <a:latin typeface="+mn-ea"/>
+              </a:rPr>
+              <a:t> </a:t>
             </a:r>
             <a:r>
               <a:rPr lang="ko-KR" altLang="en-US" b="0" i="0" dirty="0">
@@ -24204,682 +26323,87 @@
                   <a:srgbClr val="24292E"/>
                 </a:solidFill>
                 <a:effectLst/>
-                <a:latin typeface="-apple-system"/>
-              </a:rPr>
-              <a:t>설치</a:t>
-            </a:r>
-            <a:endParaRPr lang="en-US" altLang="ko-KR" b="0" i="0" dirty="0">
-              <a:solidFill>
-                <a:srgbClr val="24292E"/>
-              </a:solidFill>
-              <a:effectLst/>
-              <a:latin typeface="-apple-system"/>
-            </a:endParaRPr>
-          </a:p>
-          <a:p>
-            <a:pPr algn="l"/>
-            <a:r>
-              <a:rPr lang="en-US" altLang="ko-KR" b="0" i="0" dirty="0" err="1">
-                <a:solidFill>
-                  <a:srgbClr val="24292E"/>
-                </a:solidFill>
-                <a:effectLst/>
-                <a:latin typeface="-apple-system"/>
-              </a:rPr>
-              <a:t>kubectl</a:t>
-            </a:r>
-            <a:r>
-              <a:rPr lang="en-US" altLang="ko-KR" b="0" i="0" dirty="0">
-                <a:solidFill>
-                  <a:srgbClr val="24292E"/>
-                </a:solidFill>
-                <a:effectLst/>
-                <a:latin typeface="-apple-system"/>
-              </a:rPr>
-              <a:t> apply -f </a:t>
-            </a:r>
-            <a:r>
-              <a:rPr lang="en-US" altLang="ko-KR" b="0" i="0" dirty="0">
-                <a:solidFill>
-                  <a:srgbClr val="24292E"/>
-                </a:solidFill>
-                <a:effectLst/>
-                <a:latin typeface="-apple-system"/>
-                <a:hlinkClick r:id="rId2"/>
-              </a:rPr>
-              <a:t>https://github.com/kubernetes-sigs/metrics-server/releases/download/v0.3.6/components.yaml</a:t>
-            </a:r>
-            <a:endParaRPr lang="en-US" altLang="ko-KR" b="0" i="0" dirty="0">
-              <a:solidFill>
-                <a:srgbClr val="24292E"/>
-              </a:solidFill>
-              <a:effectLst/>
-              <a:latin typeface="-apple-system"/>
-            </a:endParaRPr>
-          </a:p>
-          <a:p>
-            <a:pPr algn="l"/>
-            <a:r>
-              <a:rPr lang="en-US" altLang="ko-KR" b="0" i="0" dirty="0" err="1">
-                <a:solidFill>
-                  <a:srgbClr val="24292E"/>
-                </a:solidFill>
-                <a:effectLst/>
-                <a:latin typeface="-apple-system"/>
-              </a:rPr>
-              <a:t>kubectl</a:t>
-            </a:r>
-            <a:r>
-              <a:rPr lang="en-US" altLang="ko-KR" b="0" i="0" dirty="0">
-                <a:solidFill>
-                  <a:srgbClr val="24292E"/>
-                </a:solidFill>
-                <a:effectLst/>
-                <a:latin typeface="-apple-system"/>
-              </a:rPr>
-              <a:t> get deployment metrics-server -n </a:t>
-            </a:r>
-            <a:r>
-              <a:rPr lang="en-US" altLang="ko-KR" b="0" i="0" dirty="0" err="1">
-                <a:solidFill>
-                  <a:srgbClr val="24292E"/>
-                </a:solidFill>
-                <a:effectLst/>
-                <a:latin typeface="-apple-system"/>
-              </a:rPr>
-              <a:t>kube</a:t>
-            </a:r>
-            <a:r>
-              <a:rPr lang="en-US" altLang="ko-KR" b="0" i="0" dirty="0">
-                <a:solidFill>
-                  <a:srgbClr val="24292E"/>
-                </a:solidFill>
-                <a:effectLst/>
-                <a:latin typeface="-apple-system"/>
-              </a:rPr>
-              <a:t>-system</a:t>
-            </a:r>
-          </a:p>
-          <a:p>
-            <a:pPr algn="l"/>
-            <a:endParaRPr lang="en-US" altLang="ko-KR" dirty="0">
-              <a:solidFill>
-                <a:srgbClr val="24292E"/>
-              </a:solidFill>
-              <a:latin typeface="-apple-system"/>
-            </a:endParaRPr>
-          </a:p>
-          <a:p>
-            <a:pPr algn="l"/>
-            <a:r>
-              <a:rPr lang="en-US" altLang="ko-KR" b="0" i="0" dirty="0">
-                <a:solidFill>
-                  <a:srgbClr val="24292E"/>
-                </a:solidFill>
-                <a:effectLst/>
-                <a:latin typeface="-apple-system"/>
-              </a:rPr>
-              <a:t>2. </a:t>
-            </a:r>
-            <a:r>
-              <a:rPr lang="en-US" altLang="ko-KR" b="0" i="0" dirty="0" err="1">
-                <a:solidFill>
-                  <a:srgbClr val="24292E"/>
-                </a:solidFill>
-                <a:effectLst/>
-                <a:latin typeface="-apple-system"/>
-              </a:rPr>
-              <a:t>istio</a:t>
-            </a:r>
-            <a:r>
-              <a:rPr lang="en-US" altLang="ko-KR" b="0" i="0" dirty="0">
-                <a:solidFill>
-                  <a:srgbClr val="24292E"/>
-                </a:solidFill>
-                <a:effectLst/>
-                <a:latin typeface="-apple-system"/>
-              </a:rPr>
-              <a:t> injection </a:t>
-            </a:r>
-            <a:r>
-              <a:rPr lang="ko-KR" altLang="en-US" b="0" i="0" dirty="0">
-                <a:solidFill>
-                  <a:srgbClr val="24292E"/>
-                </a:solidFill>
-                <a:effectLst/>
-                <a:latin typeface="-apple-system"/>
-              </a:rPr>
-              <a:t>적용 해제</a:t>
-            </a:r>
-            <a:endParaRPr lang="en-US" altLang="ko-KR" dirty="0">
-              <a:solidFill>
-                <a:srgbClr val="24292E"/>
-              </a:solidFill>
-              <a:latin typeface="-apple-system"/>
-            </a:endParaRPr>
-          </a:p>
-          <a:p>
-            <a:pPr algn="l"/>
-            <a:r>
-              <a:rPr lang="en-US" altLang="ko-KR" b="0" i="0" dirty="0" err="1">
-                <a:solidFill>
-                  <a:srgbClr val="24292E"/>
-                </a:solidFill>
-                <a:effectLst/>
-                <a:latin typeface="-apple-system"/>
-              </a:rPr>
-              <a:t>kubectl</a:t>
-            </a:r>
-            <a:r>
-              <a:rPr lang="en-US" altLang="ko-KR" b="0" i="0" dirty="0">
-                <a:solidFill>
-                  <a:srgbClr val="24292E"/>
-                </a:solidFill>
-                <a:effectLst/>
-                <a:latin typeface="-apple-system"/>
-              </a:rPr>
-              <a:t> label namespace </a:t>
-            </a:r>
-            <a:r>
-              <a:rPr lang="en-US" altLang="ko-KR" b="0" i="0" dirty="0" err="1">
-                <a:solidFill>
-                  <a:srgbClr val="24292E"/>
-                </a:solidFill>
-                <a:effectLst/>
-                <a:latin typeface="-apple-system"/>
-              </a:rPr>
-              <a:t>istio</a:t>
-            </a:r>
-            <a:r>
-              <a:rPr lang="en-US" altLang="ko-KR" b="0" i="0" dirty="0">
-                <a:solidFill>
-                  <a:srgbClr val="24292E"/>
-                </a:solidFill>
-                <a:effectLst/>
-                <a:latin typeface="-apple-system"/>
-              </a:rPr>
-              <a:t>-</a:t>
-            </a:r>
-            <a:r>
-              <a:rPr lang="en-US" altLang="ko-KR" b="0" i="0" dirty="0" err="1">
-                <a:solidFill>
-                  <a:srgbClr val="24292E"/>
-                </a:solidFill>
-                <a:effectLst/>
-                <a:latin typeface="-apple-system"/>
-              </a:rPr>
-              <a:t>cb</a:t>
-            </a:r>
-            <a:r>
-              <a:rPr lang="en-US" altLang="ko-KR" b="0" i="0" dirty="0">
-                <a:solidFill>
-                  <a:srgbClr val="24292E"/>
-                </a:solidFill>
-                <a:effectLst/>
-                <a:latin typeface="-apple-system"/>
-              </a:rPr>
-              <a:t>-ns </a:t>
-            </a:r>
-            <a:r>
-              <a:rPr lang="en-US" altLang="ko-KR" b="0" i="0" dirty="0" err="1">
-                <a:solidFill>
-                  <a:srgbClr val="24292E"/>
-                </a:solidFill>
-                <a:effectLst/>
-                <a:latin typeface="-apple-system"/>
-              </a:rPr>
-              <a:t>istio</a:t>
-            </a:r>
-            <a:r>
-              <a:rPr lang="en-US" altLang="ko-KR" b="0" i="0" dirty="0">
-                <a:solidFill>
-                  <a:srgbClr val="24292E"/>
-                </a:solidFill>
-                <a:effectLst/>
-                <a:latin typeface="-apple-system"/>
-              </a:rPr>
-              <a:t>-injection=disabled –overwrite</a:t>
-            </a:r>
-          </a:p>
-          <a:p>
-            <a:pPr algn="l"/>
-            <a:endParaRPr lang="en-US" altLang="ko-KR" dirty="0">
-              <a:solidFill>
-                <a:srgbClr val="24292E"/>
-              </a:solidFill>
-              <a:latin typeface="-apple-system"/>
-            </a:endParaRPr>
-          </a:p>
-          <a:p>
-            <a:r>
-              <a:rPr lang="en-US" altLang="ko-KR" b="0" i="0" dirty="0">
-                <a:solidFill>
-                  <a:srgbClr val="24292E"/>
-                </a:solidFill>
-                <a:effectLst/>
-                <a:latin typeface="-apple-system"/>
-              </a:rPr>
-              <a:t>3. replica </a:t>
-            </a:r>
-            <a:r>
-              <a:rPr lang="ko-KR" altLang="en-US" b="0" i="0" dirty="0">
-                <a:solidFill>
-                  <a:srgbClr val="24292E"/>
-                </a:solidFill>
-                <a:effectLst/>
-                <a:latin typeface="-apple-system"/>
-              </a:rPr>
-              <a:t>를 동적으로 늘려주도록 </a:t>
-            </a:r>
-            <a:r>
-              <a:rPr lang="en-US" altLang="ko-KR" b="0" i="0" dirty="0">
-                <a:solidFill>
-                  <a:srgbClr val="24292E"/>
-                </a:solidFill>
-                <a:effectLst/>
-                <a:latin typeface="-apple-system"/>
-              </a:rPr>
-              <a:t>HPA </a:t>
-            </a:r>
-            <a:r>
-              <a:rPr lang="ko-KR" altLang="en-US" b="0" i="0" dirty="0">
-                <a:solidFill>
-                  <a:srgbClr val="24292E"/>
-                </a:solidFill>
-                <a:effectLst/>
-                <a:latin typeface="-apple-system"/>
-              </a:rPr>
-              <a:t>를 설정한다</a:t>
-            </a:r>
-            <a:r>
-              <a:rPr lang="en-US" altLang="ko-KR" b="0" i="0" dirty="0">
-                <a:solidFill>
-                  <a:srgbClr val="24292E"/>
-                </a:solidFill>
-                <a:effectLst/>
-                <a:latin typeface="-apple-system"/>
-              </a:rPr>
-              <a:t>. </a:t>
-            </a:r>
-            <a:r>
-              <a:rPr lang="ko-KR" altLang="en-US" b="0" i="0" dirty="0">
-                <a:solidFill>
-                  <a:srgbClr val="24292E"/>
-                </a:solidFill>
-                <a:effectLst/>
-                <a:latin typeface="-apple-system"/>
-              </a:rPr>
-              <a:t>설정은 </a:t>
-            </a:r>
-            <a:r>
-              <a:rPr lang="en-US" altLang="ko-KR" b="0" i="0" dirty="0">
-                <a:solidFill>
-                  <a:srgbClr val="24292E"/>
-                </a:solidFill>
-                <a:effectLst/>
-                <a:latin typeface="-apple-system"/>
-              </a:rPr>
-              <a:t>CPU </a:t>
-            </a:r>
-            <a:r>
-              <a:rPr lang="ko-KR" altLang="en-US" b="0" i="0" dirty="0">
-                <a:solidFill>
-                  <a:srgbClr val="24292E"/>
-                </a:solidFill>
-                <a:effectLst/>
-                <a:latin typeface="-apple-system"/>
-              </a:rPr>
-              <a:t>사용량이 </a:t>
-            </a:r>
-            <a:r>
-              <a:rPr lang="en-US" altLang="ko-KR" b="0" i="0" dirty="0">
-                <a:solidFill>
-                  <a:srgbClr val="24292E"/>
-                </a:solidFill>
-                <a:effectLst/>
-                <a:latin typeface="-apple-system"/>
-              </a:rPr>
-              <a:t>20</a:t>
-            </a:r>
-            <a:r>
-              <a:rPr lang="ko-KR" altLang="en-US" b="0" i="0" dirty="0">
-                <a:solidFill>
-                  <a:srgbClr val="24292E"/>
-                </a:solidFill>
-                <a:effectLst/>
-                <a:latin typeface="-apple-system"/>
-              </a:rPr>
-              <a:t>프로를 넘어서면 </a:t>
-            </a:r>
-            <a:r>
-              <a:rPr lang="en-US" altLang="ko-KR" b="0" i="0" dirty="0">
-                <a:solidFill>
-                  <a:srgbClr val="24292E"/>
-                </a:solidFill>
-                <a:effectLst/>
-                <a:latin typeface="-apple-system"/>
-              </a:rPr>
-              <a:t>replica </a:t>
-            </a:r>
-            <a:r>
-              <a:rPr lang="ko-KR" altLang="en-US" b="0" i="0" dirty="0">
-                <a:solidFill>
-                  <a:srgbClr val="24292E"/>
-                </a:solidFill>
-                <a:effectLst/>
-                <a:latin typeface="-apple-system"/>
-              </a:rPr>
-              <a:t>를 </a:t>
-            </a:r>
-            <a:r>
-              <a:rPr lang="en-US" altLang="ko-KR" b="0" i="0" dirty="0">
-                <a:solidFill>
-                  <a:srgbClr val="24292E"/>
-                </a:solidFill>
-                <a:effectLst/>
-                <a:latin typeface="-apple-system"/>
-              </a:rPr>
-              <a:t>10</a:t>
-            </a:r>
-            <a:r>
-              <a:rPr lang="ko-KR" altLang="en-US" b="0" i="0" dirty="0">
-                <a:solidFill>
-                  <a:srgbClr val="24292E"/>
-                </a:solidFill>
-                <a:effectLst/>
-                <a:latin typeface="-apple-system"/>
-              </a:rPr>
-              <a:t>개까지 늘려준다</a:t>
-            </a:r>
-            <a:r>
-              <a:rPr lang="en-US" altLang="ko-KR" b="0" i="0" dirty="0">
-                <a:solidFill>
-                  <a:srgbClr val="24292E"/>
-                </a:solidFill>
-                <a:effectLst/>
-                <a:latin typeface="-apple-system"/>
-              </a:rPr>
-              <a:t>:</a:t>
-            </a:r>
-          </a:p>
-          <a:p>
-            <a:pPr algn="l"/>
-            <a:r>
-              <a:rPr lang="en-US" altLang="ko-KR" b="0" i="0" dirty="0" err="1">
-                <a:solidFill>
-                  <a:srgbClr val="24292E"/>
-                </a:solidFill>
-                <a:effectLst/>
-                <a:latin typeface="-apple-system"/>
-              </a:rPr>
-              <a:t>kubectl</a:t>
-            </a:r>
-            <a:r>
-              <a:rPr lang="en-US" altLang="ko-KR" b="0" i="0" dirty="0">
-                <a:solidFill>
-                  <a:srgbClr val="24292E"/>
-                </a:solidFill>
-                <a:effectLst/>
-                <a:latin typeface="-apple-system"/>
-              </a:rPr>
-              <a:t> </a:t>
-            </a:r>
-            <a:r>
-              <a:rPr lang="en-US" altLang="ko-KR" b="0" i="0" dirty="0" err="1">
-                <a:solidFill>
-                  <a:srgbClr val="24292E"/>
-                </a:solidFill>
-                <a:effectLst/>
-                <a:latin typeface="-apple-system"/>
-              </a:rPr>
-              <a:t>autoscale</a:t>
-            </a:r>
-            <a:r>
-              <a:rPr lang="en-US" altLang="ko-KR" b="0" i="0" dirty="0">
-                <a:solidFill>
-                  <a:srgbClr val="24292E"/>
-                </a:solidFill>
-                <a:effectLst/>
-                <a:latin typeface="-apple-system"/>
-              </a:rPr>
-              <a:t> deploy dh-</a:t>
-            </a:r>
-            <a:r>
-              <a:rPr lang="en-US" altLang="ko-KR" dirty="0" err="1">
-                <a:solidFill>
-                  <a:srgbClr val="24292E"/>
-                </a:solidFill>
-                <a:latin typeface="-apple-system"/>
-              </a:rPr>
-              <a:t>h</a:t>
-            </a:r>
-            <a:r>
-              <a:rPr lang="en-US" altLang="ko-KR" b="0" i="0" dirty="0" err="1">
-                <a:solidFill>
-                  <a:srgbClr val="24292E"/>
-                </a:solidFill>
-                <a:effectLst/>
-                <a:latin typeface="-apple-system"/>
-              </a:rPr>
-              <a:t>r</a:t>
-            </a:r>
-            <a:r>
-              <a:rPr lang="en-US" altLang="ko-KR" b="0" i="0" dirty="0">
-                <a:solidFill>
-                  <a:srgbClr val="24292E"/>
-                </a:solidFill>
-                <a:effectLst/>
-                <a:latin typeface="-apple-system"/>
-              </a:rPr>
-              <a:t> -n </a:t>
-            </a:r>
-            <a:r>
-              <a:rPr lang="en-US" altLang="ko-KR" b="0" i="0" dirty="0" err="1">
-                <a:solidFill>
-                  <a:srgbClr val="24292E"/>
-                </a:solidFill>
-                <a:effectLst/>
-                <a:latin typeface="-apple-system"/>
-              </a:rPr>
-              <a:t>istio</a:t>
-            </a:r>
-            <a:r>
-              <a:rPr lang="en-US" altLang="ko-KR" b="0" i="0" dirty="0">
-                <a:solidFill>
-                  <a:srgbClr val="24292E"/>
-                </a:solidFill>
-                <a:effectLst/>
-                <a:latin typeface="-apple-system"/>
-              </a:rPr>
-              <a:t>-</a:t>
-            </a:r>
-            <a:r>
-              <a:rPr lang="en-US" altLang="ko-KR" b="0" i="0" dirty="0" err="1">
-                <a:solidFill>
-                  <a:srgbClr val="24292E"/>
-                </a:solidFill>
-                <a:effectLst/>
-                <a:latin typeface="-apple-system"/>
-              </a:rPr>
-              <a:t>cb</a:t>
-            </a:r>
-            <a:r>
-              <a:rPr lang="en-US" altLang="ko-KR" b="0" i="0" dirty="0">
-                <a:solidFill>
-                  <a:srgbClr val="24292E"/>
-                </a:solidFill>
-                <a:effectLst/>
-                <a:latin typeface="-apple-system"/>
-              </a:rPr>
-              <a:t>-ns --min=1 --max=10 --</a:t>
-            </a:r>
-            <a:r>
-              <a:rPr lang="en-US" altLang="ko-KR" b="0" i="0" dirty="0" err="1">
-                <a:solidFill>
-                  <a:srgbClr val="24292E"/>
-                </a:solidFill>
-                <a:effectLst/>
-                <a:latin typeface="-apple-system"/>
-              </a:rPr>
-              <a:t>cpu</a:t>
-            </a:r>
-            <a:r>
-              <a:rPr lang="en-US" altLang="ko-KR" b="0" i="0" dirty="0">
-                <a:solidFill>
-                  <a:srgbClr val="24292E"/>
-                </a:solidFill>
-                <a:effectLst/>
-                <a:latin typeface="-apple-system"/>
-              </a:rPr>
-              <a:t>-percent=20</a:t>
-            </a:r>
-          </a:p>
-          <a:p>
-            <a:pPr algn="l"/>
-            <a:endParaRPr lang="en-US" altLang="ko-KR" dirty="0">
-              <a:solidFill>
-                <a:srgbClr val="24292E"/>
-              </a:solidFill>
-              <a:latin typeface="-apple-system"/>
-            </a:endParaRPr>
-          </a:p>
-          <a:p>
-            <a:pPr algn="l"/>
-            <a:r>
-              <a:rPr lang="en-US" altLang="ko-KR" b="0" i="0" dirty="0">
-                <a:solidFill>
-                  <a:srgbClr val="24292E"/>
-                </a:solidFill>
-                <a:effectLst/>
-                <a:latin typeface="-apple-system"/>
-              </a:rPr>
-              <a:t>4. </a:t>
-            </a:r>
-            <a:r>
-              <a:rPr lang="ko-KR" altLang="en-US" dirty="0">
-                <a:solidFill>
-                  <a:srgbClr val="24292E"/>
-                </a:solidFill>
-                <a:latin typeface="-apple-system"/>
-              </a:rPr>
-              <a:t>적용내용 확인</a:t>
-            </a:r>
-            <a:endParaRPr lang="en-US" altLang="ko-KR" dirty="0">
-              <a:solidFill>
-                <a:srgbClr val="24292E"/>
-              </a:solidFill>
-              <a:latin typeface="-apple-system"/>
-            </a:endParaRPr>
-          </a:p>
-          <a:p>
-            <a:pPr algn="l"/>
-            <a:r>
-              <a:rPr lang="en-US" altLang="ko-KR" b="0" i="0" dirty="0" err="1">
-                <a:solidFill>
-                  <a:srgbClr val="24292E"/>
-                </a:solidFill>
-                <a:effectLst/>
-                <a:latin typeface="-apple-system"/>
-              </a:rPr>
-              <a:t>kubectl</a:t>
-            </a:r>
-            <a:r>
-              <a:rPr lang="en-US" altLang="ko-KR" b="0" i="0" dirty="0">
-                <a:solidFill>
-                  <a:srgbClr val="24292E"/>
-                </a:solidFill>
-                <a:effectLst/>
-                <a:latin typeface="-apple-system"/>
-              </a:rPr>
-              <a:t> get all -n </a:t>
-            </a:r>
-            <a:r>
-              <a:rPr lang="en-US" altLang="ko-KR" b="0" i="0" dirty="0" err="1">
-                <a:solidFill>
-                  <a:srgbClr val="24292E"/>
-                </a:solidFill>
-                <a:effectLst/>
-                <a:latin typeface="-apple-system"/>
-              </a:rPr>
-              <a:t>istio</a:t>
-            </a:r>
-            <a:r>
-              <a:rPr lang="en-US" altLang="ko-KR" b="0" i="0" dirty="0">
-                <a:solidFill>
-                  <a:srgbClr val="24292E"/>
-                </a:solidFill>
-                <a:effectLst/>
-                <a:latin typeface="-apple-system"/>
-              </a:rPr>
-              <a:t>-</a:t>
-            </a:r>
-            <a:r>
-              <a:rPr lang="en-US" altLang="ko-KR" b="0" i="0" dirty="0" err="1">
-                <a:solidFill>
-                  <a:srgbClr val="24292E"/>
-                </a:solidFill>
-                <a:effectLst/>
-                <a:latin typeface="-apple-system"/>
-              </a:rPr>
-              <a:t>cb</a:t>
-            </a:r>
-            <a:r>
-              <a:rPr lang="en-US" altLang="ko-KR" b="0" i="0" dirty="0">
-                <a:solidFill>
-                  <a:srgbClr val="24292E"/>
-                </a:solidFill>
-                <a:effectLst/>
-                <a:latin typeface="-apple-system"/>
-              </a:rPr>
-              <a:t>-ns</a:t>
-            </a:r>
-          </a:p>
-          <a:p>
-            <a:pPr algn="l"/>
-            <a:endParaRPr lang="en-US" altLang="ko-KR" b="0" i="0" dirty="0">
-              <a:solidFill>
-                <a:srgbClr val="24292E"/>
-              </a:solidFill>
-              <a:effectLst/>
-              <a:latin typeface="-apple-system"/>
-            </a:endParaRPr>
+                <a:latin typeface="+mn-ea"/>
+              </a:rPr>
+              <a:t>적용됨을 확인함</a:t>
+            </a:r>
           </a:p>
         </p:txBody>
       </p:sp>
       <p:pic>
         <p:nvPicPr>
-          <p:cNvPr id="10" name="그림 9">
-            <a:extLst>
-              <a:ext uri="{FF2B5EF4-FFF2-40B4-BE49-F238E27FC236}">
-                <a16:creationId xmlns:a16="http://schemas.microsoft.com/office/drawing/2014/main" id="{EC79740C-17AB-47EA-9DA0-03ED55B49E12}"/>
-              </a:ext>
-            </a:extLst>
-          </p:cNvPr>
+          <p:cNvPr id="7" name="그림 6"/>
           <p:cNvPicPr>
             <a:picLocks noChangeAspect="1"/>
           </p:cNvPicPr>
           <p:nvPr/>
         </p:nvPicPr>
         <p:blipFill>
-          <a:blip r:embed="rId3"/>
+          <a:blip r:embed="rId2"/>
           <a:stretch>
             <a:fillRect/>
           </a:stretch>
         </p:blipFill>
         <p:spPr>
           <a:xfrm>
-            <a:off x="838200" y="5232742"/>
-            <a:ext cx="7210425" cy="1057275"/>
+            <a:off x="1072797" y="2137481"/>
+            <a:ext cx="8793692" cy="4319764"/>
           </a:xfrm>
           <a:prstGeom prst="rect">
             <a:avLst/>
           </a:prstGeom>
         </p:spPr>
       </p:pic>
+      <p:sp>
+        <p:nvSpPr>
+          <p:cNvPr id="8" name="직사각형 7"/>
+          <p:cNvSpPr/>
+          <p:nvPr/>
+        </p:nvSpPr>
+        <p:spPr>
+          <a:xfrm>
+            <a:off x="1272886" y="3681140"/>
+            <a:ext cx="7904979" cy="292549"/>
+          </a:xfrm>
+          <a:prstGeom prst="rect">
+            <a:avLst/>
+          </a:prstGeom>
+          <a:noFill/>
+          <a:ln w="25400">
+            <a:solidFill>
+              <a:srgbClr val="FF0000"/>
+            </a:solidFill>
+          </a:ln>
+        </p:spPr>
+        <p:style>
+          <a:lnRef idx="2">
+            <a:schemeClr val="accent1">
+              <a:shade val="50000"/>
+            </a:schemeClr>
+          </a:lnRef>
+          <a:fillRef idx="1">
+            <a:schemeClr val="accent1"/>
+          </a:fillRef>
+          <a:effectRef idx="0">
+            <a:schemeClr val="accent1"/>
+          </a:effectRef>
+          <a:fontRef idx="minor">
+            <a:schemeClr val="lt1"/>
+          </a:fontRef>
+        </p:style>
+        <p:txBody>
+          <a:bodyPr rtlCol="0" anchor="ctr"/>
+          <a:lstStyle/>
+          <a:p>
+            <a:pPr algn="ctr"/>
+            <a:endParaRPr lang="ko-KR" altLang="en-US"/>
+          </a:p>
+        </p:txBody>
+      </p:sp>
     </p:spTree>
     <p:extLst>
       <p:ext uri="{BB962C8B-B14F-4D97-AF65-F5344CB8AC3E}">
-        <p14:creationId xmlns:p14="http://schemas.microsoft.com/office/powerpoint/2010/main" val="735375266"/>
+        <p14:creationId xmlns:p14="http://schemas.microsoft.com/office/powerpoint/2010/main" val="3232976537"/>
       </p:ext>
     </p:extLst>
   </p:cSld>
@@ -24936,12 +26460,17 @@
           <a:p>
             <a:r>
               <a:rPr lang="ko-KR" altLang="en-US" dirty="0" err="1"/>
-              <a:t>오토스케일</a:t>
+              <a:t>무정지</a:t>
             </a:r>
             <a:r>
               <a:rPr lang="ko-KR" altLang="en-US" dirty="0"/>
-              <a:t> 아웃</a:t>
-            </a:r>
+              <a:t> </a:t>
+            </a:r>
+            <a:r>
+              <a:rPr lang="ko-KR" altLang="en-US" dirty="0" err="1"/>
+              <a:t>재배포</a:t>
+            </a:r>
+            <a:endParaRPr lang="ko-KR" altLang="en-US" dirty="0"/>
           </a:p>
         </p:txBody>
       </p:sp>
@@ -24960,7 +26489,7 @@
         <p:spPr>
           <a:xfrm>
             <a:off x="838200" y="1550504"/>
-            <a:ext cx="10876722" cy="923330"/>
+            <a:ext cx="10876722" cy="369332"/>
           </a:xfrm>
           <a:prstGeom prst="rect">
             <a:avLst/>
@@ -24975,192 +26504,36 @@
           <a:p>
             <a:pPr algn="l"/>
             <a:r>
-              <a:rPr lang="en-US" altLang="ko-KR" b="0" i="0" dirty="0">
-                <a:solidFill>
-                  <a:srgbClr val="24292E"/>
-                </a:solidFill>
-                <a:effectLst/>
-                <a:latin typeface="-apple-system"/>
-              </a:rPr>
-              <a:t>5. </a:t>
-            </a:r>
-            <a:r>
-              <a:rPr lang="ko-KR" altLang="en-US" b="0" i="0" dirty="0" err="1">
-                <a:solidFill>
-                  <a:srgbClr val="24292E"/>
-                </a:solidFill>
-                <a:effectLst/>
-                <a:latin typeface="-apple-system"/>
-              </a:rPr>
-              <a:t>오토스케일이</a:t>
-            </a:r>
-            <a:r>
-              <a:rPr lang="ko-KR" altLang="en-US" b="0" i="0" dirty="0">
-                <a:solidFill>
-                  <a:srgbClr val="24292E"/>
-                </a:solidFill>
-                <a:effectLst/>
-                <a:latin typeface="-apple-system"/>
-              </a:rPr>
-              <a:t> 어떻게 되고 있는지 모니터링을 </a:t>
-            </a:r>
-            <a:r>
-              <a:rPr lang="ko-KR" altLang="en-US" b="0" i="0" dirty="0" err="1">
-                <a:solidFill>
-                  <a:srgbClr val="24292E"/>
-                </a:solidFill>
-                <a:effectLst/>
-                <a:latin typeface="-apple-system"/>
-              </a:rPr>
-              <a:t>걸어둔다</a:t>
-            </a:r>
-            <a:r>
-              <a:rPr lang="en-US" altLang="ko-KR" b="0" i="0" dirty="0">
-                <a:solidFill>
-                  <a:srgbClr val="24292E"/>
-                </a:solidFill>
-                <a:effectLst/>
-                <a:latin typeface="-apple-system"/>
-              </a:rPr>
-              <a:t>.</a:t>
-            </a:r>
-          </a:p>
-          <a:p>
-            <a:pPr algn="l"/>
-            <a:r>
-              <a:rPr lang="en-US" altLang="ko-KR" dirty="0" err="1">
-                <a:solidFill>
-                  <a:srgbClr val="24292E"/>
-                </a:solidFill>
-                <a:latin typeface="-apple-system"/>
-              </a:rPr>
-              <a:t>kubectl</a:t>
-            </a:r>
-            <a:r>
               <a:rPr lang="en-US" altLang="ko-KR" dirty="0">
                 <a:solidFill>
                   <a:srgbClr val="24292E"/>
                 </a:solidFill>
-                <a:latin typeface="-apple-system"/>
-              </a:rPr>
-              <a:t> get deploy dh-</a:t>
-            </a:r>
-            <a:r>
-              <a:rPr lang="en-US" altLang="ko-KR" dirty="0" err="1">
-                <a:solidFill>
-                  <a:srgbClr val="24292E"/>
-                </a:solidFill>
-                <a:latin typeface="-apple-system"/>
-              </a:rPr>
-              <a:t>hr</a:t>
-            </a:r>
-            <a:r>
-              <a:rPr lang="en-US" altLang="ko-KR" dirty="0">
-                <a:solidFill>
-                  <a:srgbClr val="24292E"/>
-                </a:solidFill>
-                <a:latin typeface="-apple-system"/>
-              </a:rPr>
-              <a:t> </a:t>
-            </a:r>
-            <a:r>
-              <a:rPr lang="en-US" altLang="ko-KR" b="0" i="0" dirty="0">
-                <a:solidFill>
-                  <a:srgbClr val="24292E"/>
-                </a:solidFill>
-                <a:effectLst/>
-                <a:latin typeface="-apple-system"/>
-              </a:rPr>
-              <a:t>-n </a:t>
-            </a:r>
-            <a:r>
-              <a:rPr lang="en-US" altLang="ko-KR" b="0" i="0" dirty="0" err="1">
-                <a:solidFill>
-                  <a:srgbClr val="24292E"/>
-                </a:solidFill>
-                <a:effectLst/>
-                <a:latin typeface="-apple-system"/>
-              </a:rPr>
-              <a:t>istio</a:t>
-            </a:r>
-            <a:r>
-              <a:rPr lang="en-US" altLang="ko-KR" b="0" i="0" dirty="0">
-                <a:solidFill>
-                  <a:srgbClr val="24292E"/>
-                </a:solidFill>
-                <a:effectLst/>
-                <a:latin typeface="-apple-system"/>
-              </a:rPr>
-              <a:t>-</a:t>
-            </a:r>
-            <a:r>
-              <a:rPr lang="en-US" altLang="ko-KR" b="0" i="0" dirty="0" err="1">
-                <a:solidFill>
-                  <a:srgbClr val="24292E"/>
-                </a:solidFill>
-                <a:effectLst/>
-                <a:latin typeface="-apple-system"/>
-              </a:rPr>
-              <a:t>cb</a:t>
-            </a:r>
-            <a:r>
-              <a:rPr lang="en-US" altLang="ko-KR" b="0" i="0" dirty="0">
-                <a:solidFill>
-                  <a:srgbClr val="24292E"/>
-                </a:solidFill>
-                <a:effectLst/>
-                <a:latin typeface="-apple-system"/>
-              </a:rPr>
-              <a:t>-ns</a:t>
-            </a:r>
-            <a:r>
-              <a:rPr lang="en-US" altLang="ko-KR" dirty="0">
-                <a:solidFill>
-                  <a:srgbClr val="24292E"/>
-                </a:solidFill>
-                <a:latin typeface="-apple-system"/>
-              </a:rPr>
-              <a:t> -w </a:t>
-            </a:r>
-          </a:p>
-          <a:p>
-            <a:pPr algn="l"/>
-            <a:r>
-              <a:rPr lang="en-US" altLang="ko-KR" dirty="0">
-                <a:solidFill>
-                  <a:srgbClr val="24292E"/>
-                </a:solidFill>
-                <a:latin typeface="-apple-system"/>
-              </a:rPr>
-              <a:t>6. </a:t>
+                <a:latin typeface="+mn-ea"/>
+              </a:rPr>
+              <a:t>Readiness </a:t>
             </a:r>
             <a:r>
               <a:rPr lang="ko-KR" altLang="en-US" dirty="0">
                 <a:solidFill>
                   <a:srgbClr val="24292E"/>
                 </a:solidFill>
-                <a:latin typeface="-apple-system"/>
-              </a:rPr>
-              <a:t>부하를 주기 전 상태 확인</a:t>
-            </a:r>
-            <a:endParaRPr lang="en-US" altLang="ko-KR" dirty="0">
+                <a:latin typeface="+mn-ea"/>
+              </a:rPr>
+              <a:t>적용된 소스</a:t>
+            </a:r>
+            <a:endParaRPr lang="en-US" altLang="ko-KR" b="0" i="0" dirty="0">
               <a:solidFill>
                 <a:srgbClr val="24292E"/>
               </a:solidFill>
-              <a:latin typeface="-apple-system"/>
+              <a:effectLst/>
+              <a:latin typeface="+mn-ea"/>
             </a:endParaRPr>
           </a:p>
         </p:txBody>
       </p:sp>
       <p:pic>
         <p:nvPicPr>
-          <p:cNvPr id="7" name="그림 6">
-            <a:extLst>
-              <a:ext uri="{FF2B5EF4-FFF2-40B4-BE49-F238E27FC236}">
-                <a16:creationId xmlns:a16="http://schemas.microsoft.com/office/drawing/2014/main" id="{FB1BBD89-A5D5-4710-A1AD-1AED6C58DDDD}"/>
-              </a:ext>
-            </a:extLst>
-          </p:cNvPr>
+          <p:cNvPr id="3" name="그림 2"/>
           <p:cNvPicPr>
             <a:picLocks noChangeAspect="1"/>
           </p:cNvPicPr>
@@ -25174,130 +26547,18 @@
         </p:blipFill>
         <p:spPr>
           <a:xfrm>
-            <a:off x="838200" y="2473834"/>
-            <a:ext cx="7467600" cy="495300"/>
+            <a:off x="1192091" y="2256382"/>
+            <a:ext cx="9305924" cy="3915817"/>
           </a:xfrm>
           <a:prstGeom prst="rect">
             <a:avLst/>
           </a:prstGeom>
         </p:spPr>
       </p:pic>
-      <p:sp>
-        <p:nvSpPr>
-          <p:cNvPr id="8" name="TextBox 7">
-            <a:extLst>
-              <a:ext uri="{FF2B5EF4-FFF2-40B4-BE49-F238E27FC236}">
-                <a16:creationId xmlns:a16="http://schemas.microsoft.com/office/drawing/2014/main" id="{0090390A-A404-4FEB-852F-373F9966E862}"/>
-              </a:ext>
-            </a:extLst>
-          </p:cNvPr>
-          <p:cNvSpPr txBox="1"/>
-          <p:nvPr/>
-        </p:nvSpPr>
-        <p:spPr>
-          <a:xfrm>
-            <a:off x="838200" y="3065978"/>
-            <a:ext cx="10876722" cy="646331"/>
-          </a:xfrm>
-          <a:prstGeom prst="rect">
-            <a:avLst/>
-          </a:prstGeom>
-          <a:noFill/>
-        </p:spPr>
-        <p:txBody>
-          <a:bodyPr wrap="square" rtlCol="0">
-            <a:spAutoFit/>
-          </a:bodyPr>
-          <a:lstStyle/>
-          <a:p>
-            <a:r>
-              <a:rPr lang="en-US" altLang="ko-KR" b="0" i="0" dirty="0">
-                <a:solidFill>
-                  <a:srgbClr val="24292E"/>
-                </a:solidFill>
-                <a:effectLst/>
-                <a:latin typeface="-apple-system"/>
-              </a:rPr>
-              <a:t>7. siege</a:t>
-            </a:r>
-            <a:r>
-              <a:rPr lang="ko-KR" altLang="en-US" b="0" i="0" dirty="0">
-                <a:solidFill>
-                  <a:srgbClr val="24292E"/>
-                </a:solidFill>
-                <a:effectLst/>
-                <a:latin typeface="-apple-system"/>
-              </a:rPr>
-              <a:t>로 워크로드를 </a:t>
-            </a:r>
-            <a:r>
-              <a:rPr lang="en-US" altLang="ko-KR" b="0" i="0" dirty="0">
-                <a:solidFill>
-                  <a:srgbClr val="24292E"/>
-                </a:solidFill>
-                <a:effectLst/>
-                <a:latin typeface="-apple-system"/>
-              </a:rPr>
-              <a:t>2</a:t>
-            </a:r>
-            <a:r>
-              <a:rPr lang="ko-KR" altLang="en-US" b="0" i="0" dirty="0">
-                <a:solidFill>
-                  <a:srgbClr val="24292E"/>
-                </a:solidFill>
-                <a:effectLst/>
-                <a:latin typeface="-apple-system"/>
-              </a:rPr>
-              <a:t>분 동안 걸어준다</a:t>
-            </a:r>
-            <a:r>
-              <a:rPr lang="en-US" altLang="ko-KR" b="0" i="0" dirty="0">
-                <a:solidFill>
-                  <a:srgbClr val="24292E"/>
-                </a:solidFill>
-                <a:effectLst/>
-                <a:latin typeface="-apple-system"/>
-              </a:rPr>
-              <a:t>.</a:t>
-            </a:r>
-          </a:p>
-          <a:p>
-            <a:pPr algn="l"/>
-            <a:r>
-              <a:rPr lang="de-DE" altLang="ko-KR" b="0" i="0" dirty="0">
-                <a:solidFill>
-                  <a:srgbClr val="24292E"/>
-                </a:solidFill>
-                <a:effectLst/>
-                <a:latin typeface="-apple-system"/>
-              </a:rPr>
-              <a:t>siege -c100 -t120S -v  </a:t>
-            </a:r>
-            <a:r>
-              <a:rPr lang="de-DE" altLang="ko-KR" b="0" i="0" dirty="0">
-                <a:solidFill>
-                  <a:srgbClr val="24292E"/>
-                </a:solidFill>
-                <a:effectLst/>
-                <a:latin typeface="-apple-system"/>
-                <a:hlinkClick r:id="rId3"/>
-              </a:rPr>
-              <a:t>http://dh-hr:8080</a:t>
-            </a:r>
-            <a:endParaRPr lang="de-DE" altLang="ko-KR" b="0" i="0" dirty="0">
-              <a:solidFill>
-                <a:srgbClr val="24292E"/>
-              </a:solidFill>
-              <a:effectLst/>
-              <a:latin typeface="-apple-system"/>
-            </a:endParaRPr>
-          </a:p>
-        </p:txBody>
-      </p:sp>
     </p:spTree>
     <p:extLst>
       <p:ext uri="{BB962C8B-B14F-4D97-AF65-F5344CB8AC3E}">
-        <p14:creationId xmlns:p14="http://schemas.microsoft.com/office/powerpoint/2010/main" val="872557127"/>
+        <p14:creationId xmlns:p14="http://schemas.microsoft.com/office/powerpoint/2010/main" val="3922119018"/>
       </p:ext>
     </p:extLst>
   </p:cSld>
@@ -25354,12 +26615,17 @@
           <a:p>
             <a:r>
               <a:rPr lang="ko-KR" altLang="en-US" dirty="0" err="1"/>
-              <a:t>오토스케일</a:t>
+              <a:t>무정지</a:t>
             </a:r>
             <a:r>
               <a:rPr lang="ko-KR" altLang="en-US" dirty="0"/>
-              <a:t> 아웃</a:t>
-            </a:r>
+              <a:t> </a:t>
+            </a:r>
+            <a:r>
+              <a:rPr lang="ko-KR" altLang="en-US" dirty="0" err="1"/>
+              <a:t>재배포</a:t>
+            </a:r>
+            <a:endParaRPr lang="ko-KR" altLang="en-US" dirty="0"/>
           </a:p>
         </p:txBody>
       </p:sp>
@@ -25391,15 +26657,26 @@
           </a:bodyPr>
           <a:lstStyle/>
           <a:p>
+            <a:pPr algn="l"/>
+            <a:r>
+              <a:rPr lang="en-US" altLang="ko-KR" b="0" i="0" dirty="0" err="1">
+                <a:solidFill>
+                  <a:srgbClr val="24292E"/>
+                </a:solidFill>
+                <a:effectLst/>
+                <a:latin typeface="+mn-ea"/>
+              </a:rPr>
+              <a:t>seige</a:t>
+            </a:r>
             <a:r>
               <a:rPr lang="en-US" altLang="ko-KR" b="0" i="0" dirty="0">
                 <a:solidFill>
                   <a:srgbClr val="24292E"/>
                 </a:solidFill>
                 <a:effectLst/>
-                <a:latin typeface="-apple-system"/>
-              </a:rPr>
-              <a:t>8. </a:t>
+                <a:latin typeface="+mn-ea"/>
+              </a:rPr>
+              <a:t> </a:t>
             </a:r>
             <a:r>
               <a:rPr lang="ko-KR" altLang="en-US" b="0" i="0" dirty="0">
@@ -25407,9 +26684,29 @@
                   <a:srgbClr val="24292E"/>
                 </a:solidFill>
                 <a:effectLst/>
-                <a:latin typeface="-apple-system"/>
-              </a:rPr>
-              <a:t>어느정도 시간이 흐른 후 </a:t>
+                <a:latin typeface="+mn-ea"/>
+              </a:rPr>
+              <a:t>로 워크로드를 모니터링 하여 리드니스가 </a:t>
+            </a:r>
+            <a:r>
+              <a:rPr lang="ko-KR" altLang="en-US" b="0" i="0" dirty="0" err="1">
+                <a:solidFill>
+                  <a:srgbClr val="24292E"/>
+                </a:solidFill>
+                <a:effectLst/>
+                <a:latin typeface="+mn-ea"/>
+              </a:rPr>
+              <a:t>없을경우</a:t>
+            </a:r>
+            <a:r>
+              <a:rPr lang="ko-KR" altLang="en-US" b="0" i="0" dirty="0">
+                <a:solidFill>
+                  <a:srgbClr val="24292E"/>
+                </a:solidFill>
+                <a:effectLst/>
+                <a:latin typeface="+mn-ea"/>
+              </a:rPr>
+              <a:t> </a:t>
             </a:r>
             <a:r>
               <a:rPr lang="en-US" altLang="ko-KR" b="0" i="0" dirty="0">
@@ -25417,9 +26714,9 @@
                   <a:srgbClr val="24292E"/>
                 </a:solidFill>
                 <a:effectLst/>
-                <a:latin typeface="-apple-system"/>
-              </a:rPr>
-              <a:t>(</a:t>
+                <a:latin typeface="+mn-ea"/>
+              </a:rPr>
+              <a:t>97.12%</a:t>
             </a:r>
             <a:r>
               <a:rPr lang="ko-KR" altLang="en-US" b="0" i="0" dirty="0">
@@ -25427,69 +26724,26 @@
                   <a:srgbClr val="24292E"/>
                 </a:solidFill>
                 <a:effectLst/>
-                <a:latin typeface="-apple-system"/>
-              </a:rPr>
-              <a:t>약 </a:t>
-            </a:r>
-            <a:r>
-              <a:rPr lang="en-US" altLang="ko-KR" b="0" i="0" dirty="0">
-                <a:solidFill>
-                  <a:srgbClr val="24292E"/>
-                </a:solidFill>
-                <a:effectLst/>
-                <a:latin typeface="-apple-system"/>
-              </a:rPr>
-              <a:t>30</a:t>
-            </a:r>
-            <a:r>
-              <a:rPr lang="ko-KR" altLang="en-US" b="0" i="0" dirty="0">
-                <a:solidFill>
-                  <a:srgbClr val="24292E"/>
-                </a:solidFill>
-                <a:effectLst/>
-                <a:latin typeface="-apple-system"/>
-              </a:rPr>
-              <a:t>초</a:t>
-            </a:r>
-            <a:r>
-              <a:rPr lang="en-US" altLang="ko-KR" b="0" i="0" dirty="0">
-                <a:solidFill>
-                  <a:srgbClr val="24292E"/>
-                </a:solidFill>
-                <a:effectLst/>
-                <a:latin typeface="-apple-system"/>
-              </a:rPr>
-              <a:t>) </a:t>
-            </a:r>
-            <a:r>
-              <a:rPr lang="ko-KR" altLang="en-US" b="0" i="0" dirty="0">
-                <a:solidFill>
-                  <a:srgbClr val="24292E"/>
-                </a:solidFill>
-                <a:effectLst/>
-                <a:latin typeface="-apple-system"/>
-              </a:rPr>
-              <a:t>스케일 아웃이 벌어지는 것을 확인할 수 있다</a:t>
-            </a:r>
-            <a:r>
-              <a:rPr lang="en-US" altLang="ko-KR" b="0" i="0" dirty="0">
-                <a:solidFill>
-                  <a:srgbClr val="24292E"/>
-                </a:solidFill>
-                <a:effectLst/>
-                <a:latin typeface="-apple-system"/>
-              </a:rPr>
-              <a:t>:</a:t>
-            </a:r>
+                <a:latin typeface="+mn-ea"/>
+              </a:rPr>
+              <a:t>로 떨어진 것을 확인 함</a:t>
+            </a:r>
+            <a:endParaRPr lang="en-US" altLang="ko-KR" b="0" i="0" dirty="0">
+              <a:solidFill>
+                <a:srgbClr val="24292E"/>
+              </a:solidFill>
+              <a:effectLst/>
+              <a:latin typeface="+mn-ea"/>
+            </a:endParaRPr>
           </a:p>
         </p:txBody>
       </p:sp>
       <p:pic>
         <p:nvPicPr>
-          <p:cNvPr id="14" name="그림 13">
+          <p:cNvPr id="4" name="그림 3">
             <a:extLst>
               <a:ext uri="{FF2B5EF4-FFF2-40B4-BE49-F238E27FC236}">
-                <a16:creationId xmlns:a16="http://schemas.microsoft.com/office/drawing/2014/main" id="{1DADB556-BFED-4F9E-97F2-1990E2108264}"/>
+                <a16:creationId xmlns:a16="http://schemas.microsoft.com/office/drawing/2014/main" id="{4DDE765D-74AF-4226-8F13-E33E1A0E246C}"/>
               </a:ext>
             </a:extLst>
           </p:cNvPr>
@@ -25506,169 +26760,8 @@
         </p:blipFill>
         <p:spPr>
           <a:xfrm>
-            <a:off x="838200" y="5176837"/>
-            <a:ext cx="7581900" cy="600075"/>
-          </a:xfrm>
-          <a:prstGeom prst="rect">
-            <a:avLst/>
-          </a:prstGeom>
-        </p:spPr>
-      </p:pic>
-      <p:sp>
-        <p:nvSpPr>
-          <p:cNvPr id="3" name="TextBox 2">
-            <a:extLst>
-              <a:ext uri="{FF2B5EF4-FFF2-40B4-BE49-F238E27FC236}">
-                <a16:creationId xmlns:a16="http://schemas.microsoft.com/office/drawing/2014/main" id="{0371CB5F-A352-493E-8D89-95EC769465B9}"/>
-              </a:ext>
-            </a:extLst>
-          </p:cNvPr>
-          <p:cNvSpPr txBox="1"/>
-          <p:nvPr/>
-        </p:nvSpPr>
-        <p:spPr>
-          <a:xfrm>
-            <a:off x="762000" y="4568833"/>
-            <a:ext cx="10876722" cy="369332"/>
-          </a:xfrm>
-          <a:prstGeom prst="rect">
-            <a:avLst/>
-          </a:prstGeom>
-          <a:noFill/>
-        </p:spPr>
-        <p:txBody>
-          <a:bodyPr wrap="square" rtlCol="0">
-            <a:spAutoFit/>
-          </a:bodyPr>
-          <a:lstStyle/>
-          <a:p>
-            <a:pPr algn="l"/>
-            <a:r>
-              <a:rPr lang="en-US" altLang="ko-KR" dirty="0">
-                <a:solidFill>
-                  <a:srgbClr val="24292E"/>
-                </a:solidFill>
-                <a:latin typeface="-apple-system"/>
-              </a:rPr>
-              <a:t>9. </a:t>
-            </a:r>
-            <a:r>
-              <a:rPr lang="en-US" altLang="ko-KR" dirty="0" err="1">
-                <a:solidFill>
-                  <a:srgbClr val="24292E"/>
-                </a:solidFill>
-                <a:latin typeface="-apple-system"/>
-              </a:rPr>
-              <a:t>kubectl</a:t>
-            </a:r>
-            <a:r>
-              <a:rPr lang="en-US" altLang="ko-KR" dirty="0">
-                <a:solidFill>
-                  <a:srgbClr val="24292E"/>
-                </a:solidFill>
-                <a:latin typeface="-apple-system"/>
-              </a:rPr>
-              <a:t> get</a:t>
-            </a:r>
-            <a:r>
-              <a:rPr lang="ko-KR" altLang="en-US" dirty="0">
-                <a:solidFill>
-                  <a:srgbClr val="24292E"/>
-                </a:solidFill>
-                <a:latin typeface="-apple-system"/>
-              </a:rPr>
-              <a:t>으로 </a:t>
-            </a:r>
-            <a:r>
-              <a:rPr lang="en-US" altLang="ko-KR" dirty="0">
-                <a:solidFill>
-                  <a:srgbClr val="24292E"/>
-                </a:solidFill>
-                <a:latin typeface="-apple-system"/>
-              </a:rPr>
-              <a:t>HPA</a:t>
-            </a:r>
-            <a:r>
-              <a:rPr lang="ko-KR" altLang="en-US" dirty="0">
-                <a:solidFill>
-                  <a:srgbClr val="24292E"/>
-                </a:solidFill>
-                <a:latin typeface="-apple-system"/>
-              </a:rPr>
-              <a:t>을 확인하면 </a:t>
-            </a:r>
-            <a:r>
-              <a:rPr lang="en-US" altLang="ko-KR" dirty="0">
-                <a:solidFill>
-                  <a:srgbClr val="24292E"/>
-                </a:solidFill>
-                <a:latin typeface="-apple-system"/>
-              </a:rPr>
-              <a:t>CPU </a:t>
-            </a:r>
-            <a:r>
-              <a:rPr lang="ko-KR" altLang="en-US" dirty="0">
-                <a:solidFill>
-                  <a:srgbClr val="24292E"/>
-                </a:solidFill>
-                <a:latin typeface="-apple-system"/>
-              </a:rPr>
-              <a:t>사용률이 </a:t>
-            </a:r>
-            <a:r>
-              <a:rPr lang="en-US" altLang="ko-KR" dirty="0">
-                <a:solidFill>
-                  <a:srgbClr val="24292E"/>
-                </a:solidFill>
-                <a:latin typeface="-apple-system"/>
-              </a:rPr>
-              <a:t>159%</a:t>
-            </a:r>
-            <a:r>
-              <a:rPr lang="ko-KR" altLang="en-US" dirty="0">
-                <a:solidFill>
-                  <a:srgbClr val="24292E"/>
-                </a:solidFill>
-                <a:latin typeface="-apple-system"/>
-              </a:rPr>
-              <a:t>로 증가됐다</a:t>
-            </a:r>
-            <a:r>
-              <a:rPr lang="en-US" altLang="ko-KR" dirty="0">
-                <a:solidFill>
-                  <a:srgbClr val="24292E"/>
-                </a:solidFill>
-                <a:latin typeface="-apple-system"/>
-              </a:rPr>
-              <a:t>.</a:t>
-            </a:r>
-          </a:p>
-        </p:txBody>
-      </p:sp>
-      <p:pic>
-        <p:nvPicPr>
-          <p:cNvPr id="4" name="그림 3">
-            <a:extLst>
-              <a:ext uri="{FF2B5EF4-FFF2-40B4-BE49-F238E27FC236}">
-                <a16:creationId xmlns:a16="http://schemas.microsoft.com/office/drawing/2014/main" id="{D11A98F2-8444-4854-8A83-3D79610367A3}"/>
-              </a:ext>
-            </a:extLst>
-          </p:cNvPr>
-          <p:cNvPicPr>
-            <a:picLocks noChangeAspect="1"/>
-          </p:cNvPicPr>
-          <p:nvPr/>
-        </p:nvPicPr>
-        <p:blipFill>
-          <a:blip r:embed="rId3"/>
-          <a:stretch>
-            <a:fillRect/>
-          </a:stretch>
-        </p:blipFill>
-        <p:spPr>
-          <a:xfrm>
-            <a:off x="1228725" y="1972156"/>
-            <a:ext cx="2381250" cy="2506212"/>
+            <a:off x="938212" y="2030896"/>
+            <a:ext cx="3686175" cy="3276600"/>
           </a:xfrm>
           <a:prstGeom prst="rect">
             <a:avLst/>
@@ -25678,7 +26771,7 @@
     </p:spTree>
     <p:extLst>
       <p:ext uri="{BB962C8B-B14F-4D97-AF65-F5344CB8AC3E}">
-        <p14:creationId xmlns:p14="http://schemas.microsoft.com/office/powerpoint/2010/main" val="2118115625"/>
+        <p14:creationId xmlns:p14="http://schemas.microsoft.com/office/powerpoint/2010/main" val="3740873824"/>
       </p:ext>
     </p:extLst>
   </p:cSld>
@@ -25735,12 +26828,17 @@
           <a:p>
             <a:r>
               <a:rPr lang="ko-KR" altLang="en-US" dirty="0" err="1"/>
-              <a:t>오토스케일</a:t>
+              <a:t>무정지</a:t>
             </a:r>
             <a:r>
               <a:rPr lang="ko-KR" altLang="en-US" dirty="0"/>
-              <a:t> 아웃</a:t>
-            </a:r>
+              <a:t> </a:t>
+            </a:r>
+            <a:r>
+              <a:rPr lang="ko-KR" altLang="en-US" dirty="0" err="1"/>
+              <a:t>재배포</a:t>
+            </a:r>
+            <a:endParaRPr lang="ko-KR" altLang="en-US" dirty="0"/>
           </a:p>
         </p:txBody>
       </p:sp>
@@ -25772,14 +26870,16 @@
           </a:bodyPr>
           <a:lstStyle/>
           <a:p>
-            <a:r>
-              <a:rPr lang="en-US" altLang="ko-KR" dirty="0">
-                <a:solidFill>
-                  <a:srgbClr val="24292E"/>
-                </a:solidFill>
-                <a:latin typeface="-apple-system"/>
-              </a:rPr>
-              <a:t>10.</a:t>
+            <a:pPr algn="l"/>
+            <a:r>
+              <a:rPr lang="en-US" altLang="ko-KR" b="0" i="0" dirty="0" err="1">
+                <a:solidFill>
+                  <a:srgbClr val="24292E"/>
+                </a:solidFill>
+                <a:effectLst/>
+                <a:latin typeface="+mn-ea"/>
+              </a:rPr>
+              <a:t>seige</a:t>
             </a:r>
             <a:r>
               <a:rPr lang="en-US" altLang="ko-KR" b="0" i="0" dirty="0">
@@ -25787,19 +26887,29 @@
                   <a:srgbClr val="24292E"/>
                 </a:solidFill>
                 <a:effectLst/>
-                <a:latin typeface="-apple-system"/>
+                <a:latin typeface="+mn-ea"/>
               </a:rPr>
               <a:t> </a:t>
             </a:r>
             <a:r>
-              <a:rPr lang="ko-KR" altLang="en-US" b="0" i="0" dirty="0" err="1">
+              <a:rPr lang="ko-KR" altLang="en-US" b="0" i="0" dirty="0">
                 <a:solidFill>
                   <a:srgbClr val="24292E"/>
                 </a:solidFill>
                 <a:effectLst/>
-                <a:latin typeface="-apple-system"/>
-              </a:rPr>
-              <a:t>가용률이</a:t>
+                <a:latin typeface="+mn-ea"/>
+              </a:rPr>
+              <a:t>로 워크로드를 모니터링 하여 리드니스반영 후 </a:t>
+            </a:r>
+            <a:r>
+              <a:rPr lang="en-US" altLang="ko-KR" b="0" i="0" dirty="0">
+                <a:solidFill>
+                  <a:srgbClr val="24292E"/>
+                </a:solidFill>
+                <a:effectLst/>
+                <a:latin typeface="+mn-ea"/>
+              </a:rPr>
+              <a:t>100% </a:t>
             </a:r>
             <a:r>
               <a:rPr lang="ko-KR" altLang="en-US" b="0" i="0" dirty="0">
@@ -25807,46 +26917,26 @@
                   <a:srgbClr val="24292E"/>
                 </a:solidFill>
                 <a:effectLst/>
-                <a:latin typeface="-apple-system"/>
-              </a:rPr>
-              <a:t> </a:t>
-            </a:r>
-            <a:r>
-              <a:rPr lang="en-US" altLang="ko-KR" b="0" i="0" dirty="0">
-                <a:solidFill>
-                  <a:srgbClr val="24292E"/>
-                </a:solidFill>
-                <a:effectLst/>
-                <a:latin typeface="-apple-system"/>
-              </a:rPr>
-              <a:t>100%</a:t>
-            </a:r>
-            <a:r>
-              <a:rPr lang="ko-KR" altLang="en-US" b="0" i="0" dirty="0">
-                <a:solidFill>
-                  <a:srgbClr val="24292E"/>
-                </a:solidFill>
-                <a:effectLst/>
-                <a:latin typeface="-apple-system"/>
-              </a:rPr>
-              <a:t>유지됨을 확인</a:t>
+                <a:latin typeface="+mn-ea"/>
+              </a:rPr>
+              <a:t>나온 것을 확인 함</a:t>
             </a:r>
             <a:endParaRPr lang="en-US" altLang="ko-KR" b="0" i="0" dirty="0">
               <a:solidFill>
                 <a:srgbClr val="24292E"/>
               </a:solidFill>
               <a:effectLst/>
-              <a:latin typeface="-apple-system"/>
+              <a:latin typeface="+mn-ea"/>
             </a:endParaRPr>
           </a:p>
         </p:txBody>
       </p:sp>
       <p:pic>
         <p:nvPicPr>
-          <p:cNvPr id="11" name="그림 10">
+          <p:cNvPr id="7" name="그림 6">
             <a:extLst>
               <a:ext uri="{FF2B5EF4-FFF2-40B4-BE49-F238E27FC236}">
-                <a16:creationId xmlns:a16="http://schemas.microsoft.com/office/drawing/2014/main" id="{CC26686B-3D47-45AF-B624-3373C4DEAAE5}"/>
+                <a16:creationId xmlns:a16="http://schemas.microsoft.com/office/drawing/2014/main" id="{B8C9846C-FD9C-48EA-9B33-27BADB9520DE}"/>
               </a:ext>
             </a:extLst>
           </p:cNvPr>
@@ -25863,8 +26953,8 @@
         </p:blipFill>
         <p:spPr>
           <a:xfrm>
-            <a:off x="1146175" y="2049462"/>
-            <a:ext cx="3905250" cy="3724275"/>
+            <a:off x="1209543" y="2254112"/>
+            <a:ext cx="5400675" cy="4019550"/>
           </a:xfrm>
           <a:prstGeom prst="rect">
             <a:avLst/>
@@ -25874,556 +26964,7 @@
     </p:spTree>
     <p:extLst>
       <p:ext uri="{BB962C8B-B14F-4D97-AF65-F5344CB8AC3E}">
-        <p14:creationId xmlns:p14="http://schemas.microsoft.com/office/powerpoint/2010/main" val="120842853"/>
-      </p:ext>
-    </p:extLst>
-  </p:cSld>
-  <p:clrMapOvr>
-    <a:masterClrMapping/>
-  </p:clrMapOvr>
-</p:sld>
-</file>
-
-<file path=ppt/slides/slide46.xml><?xml version="1.0" encoding="utf-8"?>
-<p:sld xmlns:a="http://schemas.openxmlformats.org/drawingml/2006/main" xmlns:r="http://schemas.openxmlformats.org/officeDocument/2006/relationships" xmlns:p="http://schemas.openxmlformats.org/presentationml/2006/main">
-  <p:cSld>
-    <p:spTree>
-      <p:nvGrpSpPr>
-        <p:cNvPr id="1" name=""/>
-        <p:cNvGrpSpPr/>
-        <p:nvPr/>
-      </p:nvGrpSpPr>
-      <p:grpSpPr>
-        <a:xfrm>
-          <a:off x="0" y="0"/>
-          <a:ext cx="0" cy="0"/>
-          <a:chOff x="0" y="0"/>
-          <a:chExt cx="0" cy="0"/>
-        </a:xfrm>
-      </p:grpSpPr>
-      <p:sp>
-        <p:nvSpPr>
-          <p:cNvPr id="2" name="제목 1">
-            <a:extLst>
-              <a:ext uri="{FF2B5EF4-FFF2-40B4-BE49-F238E27FC236}">
-                <a16:creationId xmlns:a16="http://schemas.microsoft.com/office/drawing/2014/main" id="{40F41507-EE3C-45CE-A8A4-C401F3C9156B}"/>
-              </a:ext>
-            </a:extLst>
-          </p:cNvPr>
-          <p:cNvSpPr>
-            <a:spLocks noGrp="1"/>
-          </p:cNvSpPr>
-          <p:nvPr>
-            <p:ph type="title"/>
-          </p:nvPr>
-        </p:nvSpPr>
-        <p:spPr>
-          <a:xfrm>
-            <a:off x="838200" y="365125"/>
-            <a:ext cx="10515600" cy="1516565"/>
-          </a:xfrm>
-        </p:spPr>
-        <p:txBody>
-          <a:bodyPr>
-            <a:normAutofit/>
-          </a:bodyPr>
-          <a:lstStyle/>
-          <a:p>
-            <a:r>
-              <a:rPr lang="ko-KR" altLang="en-US" dirty="0"/>
-              <a:t>동기식 호출 </a:t>
-            </a:r>
-            <a:r>
-              <a:rPr lang="en-US" altLang="ko-KR" dirty="0"/>
-              <a:t>/ </a:t>
-            </a:r>
-            <a:r>
-              <a:rPr lang="ko-KR" altLang="en-US" dirty="0"/>
-              <a:t>서킷 브레이킹 </a:t>
-            </a:r>
-            <a:r>
-              <a:rPr lang="en-US" altLang="ko-KR" dirty="0"/>
-              <a:t>/ </a:t>
-            </a:r>
-            <a:r>
-              <a:rPr lang="ko-KR" altLang="en-US" dirty="0"/>
-              <a:t>장애격리</a:t>
-            </a:r>
-          </a:p>
-        </p:txBody>
-      </p:sp>
-      <p:sp>
-        <p:nvSpPr>
-          <p:cNvPr id="6" name="TextBox 5">
-            <a:extLst>
-              <a:ext uri="{FF2B5EF4-FFF2-40B4-BE49-F238E27FC236}">
-                <a16:creationId xmlns:a16="http://schemas.microsoft.com/office/drawing/2014/main" id="{C391BA87-14AD-4782-8AEF-21B9D9A27CAE}"/>
-              </a:ext>
-            </a:extLst>
-          </p:cNvPr>
-          <p:cNvSpPr txBox="1"/>
-          <p:nvPr/>
-        </p:nvSpPr>
-        <p:spPr>
-          <a:xfrm>
-            <a:off x="838200" y="1550504"/>
-            <a:ext cx="10876722" cy="1200329"/>
-          </a:xfrm>
-          <a:prstGeom prst="rect">
-            <a:avLst/>
-          </a:prstGeom>
-          <a:noFill/>
-        </p:spPr>
-        <p:txBody>
-          <a:bodyPr wrap="square" rtlCol="0">
-            <a:spAutoFit/>
-          </a:bodyPr>
-          <a:lstStyle/>
-          <a:p>
-            <a:pPr algn="l"/>
-            <a:r>
-              <a:rPr lang="en-US" altLang="ko-KR" b="0" i="0" dirty="0">
-                <a:solidFill>
-                  <a:srgbClr val="24292E"/>
-                </a:solidFill>
-                <a:effectLst/>
-                <a:latin typeface="-apple-system"/>
-              </a:rPr>
-              <a:t>1. </a:t>
-            </a:r>
-            <a:r>
-              <a:rPr lang="en-US" altLang="ko-KR" b="0" i="0" dirty="0" err="1">
-                <a:solidFill>
-                  <a:srgbClr val="24292E"/>
-                </a:solidFill>
-                <a:effectLst/>
-                <a:latin typeface="-apple-system"/>
-              </a:rPr>
-              <a:t>istio</a:t>
-            </a:r>
-            <a:r>
-              <a:rPr lang="en-US" altLang="ko-KR" b="0" i="0" dirty="0">
-                <a:solidFill>
-                  <a:srgbClr val="24292E"/>
-                </a:solidFill>
-                <a:effectLst/>
-                <a:latin typeface="-apple-system"/>
-              </a:rPr>
-              <a:t>-injection </a:t>
-            </a:r>
-            <a:r>
-              <a:rPr lang="ko-KR" altLang="en-US" b="0" i="0" dirty="0">
-                <a:solidFill>
-                  <a:srgbClr val="24292E"/>
-                </a:solidFill>
-                <a:effectLst/>
-                <a:latin typeface="-apple-system"/>
-              </a:rPr>
-              <a:t>적용</a:t>
-            </a:r>
-            <a:endParaRPr lang="en-US" altLang="ko-KR" b="0" i="0" dirty="0">
-              <a:solidFill>
-                <a:srgbClr val="24292E"/>
-              </a:solidFill>
-              <a:effectLst/>
-              <a:latin typeface="-apple-system"/>
-            </a:endParaRPr>
-          </a:p>
-          <a:p>
-            <a:pPr algn="l"/>
-            <a:r>
-              <a:rPr lang="en-US" altLang="ko-KR" b="0" i="0" dirty="0" err="1">
-                <a:solidFill>
-                  <a:srgbClr val="24292E"/>
-                </a:solidFill>
-                <a:effectLst/>
-                <a:latin typeface="-apple-system"/>
-              </a:rPr>
-              <a:t>kubectl</a:t>
-            </a:r>
-            <a:r>
-              <a:rPr lang="en-US" altLang="ko-KR" b="0" i="0" dirty="0">
-                <a:solidFill>
-                  <a:srgbClr val="24292E"/>
-                </a:solidFill>
-                <a:effectLst/>
-                <a:latin typeface="-apple-system"/>
-              </a:rPr>
-              <a:t> label namespace </a:t>
-            </a:r>
-            <a:r>
-              <a:rPr lang="en-US" altLang="ko-KR" b="0" i="0" dirty="0" err="1">
-                <a:solidFill>
-                  <a:srgbClr val="24292E"/>
-                </a:solidFill>
-                <a:effectLst/>
-                <a:latin typeface="-apple-system"/>
-              </a:rPr>
-              <a:t>istio</a:t>
-            </a:r>
-            <a:r>
-              <a:rPr lang="en-US" altLang="ko-KR" b="0" i="0" dirty="0">
-                <a:solidFill>
-                  <a:srgbClr val="24292E"/>
-                </a:solidFill>
-                <a:effectLst/>
-                <a:latin typeface="-apple-system"/>
-              </a:rPr>
-              <a:t>-</a:t>
-            </a:r>
-            <a:r>
-              <a:rPr lang="en-US" altLang="ko-KR" b="0" i="0" dirty="0" err="1">
-                <a:solidFill>
-                  <a:srgbClr val="24292E"/>
-                </a:solidFill>
-                <a:effectLst/>
-                <a:latin typeface="-apple-system"/>
-              </a:rPr>
-              <a:t>cb</a:t>
-            </a:r>
-            <a:r>
-              <a:rPr lang="en-US" altLang="ko-KR" b="0" i="0" dirty="0">
-                <a:solidFill>
-                  <a:srgbClr val="24292E"/>
-                </a:solidFill>
-                <a:effectLst/>
-                <a:latin typeface="-apple-system"/>
-              </a:rPr>
-              <a:t>-ns </a:t>
-            </a:r>
-            <a:r>
-              <a:rPr lang="en-US" altLang="ko-KR" b="0" i="0" dirty="0" err="1">
-                <a:solidFill>
-                  <a:srgbClr val="24292E"/>
-                </a:solidFill>
-                <a:effectLst/>
-                <a:latin typeface="-apple-system"/>
-              </a:rPr>
-              <a:t>istio</a:t>
-            </a:r>
-            <a:r>
-              <a:rPr lang="en-US" altLang="ko-KR" b="0" i="0" dirty="0">
-                <a:solidFill>
-                  <a:srgbClr val="24292E"/>
-                </a:solidFill>
-                <a:effectLst/>
-                <a:latin typeface="-apple-system"/>
-              </a:rPr>
-              <a:t>-injection=enabled –overwrite</a:t>
-            </a:r>
-          </a:p>
-          <a:p>
-            <a:pPr algn="l"/>
-            <a:endParaRPr lang="en-US" altLang="ko-KR" dirty="0">
-              <a:solidFill>
-                <a:srgbClr val="24292E"/>
-              </a:solidFill>
-              <a:latin typeface="-apple-system"/>
-            </a:endParaRPr>
-          </a:p>
-          <a:p>
-            <a:r>
-              <a:rPr lang="en-US" altLang="ko-KR" b="0" i="0" dirty="0">
-                <a:solidFill>
-                  <a:srgbClr val="24292E"/>
-                </a:solidFill>
-                <a:effectLst/>
-                <a:latin typeface="-apple-system"/>
-              </a:rPr>
-              <a:t>2. </a:t>
-            </a:r>
-            <a:r>
-              <a:rPr lang="ko-KR" altLang="en-US" b="0" i="0" dirty="0">
-                <a:solidFill>
-                  <a:srgbClr val="24292E"/>
-                </a:solidFill>
-                <a:effectLst/>
-                <a:latin typeface="-apple-system"/>
-              </a:rPr>
-              <a:t>서킷 </a:t>
-            </a:r>
-            <a:r>
-              <a:rPr lang="ko-KR" altLang="en-US" b="0" i="0" dirty="0" err="1">
-                <a:solidFill>
-                  <a:srgbClr val="24292E"/>
-                </a:solidFill>
-                <a:effectLst/>
-                <a:latin typeface="-apple-system"/>
-              </a:rPr>
-              <a:t>브레이킹을</a:t>
-            </a:r>
-            <a:r>
-              <a:rPr lang="ko-KR" altLang="en-US" b="0" i="0" dirty="0">
-                <a:solidFill>
-                  <a:srgbClr val="24292E"/>
-                </a:solidFill>
-                <a:effectLst/>
-                <a:latin typeface="-apple-system"/>
-              </a:rPr>
-              <a:t> 위한 </a:t>
-            </a:r>
-            <a:r>
-              <a:rPr lang="en-US" altLang="ko-KR" b="0" i="0" dirty="0" err="1">
-                <a:solidFill>
-                  <a:srgbClr val="24292E"/>
-                </a:solidFill>
-                <a:effectLst/>
-                <a:latin typeface="-apple-system"/>
-              </a:rPr>
-              <a:t>DestinationRule</a:t>
-            </a:r>
-            <a:r>
-              <a:rPr lang="en-US" altLang="ko-KR" b="0" i="0" dirty="0">
-                <a:solidFill>
-                  <a:srgbClr val="24292E"/>
-                </a:solidFill>
-                <a:effectLst/>
-                <a:latin typeface="-apple-system"/>
-              </a:rPr>
-              <a:t> </a:t>
-            </a:r>
-            <a:r>
-              <a:rPr lang="ko-KR" altLang="en-US" b="0" i="0" dirty="0">
-                <a:solidFill>
-                  <a:srgbClr val="24292E"/>
-                </a:solidFill>
-                <a:effectLst/>
-                <a:latin typeface="-apple-system"/>
-              </a:rPr>
-              <a:t>적용</a:t>
-            </a:r>
-          </a:p>
-        </p:txBody>
-      </p:sp>
-      <p:pic>
-        <p:nvPicPr>
-          <p:cNvPr id="4" name="그림 3">
-            <a:extLst>
-              <a:ext uri="{FF2B5EF4-FFF2-40B4-BE49-F238E27FC236}">
-                <a16:creationId xmlns:a16="http://schemas.microsoft.com/office/drawing/2014/main" id="{7B3ACC09-AAE3-4B68-AEBA-4128DAAF034B}"/>
-              </a:ext>
-            </a:extLst>
-          </p:cNvPr>
-          <p:cNvPicPr>
-            <a:picLocks noChangeAspect="1"/>
-          </p:cNvPicPr>
-          <p:nvPr/>
-        </p:nvPicPr>
-        <p:blipFill>
-          <a:blip r:embed="rId2"/>
-          <a:stretch>
-            <a:fillRect/>
-          </a:stretch>
-        </p:blipFill>
-        <p:spPr>
-          <a:xfrm>
-            <a:off x="1193800" y="2750833"/>
-            <a:ext cx="4343400" cy="3181350"/>
-          </a:xfrm>
-          <a:prstGeom prst="rect">
-            <a:avLst/>
-          </a:prstGeom>
-        </p:spPr>
-      </p:pic>
-    </p:spTree>
-    <p:extLst>
-      <p:ext uri="{BB962C8B-B14F-4D97-AF65-F5344CB8AC3E}">
-        <p14:creationId xmlns:p14="http://schemas.microsoft.com/office/powerpoint/2010/main" val="2179270574"/>
-      </p:ext>
-    </p:extLst>
-  </p:cSld>
-  <p:clrMapOvr>
-    <a:masterClrMapping/>
-  </p:clrMapOvr>
-</p:sld>
-</file>
-
-<file path=ppt/slides/slide47.xml><?xml version="1.0" encoding="utf-8"?>
-<p:sld xmlns:a="http://schemas.openxmlformats.org/drawingml/2006/main" xmlns:r="http://schemas.openxmlformats.org/officeDocument/2006/relationships" xmlns:p="http://schemas.openxmlformats.org/presentationml/2006/main">
-  <p:cSld>
-    <p:spTree>
-      <p:nvGrpSpPr>
-        <p:cNvPr id="1" name=""/>
-        <p:cNvGrpSpPr/>
-        <p:nvPr/>
-      </p:nvGrpSpPr>
-      <p:grpSpPr>
-        <a:xfrm>
-          <a:off x="0" y="0"/>
-          <a:ext cx="0" cy="0"/>
-          <a:chOff x="0" y="0"/>
-          <a:chExt cx="0" cy="0"/>
-        </a:xfrm>
-      </p:grpSpPr>
-      <p:sp>
-        <p:nvSpPr>
-          <p:cNvPr id="2" name="제목 1">
-            <a:extLst>
-              <a:ext uri="{FF2B5EF4-FFF2-40B4-BE49-F238E27FC236}">
-                <a16:creationId xmlns:a16="http://schemas.microsoft.com/office/drawing/2014/main" id="{40F41507-EE3C-45CE-A8A4-C401F3C9156B}"/>
-              </a:ext>
-            </a:extLst>
-          </p:cNvPr>
-          <p:cNvSpPr>
-            <a:spLocks noGrp="1"/>
-          </p:cNvSpPr>
-          <p:nvPr>
-            <p:ph type="title"/>
-          </p:nvPr>
-        </p:nvSpPr>
-        <p:spPr>
-          <a:xfrm>
-            <a:off x="838200" y="365125"/>
-            <a:ext cx="10515600" cy="1516565"/>
-          </a:xfrm>
-        </p:spPr>
-        <p:txBody>
-          <a:bodyPr>
-            <a:normAutofit/>
-          </a:bodyPr>
-          <a:lstStyle/>
-          <a:p>
-            <a:r>
-              <a:rPr lang="ko-KR" altLang="en-US" dirty="0"/>
-              <a:t>동기식 호출 </a:t>
-            </a:r>
-            <a:r>
-              <a:rPr lang="en-US" altLang="ko-KR" dirty="0"/>
-              <a:t>/ </a:t>
-            </a:r>
-            <a:r>
-              <a:rPr lang="ko-KR" altLang="en-US" dirty="0"/>
-              <a:t>서킷 브레이킹 </a:t>
-            </a:r>
-            <a:r>
-              <a:rPr lang="en-US" altLang="ko-KR" dirty="0"/>
-              <a:t>/ </a:t>
-            </a:r>
-            <a:r>
-              <a:rPr lang="ko-KR" altLang="en-US" dirty="0"/>
-              <a:t>장애격리</a:t>
-            </a:r>
-          </a:p>
-        </p:txBody>
-      </p:sp>
-      <p:sp>
-        <p:nvSpPr>
-          <p:cNvPr id="6" name="TextBox 5">
-            <a:extLst>
-              <a:ext uri="{FF2B5EF4-FFF2-40B4-BE49-F238E27FC236}">
-                <a16:creationId xmlns:a16="http://schemas.microsoft.com/office/drawing/2014/main" id="{C391BA87-14AD-4782-8AEF-21B9D9A27CAE}"/>
-              </a:ext>
-            </a:extLst>
-          </p:cNvPr>
-          <p:cNvSpPr txBox="1"/>
-          <p:nvPr/>
-        </p:nvSpPr>
-        <p:spPr>
-          <a:xfrm>
-            <a:off x="838200" y="1550504"/>
-            <a:ext cx="10876722" cy="369332"/>
-          </a:xfrm>
-          <a:prstGeom prst="rect">
-            <a:avLst/>
-          </a:prstGeom>
-          <a:noFill/>
-        </p:spPr>
-        <p:txBody>
-          <a:bodyPr wrap="square" rtlCol="0">
-            <a:spAutoFit/>
-          </a:bodyPr>
-          <a:lstStyle/>
-          <a:p>
-            <a:pPr algn="l"/>
-            <a:r>
-              <a:rPr lang="en-US" altLang="ko-KR" b="0" i="0" dirty="0">
-                <a:solidFill>
-                  <a:srgbClr val="24292E"/>
-                </a:solidFill>
-                <a:effectLst/>
-                <a:latin typeface="-apple-system"/>
-              </a:rPr>
-              <a:t>3. </a:t>
-            </a:r>
-            <a:r>
-              <a:rPr lang="ko-KR" altLang="en-US" b="0" i="0">
-                <a:solidFill>
-                  <a:srgbClr val="24292E"/>
-                </a:solidFill>
-                <a:effectLst/>
-                <a:latin typeface="-apple-system"/>
-              </a:rPr>
-              <a:t>룰 적용 후 </a:t>
-            </a:r>
-            <a:r>
-              <a:rPr lang="ko-KR" altLang="en-US" b="0" i="0" dirty="0">
-                <a:solidFill>
-                  <a:srgbClr val="24292E"/>
-                </a:solidFill>
-                <a:effectLst/>
-                <a:latin typeface="-apple-system"/>
-              </a:rPr>
-              <a:t>부하 발생하여 가용성이 떨어짐</a:t>
-            </a:r>
-            <a:r>
-              <a:rPr lang="en-US" altLang="ko-KR" b="0" i="0" dirty="0">
-                <a:solidFill>
-                  <a:srgbClr val="24292E"/>
-                </a:solidFill>
-                <a:effectLst/>
-                <a:latin typeface="-apple-system"/>
-              </a:rPr>
-              <a:t> </a:t>
-            </a:r>
-            <a:endParaRPr lang="ko-KR" altLang="en-US" b="0" i="0" dirty="0">
-              <a:solidFill>
-                <a:srgbClr val="24292E"/>
-              </a:solidFill>
-              <a:effectLst/>
-              <a:latin typeface="-apple-system"/>
-            </a:endParaRPr>
-          </a:p>
-        </p:txBody>
-      </p:sp>
-      <p:pic>
-        <p:nvPicPr>
-          <p:cNvPr id="5" name="그림 4">
-            <a:extLst>
-              <a:ext uri="{FF2B5EF4-FFF2-40B4-BE49-F238E27FC236}">
-                <a16:creationId xmlns:a16="http://schemas.microsoft.com/office/drawing/2014/main" id="{2857AA1B-6434-4E36-A58D-440512A4557E}"/>
-              </a:ext>
-            </a:extLst>
-          </p:cNvPr>
-          <p:cNvPicPr>
-            <a:picLocks noChangeAspect="1"/>
-          </p:cNvPicPr>
-          <p:nvPr/>
-        </p:nvPicPr>
-        <p:blipFill rotWithShape="1">
-          <a:blip r:embed="rId2">
-            <a:extLst>
-              <a:ext uri="{28A0092B-C50C-407E-A947-70E740481C1C}">
-                <a14:useLocalDpi xmlns:a14="http://schemas.microsoft.com/office/drawing/2010/main" val="0"/>
-              </a:ext>
-            </a:extLst>
-          </a:blip>
-          <a:srcRect r="15096"/>
-          <a:stretch/>
-        </p:blipFill>
-        <p:spPr>
-          <a:xfrm>
-            <a:off x="1228359" y="2104792"/>
-            <a:ext cx="4448541" cy="3334215"/>
-          </a:xfrm>
-          <a:prstGeom prst="rect">
-            <a:avLst/>
-          </a:prstGeom>
-        </p:spPr>
-      </p:pic>
-    </p:spTree>
-    <p:extLst>
-      <p:ext uri="{BB962C8B-B14F-4D97-AF65-F5344CB8AC3E}">
-        <p14:creationId xmlns:p14="http://schemas.microsoft.com/office/powerpoint/2010/main" val="4282076566"/>
+        <p14:creationId xmlns:p14="http://schemas.microsoft.com/office/powerpoint/2010/main" val="59465941"/>
       </p:ext>
     </p:extLst>
   </p:cSld>
